--- a/2.Testing_types/Testing types.pptx
+++ b/2.Testing_types/Testing types.pptx
@@ -5967,15 +5967,7 @@
             </a:pPr>
             <a:r>
               <a:rPr lang="en-US" sz="2200" dirty="0" smtClean="0"/>
-              <a:t>3. What kinds of testing </a:t>
-            </a:r>
-            <a:r>
-              <a:rPr lang="en-US" sz="2200" dirty="0" smtClean="0"/>
-              <a:t>belongs </a:t>
-            </a:r>
-            <a:r>
-              <a:rPr lang="en-US" sz="2200" dirty="0" smtClean="0"/>
-              <a:t>to System testing?</a:t>
+              <a:t>3. What kinds of testing belongs to System testing?</a:t>
             </a:r>
             <a:endParaRPr lang="en-US" sz="2200" dirty="0"/>
           </a:p>
@@ -7295,29 +7287,7 @@
                   </a:schemeClr>
                 </a:solidFill>
               </a:rPr>
-              <a:t>Execution of difficult </a:t>
-            </a:r>
-            <a:r>
-              <a:rPr lang="en-US" dirty="0" smtClean="0">
-                <a:solidFill>
-                  <a:schemeClr val="tx1">
-                    <a:lumMod val="75000"/>
-                    <a:lumOff val="25000"/>
-                  </a:schemeClr>
-                </a:solidFill>
-              </a:rPr>
-              <a:t>/ complex </a:t>
-            </a:r>
-            <a:r>
-              <a:rPr lang="en-US" dirty="0" smtClean="0">
-                <a:solidFill>
-                  <a:schemeClr val="tx1">
-                    <a:lumMod val="75000"/>
-                    <a:lumOff val="25000"/>
-                  </a:schemeClr>
-                </a:solidFill>
-              </a:rPr>
-              <a:t>tests</a:t>
+              <a:t>Execution of difficult / complex tests</a:t>
             </a:r>
             <a:endParaRPr lang="en-US" dirty="0">
               <a:solidFill>
@@ -8106,7 +8076,7 @@
         </p:nvSpPr>
         <p:spPr>
           <a:xfrm>
-            <a:off x="1066800" y="5569881"/>
+            <a:off x="1059456" y="5350854"/>
             <a:ext cx="3733800" cy="430887"/>
           </a:xfrm>
           <a:prstGeom prst="rect">
@@ -8128,8 +8098,8 @@
               <a:buChar char="•"/>
             </a:pPr>
             <a:r>
-              <a:rPr lang="en-US" sz="2200" dirty="0" smtClean="0"/>
-              <a:t>Boundary </a:t>
+              <a:rPr lang="en-US" sz="2200" smtClean="0"/>
+              <a:t>GUI </a:t>
             </a:r>
             <a:r>
               <a:rPr lang="en-US" sz="2200" dirty="0"/>
@@ -8146,7 +8116,7 @@
         </p:nvSpPr>
         <p:spPr>
           <a:xfrm>
-            <a:off x="1066800" y="1371600"/>
+            <a:off x="1066799" y="1193248"/>
             <a:ext cx="2571794" cy="430887"/>
           </a:xfrm>
           <a:prstGeom prst="rect">
@@ -8182,7 +8152,7 @@
         </p:nvSpPr>
         <p:spPr>
           <a:xfrm>
-            <a:off x="1066799" y="1752600"/>
+            <a:off x="1066799" y="1636959"/>
             <a:ext cx="3022027" cy="430887"/>
           </a:xfrm>
           <a:prstGeom prst="rect">
@@ -8218,7 +8188,7 @@
         </p:nvSpPr>
         <p:spPr>
           <a:xfrm>
-            <a:off x="1371600" y="2133600"/>
+            <a:off x="1371600" y="1916832"/>
             <a:ext cx="2123084" cy="769441"/>
           </a:xfrm>
           <a:prstGeom prst="rect">
@@ -8269,7 +8239,7 @@
         </p:nvSpPr>
         <p:spPr>
           <a:xfrm>
-            <a:off x="1066799" y="2971800"/>
+            <a:off x="1066799" y="2755032"/>
             <a:ext cx="2363404" cy="430887"/>
           </a:xfrm>
           <a:prstGeom prst="rect">
@@ -8305,7 +8275,7 @@
         </p:nvSpPr>
         <p:spPr>
           <a:xfrm>
-            <a:off x="1066800" y="3929066"/>
+            <a:off x="1066800" y="3712298"/>
             <a:ext cx="1868075" cy="430887"/>
           </a:xfrm>
           <a:prstGeom prst="rect">
@@ -8345,7 +8315,7 @@
         </p:nvSpPr>
         <p:spPr>
           <a:xfrm>
-            <a:off x="1066800" y="4357694"/>
+            <a:off x="1066800" y="4140926"/>
             <a:ext cx="2296078" cy="430887"/>
           </a:xfrm>
           <a:prstGeom prst="rect">
@@ -8381,7 +8351,7 @@
         </p:nvSpPr>
         <p:spPr>
           <a:xfrm>
-            <a:off x="1066799" y="5112681"/>
+            <a:off x="1066799" y="4895913"/>
             <a:ext cx="2716000" cy="430887"/>
           </a:xfrm>
           <a:prstGeom prst="rect">
@@ -8458,7 +8428,7 @@
         </p:nvSpPr>
         <p:spPr>
           <a:xfrm>
-            <a:off x="1394453" y="3426741"/>
+            <a:off x="1394453" y="3209973"/>
             <a:ext cx="4528291" cy="430887"/>
           </a:xfrm>
           <a:prstGeom prst="rect">
@@ -8497,7 +8467,7 @@
         </p:nvSpPr>
         <p:spPr>
           <a:xfrm>
-            <a:off x="1475656" y="4766971"/>
+            <a:off x="1475656" y="4550203"/>
             <a:ext cx="3152210" cy="338554"/>
           </a:xfrm>
           <a:prstGeom prst="rect">
@@ -8521,6 +8491,46 @@
               <a:t>Confidentiality, Integrity, Availability</a:t>
             </a:r>
             <a:endParaRPr lang="en-US" sz="1600" dirty="0"/>
+          </a:p>
+        </p:txBody>
+      </p:sp>
+      <p:sp>
+        <p:nvSpPr>
+          <p:cNvPr id="14" name="Rectangle 13"/>
+          <p:cNvSpPr/>
+          <p:nvPr/>
+        </p:nvSpPr>
+        <p:spPr>
+          <a:xfrm>
+            <a:off x="1067975" y="5798100"/>
+            <a:ext cx="3733800" cy="430887"/>
+          </a:xfrm>
+          <a:prstGeom prst="rect">
+            <a:avLst/>
+          </a:prstGeom>
+        </p:spPr>
+        <p:txBody>
+          <a:bodyPr wrap="square">
+            <a:spAutoFit/>
+          </a:bodyPr>
+          <a:lstStyle/>
+          <a:p>
+            <a:pPr marL="342900" indent="-342900">
+              <a:buClr>
+                <a:srgbClr val="76A9D4"/>
+              </a:buClr>
+              <a:buSzPct val="150000"/>
+              <a:buFont typeface="Arial" pitchFamily="34" charset="0"/>
+              <a:buChar char="•"/>
+            </a:pPr>
+            <a:r>
+              <a:rPr lang="en-US" sz="2200" dirty="0" smtClean="0"/>
+              <a:t>Boundary </a:t>
+            </a:r>
+            <a:r>
+              <a:rPr lang="en-US" sz="2200" dirty="0"/>
+              <a:t>testing</a:t>
+            </a:r>
           </a:p>
         </p:txBody>
       </p:sp>
@@ -9072,6 +9082,59 @@
                       </p:childTnLst>
                     </p:cTn>
                   </p:par>
+                  <p:par>
+                    <p:cTn id="53" fill="hold">
+                      <p:stCondLst>
+                        <p:cond delay="indefinite"/>
+                      </p:stCondLst>
+                      <p:childTnLst>
+                        <p:par>
+                          <p:cTn id="54" fill="hold">
+                            <p:stCondLst>
+                              <p:cond delay="0"/>
+                            </p:stCondLst>
+                            <p:childTnLst>
+                              <p:par>
+                                <p:cTn id="55" presetID="10" presetClass="entr" presetSubtype="0" fill="hold" grpId="0" nodeType="clickEffect">
+                                  <p:stCondLst>
+                                    <p:cond delay="0"/>
+                                  </p:stCondLst>
+                                  <p:childTnLst>
+                                    <p:set>
+                                      <p:cBhvr>
+                                        <p:cTn id="56" dur="1" fill="hold">
+                                          <p:stCondLst>
+                                            <p:cond delay="0"/>
+                                          </p:stCondLst>
+                                        </p:cTn>
+                                        <p:tgtEl>
+                                          <p:spTgt spid="14"/>
+                                        </p:tgtEl>
+                                        <p:attrNameLst>
+                                          <p:attrName>style.visibility</p:attrName>
+                                        </p:attrNameLst>
+                                      </p:cBhvr>
+                                      <p:to>
+                                        <p:strVal val="visible"/>
+                                      </p:to>
+                                    </p:set>
+                                    <p:animEffect transition="in" filter="fade">
+                                      <p:cBhvr>
+                                        <p:cTn id="57" dur="500"/>
+                                        <p:tgtEl>
+                                          <p:spTgt spid="14"/>
+                                        </p:tgtEl>
+                                      </p:cBhvr>
+                                    </p:animEffect>
+                                  </p:childTnLst>
+                                </p:cTn>
+                              </p:par>
+                            </p:childTnLst>
+                          </p:cTn>
+                        </p:par>
+                      </p:childTnLst>
+                    </p:cTn>
+                  </p:par>
                 </p:childTnLst>
               </p:cTn>
               <p:prevCondLst>
@@ -9104,6 +9167,7 @@
       <p:bldP spid="10" grpId="0"/>
       <p:bldP spid="12" grpId="0"/>
       <p:bldP spid="13" grpId="0"/>
+      <p:bldP spid="14" grpId="0"/>
     </p:bldLst>
   </p:timing>
 </p:sld>
@@ -11119,15 +11183,7 @@
             </a:pPr>
             <a:r>
               <a:rPr lang="en-US" sz="2000" dirty="0" smtClean="0"/>
-              <a:t>3. Name the different kinds of testing depending of </a:t>
-            </a:r>
-            <a:r>
-              <a:rPr lang="en-US" sz="2000" dirty="0" smtClean="0"/>
-              <a:t>a testing </a:t>
-            </a:r>
-            <a:r>
-              <a:rPr lang="en-US" sz="2000" dirty="0" smtClean="0"/>
-              <a:t>object.</a:t>
+              <a:t>3. Name the different kinds of testing depending of a testing object.</a:t>
             </a:r>
             <a:endParaRPr lang="en-US" sz="2000" dirty="0"/>
           </a:p>
@@ -11170,11 +11226,7 @@
             </a:r>
             <a:r>
               <a:rPr lang="en-US" sz="2000" dirty="0" smtClean="0"/>
-              <a:t>and Stress </a:t>
-            </a:r>
-            <a:r>
-              <a:rPr lang="en-US" sz="2000" dirty="0" smtClean="0"/>
-              <a:t>testing.</a:t>
+              <a:t>and Stress testing.</a:t>
             </a:r>
             <a:endParaRPr lang="en-US" sz="2000" dirty="0"/>
           </a:p>
@@ -12111,11 +12163,7 @@
             </a:r>
             <a:r>
               <a:rPr lang="en-US" b="1" dirty="0" smtClean="0"/>
-              <a:t>similar to shown </a:t>
-            </a:r>
-            <a:r>
-              <a:rPr lang="en-US" b="1" dirty="0" smtClean="0"/>
-              <a:t>in the picture below. </a:t>
+              <a:t>similar to shown in the picture below. </a:t>
             </a:r>
             <a:r>
               <a:rPr lang="en-US" b="1" dirty="0"/>
@@ -14238,11 +14286,7 @@
             </a:pPr>
             <a:r>
               <a:rPr lang="en-US" sz="2200" dirty="0" smtClean="0"/>
-              <a:t>Usually </a:t>
-            </a:r>
-            <a:r>
-              <a:rPr lang="en-US" sz="2200" dirty="0" smtClean="0"/>
-              <a:t>performed by developers.</a:t>
+              <a:t>Usually performed by developers.</a:t>
             </a:r>
             <a:endParaRPr lang="en-US" sz="2200" dirty="0"/>
           </a:p>
@@ -15197,11 +15241,7 @@
             </a:pPr>
             <a:r>
               <a:rPr lang="en-US" sz="1400" dirty="0" smtClean="0"/>
-              <a:t>Usability </a:t>
-            </a:r>
-            <a:r>
-              <a:rPr lang="en-US" sz="1400" dirty="0" smtClean="0"/>
-              <a:t>testing</a:t>
+              <a:t>Usability testing</a:t>
             </a:r>
           </a:p>
           <a:p>

--- a/2.Testing_types/Testing types.pptx
+++ b/2.Testing_types/Testing types.pptx
@@ -15107,7 +15107,7 @@
         </p:nvSpPr>
         <p:spPr>
           <a:xfrm>
-            <a:off x="463118" y="1600200"/>
+            <a:off x="464096" y="1201370"/>
             <a:ext cx="3048000" cy="674672"/>
           </a:xfrm>
           <a:prstGeom prst="rect">
@@ -15156,7 +15156,7 @@
         <p:spPr>
           <a:xfrm>
             <a:off x="1408903" y="3501002"/>
-            <a:ext cx="3530301" cy="2246769"/>
+            <a:ext cx="3530301" cy="2677656"/>
           </a:xfrm>
           <a:prstGeom prst="rect">
             <a:avLst/>
@@ -15217,6 +15217,135 @@
             <a:endParaRPr lang="en-US" sz="1400" dirty="0"/>
           </a:p>
           <a:p>
+            <a:pPr marL="800100" lvl="1" indent="-342900">
+              <a:buClr>
+                <a:srgbClr val="76A9D4"/>
+              </a:buClr>
+              <a:buSzPct val="150000"/>
+              <a:buFont typeface="Arial" pitchFamily="34" charset="0"/>
+              <a:buChar char="•"/>
+            </a:pPr>
+            <a:r>
+              <a:rPr lang="en-US" sz="1400" dirty="0" smtClean="0"/>
+              <a:t>Exploratory testing</a:t>
+            </a:r>
+          </a:p>
+          <a:p>
+            <a:pPr marL="342900" indent="-342900">
+              <a:buClr>
+                <a:srgbClr val="76A9D4"/>
+              </a:buClr>
+              <a:buSzPct val="150000"/>
+              <a:buFont typeface="Arial" pitchFamily="34" charset="0"/>
+              <a:buChar char="•"/>
+            </a:pPr>
+            <a:r>
+              <a:rPr lang="en-US" sz="1400" dirty="0" smtClean="0"/>
+              <a:t>Non-Functional </a:t>
+            </a:r>
+            <a:r>
+              <a:rPr lang="en-US" sz="1400" dirty="0"/>
+              <a:t>Testing </a:t>
+            </a:r>
+          </a:p>
+          <a:p>
+            <a:pPr marL="800100" lvl="1" indent="-342900">
+              <a:buClr>
+                <a:srgbClr val="76A9D4"/>
+              </a:buClr>
+              <a:buSzPct val="150000"/>
+              <a:buFont typeface="Arial" pitchFamily="34" charset="0"/>
+              <a:buChar char="•"/>
+            </a:pPr>
+            <a:r>
+              <a:rPr lang="en-US" sz="1400" dirty="0" smtClean="0"/>
+              <a:t>Usability </a:t>
+            </a:r>
+            <a:r>
+              <a:rPr lang="en-US" sz="1400" dirty="0" smtClean="0"/>
+              <a:t>testing</a:t>
+            </a:r>
+          </a:p>
+          <a:p>
+            <a:pPr marL="800100" lvl="1" indent="-342900">
+              <a:buClr>
+                <a:srgbClr val="76A9D4"/>
+              </a:buClr>
+              <a:buSzPct val="150000"/>
+              <a:buFont typeface="Arial" pitchFamily="34" charset="0"/>
+              <a:buChar char="•"/>
+            </a:pPr>
+            <a:r>
+              <a:rPr lang="en-US" sz="1400" dirty="0"/>
+              <a:t>Load </a:t>
+            </a:r>
+            <a:r>
+              <a:rPr lang="en-US" sz="1400" dirty="0" smtClean="0"/>
+              <a:t>testing</a:t>
+            </a:r>
+          </a:p>
+          <a:p>
+            <a:pPr marL="800100" lvl="1" indent="-342900">
+              <a:buClr>
+                <a:srgbClr val="76A9D4"/>
+              </a:buClr>
+              <a:buSzPct val="150000"/>
+              <a:buFont typeface="Arial" pitchFamily="34" charset="0"/>
+              <a:buChar char="•"/>
+            </a:pPr>
+            <a:r>
+              <a:rPr lang="en-US" sz="1400" dirty="0" smtClean="0"/>
+              <a:t>Stress testing</a:t>
+            </a:r>
+          </a:p>
+          <a:p>
+            <a:pPr marL="800100" lvl="1" indent="-342900">
+              <a:buClr>
+                <a:srgbClr val="76A9D4"/>
+              </a:buClr>
+              <a:buSzPct val="150000"/>
+              <a:buFont typeface="Arial" pitchFamily="34" charset="0"/>
+              <a:buChar char="•"/>
+            </a:pPr>
+            <a:r>
+              <a:rPr lang="en-US" sz="1400" dirty="0" smtClean="0"/>
+              <a:t>Boundary testing</a:t>
+            </a:r>
+          </a:p>
+          <a:p>
+            <a:pPr marL="800100" lvl="1" indent="-342900">
+              <a:buClr>
+                <a:srgbClr val="76A9D4"/>
+              </a:buClr>
+              <a:buSzPct val="150000"/>
+              <a:buFont typeface="Arial" pitchFamily="34" charset="0"/>
+              <a:buChar char="•"/>
+            </a:pPr>
+            <a:r>
+              <a:rPr lang="en-US" sz="1400" dirty="0" smtClean="0"/>
+              <a:t>Security </a:t>
+            </a:r>
+            <a:r>
+              <a:rPr lang="en-US" sz="1400" dirty="0" smtClean="0"/>
+              <a:t>testing</a:t>
+            </a:r>
+          </a:p>
+          <a:p>
+            <a:pPr marL="800100" lvl="1" indent="-342900">
+              <a:buClr>
+                <a:srgbClr val="76A9D4"/>
+              </a:buClr>
+              <a:buSzPct val="150000"/>
+              <a:buFont typeface="Arial" pitchFamily="34" charset="0"/>
+              <a:buChar char="•"/>
+            </a:pPr>
+            <a:r>
+              <a:rPr lang="en-US" sz="1400" dirty="0" smtClean="0"/>
+              <a:t>Installation testing</a:t>
+            </a:r>
+            <a:endParaRPr lang="en-US" sz="1400" dirty="0" smtClean="0"/>
+          </a:p>
+          <a:p>
             <a:pPr marL="342900" lvl="0" indent="-342900">
               <a:buClr>
                 <a:srgbClr val="76A9D4"/>
@@ -15227,94 +15356,6 @@
             </a:pPr>
             <a:r>
               <a:rPr lang="en-US" sz="1400" dirty="0" smtClean="0"/>
-              <a:t>Exploratory testing</a:t>
-            </a:r>
-          </a:p>
-          <a:p>
-            <a:pPr marL="342900" lvl="0" indent="-342900">
-              <a:buClr>
-                <a:srgbClr val="76A9D4"/>
-              </a:buClr>
-              <a:buSzPct val="150000"/>
-              <a:buFont typeface="Arial" pitchFamily="34" charset="0"/>
-              <a:buChar char="•"/>
-            </a:pPr>
-            <a:r>
-              <a:rPr lang="en-US" sz="1400" dirty="0" smtClean="0"/>
-              <a:t>Usability testing</a:t>
-            </a:r>
-          </a:p>
-          <a:p>
-            <a:pPr marL="342900" lvl="0" indent="-342900">
-              <a:buClr>
-                <a:srgbClr val="76A9D4"/>
-              </a:buClr>
-              <a:buSzPct val="150000"/>
-              <a:buFont typeface="Arial" pitchFamily="34" charset="0"/>
-              <a:buChar char="•"/>
-            </a:pPr>
-            <a:r>
-              <a:rPr lang="en-US" sz="1400" dirty="0"/>
-              <a:t>Load </a:t>
-            </a:r>
-            <a:r>
-              <a:rPr lang="en-US" sz="1400" dirty="0" smtClean="0"/>
-              <a:t>testing</a:t>
-            </a:r>
-          </a:p>
-          <a:p>
-            <a:pPr marL="342900" lvl="0" indent="-342900">
-              <a:buClr>
-                <a:srgbClr val="76A9D4"/>
-              </a:buClr>
-              <a:buSzPct val="150000"/>
-              <a:buFont typeface="Arial" pitchFamily="34" charset="0"/>
-              <a:buChar char="•"/>
-            </a:pPr>
-            <a:r>
-              <a:rPr lang="en-US" sz="1400" dirty="0" smtClean="0"/>
-              <a:t>Stress testing</a:t>
-            </a:r>
-          </a:p>
-          <a:p>
-            <a:pPr marL="342900" lvl="0" indent="-342900">
-              <a:buClr>
-                <a:srgbClr val="76A9D4"/>
-              </a:buClr>
-              <a:buSzPct val="150000"/>
-              <a:buFont typeface="Arial" pitchFamily="34" charset="0"/>
-              <a:buChar char="•"/>
-            </a:pPr>
-            <a:r>
-              <a:rPr lang="en-US" sz="1400" dirty="0" smtClean="0"/>
-              <a:t>Boundary testing</a:t>
-            </a:r>
-          </a:p>
-          <a:p>
-            <a:pPr marL="342900" lvl="0" indent="-342900">
-              <a:buClr>
-                <a:srgbClr val="76A9D4"/>
-              </a:buClr>
-              <a:buSzPct val="150000"/>
-              <a:buFont typeface="Arial" pitchFamily="34" charset="0"/>
-              <a:buChar char="•"/>
-            </a:pPr>
-            <a:r>
-              <a:rPr lang="en-US" sz="1400" dirty="0" smtClean="0"/>
-              <a:t>Security testing</a:t>
-            </a:r>
-          </a:p>
-          <a:p>
-            <a:pPr marL="342900" lvl="0" indent="-342900">
-              <a:buClr>
-                <a:srgbClr val="76A9D4"/>
-              </a:buClr>
-              <a:buSzPct val="150000"/>
-              <a:buFont typeface="Arial" pitchFamily="34" charset="0"/>
-              <a:buChar char="•"/>
-            </a:pPr>
-            <a:r>
-              <a:rPr lang="en-US" sz="1400" dirty="0" smtClean="0"/>
               <a:t>…</a:t>
             </a:r>
             <a:endParaRPr lang="en-US" sz="1400" dirty="0"/>
@@ -15329,7 +15370,7 @@
         </p:nvSpPr>
         <p:spPr>
           <a:xfrm>
-            <a:off x="756692" y="2263645"/>
+            <a:off x="827584" y="2012647"/>
             <a:ext cx="4327645" cy="1200329"/>
           </a:xfrm>
           <a:prstGeom prst="rect">

--- a/2.Testing_types/Testing types.pptx
+++ b/2.Testing_types/Testing types.pptx
@@ -230,7 +230,7 @@
             <a:fld id="{2C4D6FCC-EC97-452D-A9D5-DBD8B87D3B9F}" type="datetimeFigureOut">
               <a:rPr lang="en-US" smtClean="0"/>
               <a:pPr/>
-              <a:t>1/29/2013</a:t>
+              <a:t>1/30/2013</a:t>
             </a:fld>
             <a:endParaRPr lang="en-US"/>
           </a:p>
@@ -766,7 +766,7 @@
             <a:fld id="{1D8BD707-D9CF-40AE-B4C6-C98DA3205C09}" type="datetimeFigureOut">
               <a:rPr lang="en-US" smtClean="0"/>
               <a:pPr/>
-              <a:t>1/29/2013</a:t>
+              <a:t>1/30/2013</a:t>
             </a:fld>
             <a:endParaRPr lang="en-US"/>
           </a:p>
@@ -933,7 +933,7 @@
             <a:fld id="{1D8BD707-D9CF-40AE-B4C6-C98DA3205C09}" type="datetimeFigureOut">
               <a:rPr lang="en-US" smtClean="0"/>
               <a:pPr/>
-              <a:t>1/29/2013</a:t>
+              <a:t>1/30/2013</a:t>
             </a:fld>
             <a:endParaRPr lang="en-US"/>
           </a:p>
@@ -1110,7 +1110,7 @@
             <a:fld id="{1D8BD707-D9CF-40AE-B4C6-C98DA3205C09}" type="datetimeFigureOut">
               <a:rPr lang="en-US" smtClean="0"/>
               <a:pPr/>
-              <a:t>1/29/2013</a:t>
+              <a:t>1/30/2013</a:t>
             </a:fld>
             <a:endParaRPr lang="en-US"/>
           </a:p>
@@ -1277,7 +1277,7 @@
             <a:fld id="{1D8BD707-D9CF-40AE-B4C6-C98DA3205C09}" type="datetimeFigureOut">
               <a:rPr lang="en-US" smtClean="0"/>
               <a:pPr/>
-              <a:t>1/29/2013</a:t>
+              <a:t>1/30/2013</a:t>
             </a:fld>
             <a:endParaRPr lang="en-US"/>
           </a:p>
@@ -1520,7 +1520,7 @@
             <a:fld id="{1D8BD707-D9CF-40AE-B4C6-C98DA3205C09}" type="datetimeFigureOut">
               <a:rPr lang="en-US" smtClean="0"/>
               <a:pPr/>
-              <a:t>1/29/2013</a:t>
+              <a:t>1/30/2013</a:t>
             </a:fld>
             <a:endParaRPr lang="en-US"/>
           </a:p>
@@ -1805,7 +1805,7 @@
             <a:fld id="{1D8BD707-D9CF-40AE-B4C6-C98DA3205C09}" type="datetimeFigureOut">
               <a:rPr lang="en-US" smtClean="0"/>
               <a:pPr/>
-              <a:t>1/29/2013</a:t>
+              <a:t>1/30/2013</a:t>
             </a:fld>
             <a:endParaRPr lang="en-US"/>
           </a:p>
@@ -2224,7 +2224,7 @@
             <a:fld id="{1D8BD707-D9CF-40AE-B4C6-C98DA3205C09}" type="datetimeFigureOut">
               <a:rPr lang="en-US" smtClean="0"/>
               <a:pPr/>
-              <a:t>1/29/2013</a:t>
+              <a:t>1/30/2013</a:t>
             </a:fld>
             <a:endParaRPr lang="en-US"/>
           </a:p>
@@ -2339,7 +2339,7 @@
             <a:fld id="{1D8BD707-D9CF-40AE-B4C6-C98DA3205C09}" type="datetimeFigureOut">
               <a:rPr lang="en-US" smtClean="0"/>
               <a:pPr/>
-              <a:t>1/29/2013</a:t>
+              <a:t>1/30/2013</a:t>
             </a:fld>
             <a:endParaRPr lang="en-US"/>
           </a:p>
@@ -2431,7 +2431,7 @@
             <a:fld id="{1D8BD707-D9CF-40AE-B4C6-C98DA3205C09}" type="datetimeFigureOut">
               <a:rPr lang="en-US" smtClean="0"/>
               <a:pPr/>
-              <a:t>1/29/2013</a:t>
+              <a:t>1/30/2013</a:t>
             </a:fld>
             <a:endParaRPr lang="en-US"/>
           </a:p>
@@ -2705,7 +2705,7 @@
             <a:fld id="{1D8BD707-D9CF-40AE-B4C6-C98DA3205C09}" type="datetimeFigureOut">
               <a:rPr lang="en-US" smtClean="0"/>
               <a:pPr/>
-              <a:t>1/29/2013</a:t>
+              <a:t>1/30/2013</a:t>
             </a:fld>
             <a:endParaRPr lang="en-US"/>
           </a:p>
@@ -2955,7 +2955,7 @@
             <a:fld id="{1D8BD707-D9CF-40AE-B4C6-C98DA3205C09}" type="datetimeFigureOut">
               <a:rPr lang="en-US" smtClean="0"/>
               <a:pPr/>
-              <a:t>1/29/2013</a:t>
+              <a:t>1/30/2013</a:t>
             </a:fld>
             <a:endParaRPr lang="en-US"/>
           </a:p>
@@ -3174,7 +3174,7 @@
             <a:fld id="{1D8BD707-D9CF-40AE-B4C6-C98DA3205C09}" type="datetimeFigureOut">
               <a:rPr lang="en-US" smtClean="0"/>
               <a:pPr/>
-              <a:t>1/29/2013</a:t>
+              <a:t>1/30/2013</a:t>
             </a:fld>
             <a:endParaRPr lang="en-US"/>
           </a:p>
@@ -14433,6 +14433,36 @@
           </a:p>
         </p:txBody>
       </p:sp>
+      <p:sp>
+        <p:nvSpPr>
+          <p:cNvPr id="3" name="TextBox 2"/>
+          <p:cNvSpPr txBox="1"/>
+          <p:nvPr/>
+        </p:nvSpPr>
+        <p:spPr>
+          <a:xfrm>
+            <a:off x="761999" y="5630543"/>
+            <a:ext cx="1547860" cy="369332"/>
+          </a:xfrm>
+          <a:prstGeom prst="rect">
+            <a:avLst/>
+          </a:prstGeom>
+          <a:noFill/>
+        </p:spPr>
+        <p:txBody>
+          <a:bodyPr wrap="none" rtlCol="0">
+            <a:spAutoFit/>
+          </a:bodyPr>
+          <a:lstStyle/>
+          <a:p>
+            <a:r>
+              <a:rPr lang="en-US" dirty="0" smtClean="0"/>
+              <a:t>Example: 2 + 2</a:t>
+            </a:r>
+            <a:endParaRPr lang="ru-RU" dirty="0"/>
+          </a:p>
+        </p:txBody>
+      </p:sp>
     </p:spTree>
     <p:extLst>
       <p:ext uri="{BB962C8B-B14F-4D97-AF65-F5344CB8AC3E}">
@@ -15259,11 +15289,7 @@
             </a:pPr>
             <a:r>
               <a:rPr lang="en-US" sz="1400" dirty="0" smtClean="0"/>
-              <a:t>Usability </a:t>
-            </a:r>
-            <a:r>
-              <a:rPr lang="en-US" sz="1400" dirty="0" smtClean="0"/>
-              <a:t>testing</a:t>
+              <a:t>Usability testing</a:t>
             </a:r>
           </a:p>
           <a:p>
@@ -15323,11 +15349,7 @@
             </a:pPr>
             <a:r>
               <a:rPr lang="en-US" sz="1400" dirty="0" smtClean="0"/>
-              <a:t>Security </a:t>
-            </a:r>
-            <a:r>
-              <a:rPr lang="en-US" sz="1400" dirty="0" smtClean="0"/>
-              <a:t>testing</a:t>
+              <a:t>Security testing</a:t>
             </a:r>
           </a:p>
           <a:p>
@@ -15343,7 +15365,6 @@
               <a:rPr lang="en-US" sz="1400" dirty="0" smtClean="0"/>
               <a:t>Installation testing</a:t>
             </a:r>
-            <a:endParaRPr lang="en-US" sz="1400" dirty="0" smtClean="0"/>
           </a:p>
           <a:p>
             <a:pPr marL="342900" lvl="0" indent="-342900">

--- a/2.Testing_types/Testing types.pptx
+++ b/2.Testing_types/Testing types.pptx
@@ -230,7 +230,7 @@
             <a:fld id="{2C4D6FCC-EC97-452D-A9D5-DBD8B87D3B9F}" type="datetimeFigureOut">
               <a:rPr lang="en-US" smtClean="0"/>
               <a:pPr/>
-              <a:t>1/30/2013</a:t>
+              <a:t>3/25/2013</a:t>
             </a:fld>
             <a:endParaRPr lang="en-US"/>
           </a:p>
@@ -766,7 +766,7 @@
             <a:fld id="{1D8BD707-D9CF-40AE-B4C6-C98DA3205C09}" type="datetimeFigureOut">
               <a:rPr lang="en-US" smtClean="0"/>
               <a:pPr/>
-              <a:t>1/30/2013</a:t>
+              <a:t>3/25/2013</a:t>
             </a:fld>
             <a:endParaRPr lang="en-US"/>
           </a:p>
@@ -933,7 +933,7 @@
             <a:fld id="{1D8BD707-D9CF-40AE-B4C6-C98DA3205C09}" type="datetimeFigureOut">
               <a:rPr lang="en-US" smtClean="0"/>
               <a:pPr/>
-              <a:t>1/30/2013</a:t>
+              <a:t>3/25/2013</a:t>
             </a:fld>
             <a:endParaRPr lang="en-US"/>
           </a:p>
@@ -1110,7 +1110,7 @@
             <a:fld id="{1D8BD707-D9CF-40AE-B4C6-C98DA3205C09}" type="datetimeFigureOut">
               <a:rPr lang="en-US" smtClean="0"/>
               <a:pPr/>
-              <a:t>1/30/2013</a:t>
+              <a:t>3/25/2013</a:t>
             </a:fld>
             <a:endParaRPr lang="en-US"/>
           </a:p>
@@ -1277,7 +1277,7 @@
             <a:fld id="{1D8BD707-D9CF-40AE-B4C6-C98DA3205C09}" type="datetimeFigureOut">
               <a:rPr lang="en-US" smtClean="0"/>
               <a:pPr/>
-              <a:t>1/30/2013</a:t>
+              <a:t>3/25/2013</a:t>
             </a:fld>
             <a:endParaRPr lang="en-US"/>
           </a:p>
@@ -1520,7 +1520,7 @@
             <a:fld id="{1D8BD707-D9CF-40AE-B4C6-C98DA3205C09}" type="datetimeFigureOut">
               <a:rPr lang="en-US" smtClean="0"/>
               <a:pPr/>
-              <a:t>1/30/2013</a:t>
+              <a:t>3/25/2013</a:t>
             </a:fld>
             <a:endParaRPr lang="en-US"/>
           </a:p>
@@ -1805,7 +1805,7 @@
             <a:fld id="{1D8BD707-D9CF-40AE-B4C6-C98DA3205C09}" type="datetimeFigureOut">
               <a:rPr lang="en-US" smtClean="0"/>
               <a:pPr/>
-              <a:t>1/30/2013</a:t>
+              <a:t>3/25/2013</a:t>
             </a:fld>
             <a:endParaRPr lang="en-US"/>
           </a:p>
@@ -2224,7 +2224,7 @@
             <a:fld id="{1D8BD707-D9CF-40AE-B4C6-C98DA3205C09}" type="datetimeFigureOut">
               <a:rPr lang="en-US" smtClean="0"/>
               <a:pPr/>
-              <a:t>1/30/2013</a:t>
+              <a:t>3/25/2013</a:t>
             </a:fld>
             <a:endParaRPr lang="en-US"/>
           </a:p>
@@ -2339,7 +2339,7 @@
             <a:fld id="{1D8BD707-D9CF-40AE-B4C6-C98DA3205C09}" type="datetimeFigureOut">
               <a:rPr lang="en-US" smtClean="0"/>
               <a:pPr/>
-              <a:t>1/30/2013</a:t>
+              <a:t>3/25/2013</a:t>
             </a:fld>
             <a:endParaRPr lang="en-US"/>
           </a:p>
@@ -2431,7 +2431,7 @@
             <a:fld id="{1D8BD707-D9CF-40AE-B4C6-C98DA3205C09}" type="datetimeFigureOut">
               <a:rPr lang="en-US" smtClean="0"/>
               <a:pPr/>
-              <a:t>1/30/2013</a:t>
+              <a:t>3/25/2013</a:t>
             </a:fld>
             <a:endParaRPr lang="en-US"/>
           </a:p>
@@ -2705,7 +2705,7 @@
             <a:fld id="{1D8BD707-D9CF-40AE-B4C6-C98DA3205C09}" type="datetimeFigureOut">
               <a:rPr lang="en-US" smtClean="0"/>
               <a:pPr/>
-              <a:t>1/30/2013</a:t>
+              <a:t>3/25/2013</a:t>
             </a:fld>
             <a:endParaRPr lang="en-US"/>
           </a:p>
@@ -2955,7 +2955,7 @@
             <a:fld id="{1D8BD707-D9CF-40AE-B4C6-C98DA3205C09}" type="datetimeFigureOut">
               <a:rPr lang="en-US" smtClean="0"/>
               <a:pPr/>
-              <a:t>1/30/2013</a:t>
+              <a:t>3/25/2013</a:t>
             </a:fld>
             <a:endParaRPr lang="en-US"/>
           </a:p>
@@ -3174,7 +3174,7 @@
             <a:fld id="{1D8BD707-D9CF-40AE-B4C6-C98DA3205C09}" type="datetimeFigureOut">
               <a:rPr lang="en-US" smtClean="0"/>
               <a:pPr/>
-              <a:t>1/30/2013</a:t>
+              <a:t>3/25/2013</a:t>
             </a:fld>
             <a:endParaRPr lang="en-US"/>
           </a:p>
@@ -3817,7 +3817,7 @@
         <p:spPr>
           <a:xfrm>
             <a:off x="2819400" y="1487400"/>
-            <a:ext cx="5791200" cy="646331"/>
+            <a:ext cx="5791200" cy="923330"/>
           </a:xfrm>
           <a:prstGeom prst="rect">
             <a:avLst/>
@@ -3830,17 +3830,14 @@
           <a:lstStyle/>
           <a:p>
             <a:r>
-              <a:rPr lang="en-US" dirty="0"/>
-              <a:t>testing the changes made ​​by the programmer in the program to </a:t>
-            </a:r>
-            <a:r>
-              <a:rPr lang="en-US" dirty="0" smtClean="0"/>
-              <a:t>conform </a:t>
-            </a:r>
-            <a:r>
-              <a:rPr lang="en-US" dirty="0"/>
-              <a:t>to the specifications of this change.</a:t>
-            </a:r>
+              <a:rPr lang="ru-RU" dirty="0" smtClean="0"/>
+              <a:t>Тестирование изменений, сделанных программистами в программе</a:t>
+            </a:r>
+            <a:r>
+              <a:rPr lang="ru-RU" dirty="0" smtClean="0"/>
+              <a:t>, с целью подтверждения соответствия спецификациям данного изменения</a:t>
+            </a:r>
+            <a:endParaRPr lang="en-US" dirty="0"/>
           </a:p>
         </p:txBody>
       </p:sp>
@@ -4635,7 +4632,7 @@
         <p:spPr>
           <a:xfrm>
             <a:off x="2971800" y="1957698"/>
-            <a:ext cx="4597092" cy="430887"/>
+            <a:ext cx="4383188" cy="769441"/>
           </a:xfrm>
           <a:prstGeom prst="rect">
             <a:avLst/>
@@ -4648,7 +4645,7 @@
           <a:lstStyle/>
           <a:p>
             <a:r>
-              <a:rPr lang="en-US" sz="2200" dirty="0">
+              <a:rPr lang="ru-RU" sz="2200" dirty="0" smtClean="0">
                 <a:solidFill>
                   <a:schemeClr val="tx1">
                     <a:lumMod val="75000"/>
@@ -4656,34 +4653,12 @@
                   </a:schemeClr>
                 </a:solidFill>
               </a:rPr>
-              <a:t>useful for discovering new information</a:t>
-            </a:r>
-          </a:p>
-        </p:txBody>
-      </p:sp>
-      <p:sp>
-        <p:nvSpPr>
-          <p:cNvPr id="3" name="Rectangle 2"/>
-          <p:cNvSpPr/>
-          <p:nvPr/>
-        </p:nvSpPr>
-        <p:spPr>
-          <a:xfrm>
-            <a:off x="795746" y="2836379"/>
-            <a:ext cx="2286061" cy="615553"/>
-          </a:xfrm>
-          <a:prstGeom prst="rect">
-            <a:avLst/>
-          </a:prstGeom>
-        </p:spPr>
-        <p:txBody>
-          <a:bodyPr wrap="square">
-            <a:spAutoFit/>
-          </a:bodyPr>
-          <a:lstStyle/>
-          <a:p>
-            <a:r>
-              <a:rPr lang="en-US" sz="2000" dirty="0">
+              <a:t>Полезно для нахождения новых</a:t>
+            </a:r>
+          </a:p>
+          <a:p>
+            <a:r>
+              <a:rPr lang="ru-RU" sz="2200" dirty="0" smtClean="0">
                 <a:solidFill>
                   <a:schemeClr val="tx1">
                     <a:lumMod val="75000"/>
@@ -4691,7 +4666,50 @@
                   </a:schemeClr>
                 </a:solidFill>
               </a:rPr>
-              <a:t>Simultaneously</a:t>
+              <a:t>вариантов использования системы</a:t>
+            </a:r>
+            <a:endParaRPr lang="en-US" sz="2200" dirty="0">
+              <a:solidFill>
+                <a:schemeClr val="tx1">
+                  <a:lumMod val="75000"/>
+                  <a:lumOff val="25000"/>
+                </a:schemeClr>
+              </a:solidFill>
+            </a:endParaRPr>
+          </a:p>
+        </p:txBody>
+      </p:sp>
+      <p:sp>
+        <p:nvSpPr>
+          <p:cNvPr id="3" name="Rectangle 2"/>
+          <p:cNvSpPr/>
+          <p:nvPr/>
+        </p:nvSpPr>
+        <p:spPr>
+          <a:xfrm>
+            <a:off x="795746" y="2836379"/>
+            <a:ext cx="4474600" cy="615553"/>
+          </a:xfrm>
+          <a:prstGeom prst="rect">
+            <a:avLst/>
+          </a:prstGeom>
+        </p:spPr>
+        <p:txBody>
+          <a:bodyPr wrap="square">
+            <a:spAutoFit/>
+          </a:bodyPr>
+          <a:lstStyle/>
+          <a:p>
+            <a:r>
+              <a:rPr lang="ru-RU" sz="2000" dirty="0" smtClean="0">
+                <a:solidFill>
+                  <a:schemeClr val="tx1">
+                    <a:lumMod val="75000"/>
+                    <a:lumOff val="25000"/>
+                  </a:schemeClr>
+                </a:solidFill>
+              </a:rPr>
+              <a:t>Позволяет одновременно</a:t>
             </a:r>
             <a:r>
               <a:rPr lang="en-US" sz="2000" dirty="0" smtClean="0">
@@ -4704,6 +4722,14 @@
               </a:rPr>
               <a:t>:</a:t>
             </a:r>
+            <a:endParaRPr lang="en-US" sz="2000" dirty="0" smtClean="0">
+              <a:solidFill>
+                <a:schemeClr val="tx1">
+                  <a:lumMod val="75000"/>
+                  <a:lumOff val="25000"/>
+                </a:schemeClr>
+              </a:solidFill>
+            </a:endParaRPr>
           </a:p>
           <a:p>
             <a:endParaRPr lang="en-US" sz="1400" dirty="0">
@@ -4725,8 +4751,8 @@
         </p:nvSpPr>
         <p:spPr>
           <a:xfrm>
-            <a:off x="795748" y="3308007"/>
-            <a:ext cx="2516523" cy="369332"/>
+            <a:off x="795748" y="3212976"/>
+            <a:ext cx="6923114" cy="2785378"/>
           </a:xfrm>
           <a:prstGeom prst="rect">
             <a:avLst/>
@@ -4739,6 +4765,9 @@
           <a:lstStyle/>
           <a:p>
             <a:pPr marL="342900" indent="-342900">
+              <a:lnSpc>
+                <a:spcPts val="3000"/>
+              </a:lnSpc>
               <a:buClr>
                 <a:srgbClr val="76A9D4"/>
               </a:buClr>
@@ -4747,7 +4776,7 @@
               <a:buChar char="•"/>
             </a:pPr>
             <a:r>
-              <a:rPr lang="en-US" dirty="0">
+              <a:rPr lang="ru-RU" dirty="0" smtClean="0">
                 <a:solidFill>
                   <a:schemeClr val="tx1">
                     <a:lumMod val="75000"/>
@@ -4755,10 +4784,23 @@
                   </a:schemeClr>
                 </a:solidFill>
               </a:rPr>
-              <a:t>Learn about </a:t>
-            </a:r>
-            <a:r>
-              <a:rPr lang="en-US" dirty="0" smtClean="0">
+              <a:t>Изучать функциональность продукта</a:t>
+            </a:r>
+          </a:p>
+          <a:p>
+            <a:pPr marL="342900" indent="-342900">
+              <a:lnSpc>
+                <a:spcPts val="3000"/>
+              </a:lnSpc>
+              <a:buClr>
+                <a:srgbClr val="76A9D4"/>
+              </a:buClr>
+              <a:buSzPct val="150000"/>
+              <a:buFont typeface="Arial" pitchFamily="34" charset="0"/>
+              <a:buChar char="•"/>
+            </a:pPr>
+            <a:r>
+              <a:rPr lang="ru-RU" dirty="0">
                 <a:solidFill>
                   <a:schemeClr val="tx1">
                     <a:lumMod val="75000"/>
@@ -4766,7 +4808,7 @@
                   </a:schemeClr>
                 </a:solidFill>
               </a:rPr>
-              <a:t>product</a:t>
+              <a:t>Изучать пути, по которым продукт может не работать</a:t>
             </a:r>
             <a:endParaRPr lang="en-US" dirty="0">
               <a:solidFill>
@@ -4777,30 +4819,11 @@
               </a:solidFill>
             </a:endParaRPr>
           </a:p>
-        </p:txBody>
-      </p:sp>
-      <p:sp>
-        <p:nvSpPr>
-          <p:cNvPr id="8" name="Rectangle 7"/>
-          <p:cNvSpPr/>
-          <p:nvPr/>
-        </p:nvSpPr>
-        <p:spPr>
-          <a:xfrm>
-            <a:off x="795747" y="3707217"/>
-            <a:ext cx="4474599" cy="369332"/>
-          </a:xfrm>
-          <a:prstGeom prst="rect">
-            <a:avLst/>
-          </a:prstGeom>
-        </p:spPr>
-        <p:txBody>
-          <a:bodyPr wrap="square">
-            <a:spAutoFit/>
-          </a:bodyPr>
-          <a:lstStyle/>
           <a:p>
             <a:pPr marL="342900" indent="-342900">
+              <a:lnSpc>
+                <a:spcPts val="3000"/>
+              </a:lnSpc>
               <a:buClr>
                 <a:srgbClr val="76A9D4"/>
               </a:buClr>
@@ -4809,7 +4832,7 @@
               <a:buChar char="•"/>
             </a:pPr>
             <a:r>
-              <a:rPr lang="en-US" dirty="0">
+              <a:rPr lang="ru-RU" dirty="0">
                 <a:solidFill>
                   <a:schemeClr val="tx1">
                     <a:lumMod val="75000"/>
@@ -4817,42 +4840,10 @@
                   </a:schemeClr>
                 </a:solidFill>
               </a:rPr>
-              <a:t>Learn the ways the product could fail</a:t>
-            </a:r>
-          </a:p>
-        </p:txBody>
-      </p:sp>
-      <p:sp>
-        <p:nvSpPr>
-          <p:cNvPr id="9" name="Rectangle 8"/>
-          <p:cNvSpPr/>
-          <p:nvPr/>
-        </p:nvSpPr>
-        <p:spPr>
-          <a:xfrm>
-            <a:off x="795747" y="4098289"/>
-            <a:ext cx="4504932" cy="369332"/>
-          </a:xfrm>
-          <a:prstGeom prst="rect">
-            <a:avLst/>
-          </a:prstGeom>
-        </p:spPr>
-        <p:txBody>
-          <a:bodyPr wrap="square">
-            <a:spAutoFit/>
-          </a:bodyPr>
-          <a:lstStyle/>
-          <a:p>
-            <a:pPr marL="342900" indent="-342900">
-              <a:buClr>
-                <a:srgbClr val="76A9D4"/>
-              </a:buClr>
-              <a:buSzPct val="150000"/>
-              <a:buFont typeface="Arial" pitchFamily="34" charset="0"/>
-              <a:buChar char="•"/>
-            </a:pPr>
-            <a:r>
-              <a:rPr lang="en-US" dirty="0">
+              <a:t>Изучать недостатки </a:t>
+            </a:r>
+            <a:r>
+              <a:rPr lang="ru-RU" dirty="0" smtClean="0">
                 <a:solidFill>
                   <a:schemeClr val="tx1">
                     <a:lumMod val="75000"/>
@@ -4860,136 +4851,7 @@
                   </a:schemeClr>
                 </a:solidFill>
               </a:rPr>
-              <a:t>Learn about the weakness of product</a:t>
-            </a:r>
-          </a:p>
-        </p:txBody>
-      </p:sp>
-      <p:sp>
-        <p:nvSpPr>
-          <p:cNvPr id="10" name="Rectangle 9"/>
-          <p:cNvSpPr/>
-          <p:nvPr/>
-        </p:nvSpPr>
-        <p:spPr>
-          <a:xfrm>
-            <a:off x="795750" y="4467621"/>
-            <a:ext cx="3974559" cy="369332"/>
-          </a:xfrm>
-          <a:prstGeom prst="rect">
-            <a:avLst/>
-          </a:prstGeom>
-        </p:spPr>
-        <p:txBody>
-          <a:bodyPr wrap="square">
-            <a:spAutoFit/>
-          </a:bodyPr>
-          <a:lstStyle/>
-          <a:p>
-            <a:pPr marL="342900" indent="-342900">
-              <a:buClr>
-                <a:srgbClr val="76A9D4"/>
-              </a:buClr>
-              <a:buSzPct val="150000"/>
-              <a:buFont typeface="Arial" pitchFamily="34" charset="0"/>
-              <a:buChar char="•"/>
-            </a:pPr>
-            <a:r>
-              <a:rPr lang="en-US" dirty="0">
-                <a:solidFill>
-                  <a:schemeClr val="tx1">
-                    <a:lumMod val="75000"/>
-                    <a:lumOff val="25000"/>
-                  </a:schemeClr>
-                </a:solidFill>
-              </a:rPr>
-              <a:t>Learn about how to test the product</a:t>
-            </a:r>
-          </a:p>
-        </p:txBody>
-      </p:sp>
-      <p:sp>
-        <p:nvSpPr>
-          <p:cNvPr id="11" name="Rectangle 10"/>
-          <p:cNvSpPr/>
-          <p:nvPr/>
-        </p:nvSpPr>
-        <p:spPr>
-          <a:xfrm>
-            <a:off x="795751" y="4836953"/>
-            <a:ext cx="2110076" cy="369332"/>
-          </a:xfrm>
-          <a:prstGeom prst="rect">
-            <a:avLst/>
-          </a:prstGeom>
-        </p:spPr>
-        <p:txBody>
-          <a:bodyPr wrap="square">
-            <a:spAutoFit/>
-          </a:bodyPr>
-          <a:lstStyle/>
-          <a:p>
-            <a:pPr marL="342900" indent="-342900">
-              <a:buClr>
-                <a:srgbClr val="76A9D4"/>
-              </a:buClr>
-              <a:buSzPct val="150000"/>
-              <a:buFont typeface="Arial" pitchFamily="34" charset="0"/>
-              <a:buChar char="•"/>
-            </a:pPr>
-            <a:r>
-              <a:rPr lang="en-US" dirty="0">
-                <a:solidFill>
-                  <a:schemeClr val="tx1">
-                    <a:lumMod val="75000"/>
-                    <a:lumOff val="25000"/>
-                  </a:schemeClr>
-                </a:solidFill>
-              </a:rPr>
-              <a:t>Test the product</a:t>
-            </a:r>
-          </a:p>
-        </p:txBody>
-      </p:sp>
-      <p:sp>
-        <p:nvSpPr>
-          <p:cNvPr id="12" name="Rectangle 11"/>
-          <p:cNvSpPr/>
-          <p:nvPr/>
-        </p:nvSpPr>
-        <p:spPr>
-          <a:xfrm>
-            <a:off x="795750" y="5206285"/>
-            <a:ext cx="2345615" cy="369332"/>
-          </a:xfrm>
-          <a:prstGeom prst="rect">
-            <a:avLst/>
-          </a:prstGeom>
-        </p:spPr>
-        <p:txBody>
-          <a:bodyPr wrap="square">
-            <a:spAutoFit/>
-          </a:bodyPr>
-          <a:lstStyle/>
-          <a:p>
-            <a:pPr marL="342900" indent="-342900">
-              <a:buClr>
-                <a:srgbClr val="76A9D4"/>
-              </a:buClr>
-              <a:buSzPct val="150000"/>
-              <a:buFont typeface="Arial" pitchFamily="34" charset="0"/>
-              <a:buChar char="•"/>
-            </a:pPr>
-            <a:r>
-              <a:rPr lang="en-US" dirty="0" smtClean="0">
-                <a:solidFill>
-                  <a:schemeClr val="tx1">
-                    <a:lumMod val="75000"/>
-                    <a:lumOff val="25000"/>
-                  </a:schemeClr>
-                </a:solidFill>
-              </a:rPr>
-              <a:t>Report the defects</a:t>
+              <a:t>программного продукта</a:t>
             </a:r>
             <a:endParaRPr lang="en-US" dirty="0">
               <a:solidFill>
@@ -5000,30 +4862,11 @@
               </a:solidFill>
             </a:endParaRPr>
           </a:p>
-        </p:txBody>
-      </p:sp>
-      <p:sp>
-        <p:nvSpPr>
-          <p:cNvPr id="13" name="Rectangle 12"/>
-          <p:cNvSpPr/>
-          <p:nvPr/>
-        </p:nvSpPr>
-        <p:spPr>
-          <a:xfrm>
-            <a:off x="795746" y="5574268"/>
-            <a:ext cx="6290854" cy="369332"/>
-          </a:xfrm>
-          <a:prstGeom prst="rect">
-            <a:avLst/>
-          </a:prstGeom>
-        </p:spPr>
-        <p:txBody>
-          <a:bodyPr wrap="square">
-            <a:spAutoFit/>
-          </a:bodyPr>
-          <a:lstStyle/>
           <a:p>
             <a:pPr marL="342900" indent="-342900">
+              <a:lnSpc>
+                <a:spcPts val="3000"/>
+              </a:lnSpc>
               <a:buClr>
                 <a:srgbClr val="76A9D4"/>
               </a:buClr>
@@ -5032,7 +4875,7 @@
               <a:buChar char="•"/>
             </a:pPr>
             <a:r>
-              <a:rPr lang="en-US" dirty="0">
+              <a:rPr lang="ru-RU" dirty="0">
                 <a:solidFill>
                   <a:schemeClr val="tx1">
                     <a:lumMod val="75000"/>
@@ -5040,8 +4883,134 @@
                   </a:schemeClr>
                 </a:solidFill>
               </a:rPr>
-              <a:t>Develop new tests based on what you have learned so far</a:t>
-            </a:r>
+              <a:t>Поиск путей, как можно </a:t>
+            </a:r>
+            <a:r>
+              <a:rPr lang="ru-RU" dirty="0" smtClean="0">
+                <a:solidFill>
+                  <a:schemeClr val="tx1">
+                    <a:lumMod val="75000"/>
+                    <a:lumOff val="25000"/>
+                  </a:schemeClr>
+                </a:solidFill>
+              </a:rPr>
+              <a:t>лучше тестировать </a:t>
+            </a:r>
+            <a:r>
+              <a:rPr lang="ru-RU" dirty="0">
+                <a:solidFill>
+                  <a:schemeClr val="tx1">
+                    <a:lumMod val="75000"/>
+                    <a:lumOff val="25000"/>
+                  </a:schemeClr>
+                </a:solidFill>
+              </a:rPr>
+              <a:t>продукт</a:t>
+            </a:r>
+            <a:endParaRPr lang="en-US" dirty="0">
+              <a:solidFill>
+                <a:schemeClr val="tx1">
+                  <a:lumMod val="75000"/>
+                  <a:lumOff val="25000"/>
+                </a:schemeClr>
+              </a:solidFill>
+            </a:endParaRPr>
+          </a:p>
+          <a:p>
+            <a:pPr marL="342900" indent="-342900">
+              <a:lnSpc>
+                <a:spcPts val="3000"/>
+              </a:lnSpc>
+              <a:buClr>
+                <a:srgbClr val="76A9D4"/>
+              </a:buClr>
+              <a:buSzPct val="150000"/>
+              <a:buFont typeface="Arial" pitchFamily="34" charset="0"/>
+              <a:buChar char="•"/>
+            </a:pPr>
+            <a:r>
+              <a:rPr lang="ru-RU" dirty="0">
+                <a:solidFill>
+                  <a:schemeClr val="tx1">
+                    <a:lumMod val="75000"/>
+                    <a:lumOff val="25000"/>
+                  </a:schemeClr>
+                </a:solidFill>
+              </a:rPr>
+              <a:t>Непосредственно, тестирование программы</a:t>
+            </a:r>
+            <a:endParaRPr lang="en-US" dirty="0">
+              <a:solidFill>
+                <a:schemeClr val="tx1">
+                  <a:lumMod val="75000"/>
+                  <a:lumOff val="25000"/>
+                </a:schemeClr>
+              </a:solidFill>
+            </a:endParaRPr>
+          </a:p>
+          <a:p>
+            <a:pPr marL="342900" indent="-342900">
+              <a:lnSpc>
+                <a:spcPts val="3000"/>
+              </a:lnSpc>
+              <a:buClr>
+                <a:srgbClr val="76A9D4"/>
+              </a:buClr>
+              <a:buSzPct val="150000"/>
+              <a:buFont typeface="Arial" pitchFamily="34" charset="0"/>
+              <a:buChar char="•"/>
+            </a:pPr>
+            <a:r>
+              <a:rPr lang="ru-RU" dirty="0" smtClean="0">
+                <a:solidFill>
+                  <a:schemeClr val="tx1">
+                    <a:lumMod val="75000"/>
+                    <a:lumOff val="25000"/>
+                  </a:schemeClr>
+                </a:solidFill>
+              </a:rPr>
+              <a:t>Обнаружение ранее неизвестных проблем</a:t>
+            </a:r>
+            <a:endParaRPr lang="en-US" dirty="0">
+              <a:solidFill>
+                <a:schemeClr val="tx1">
+                  <a:lumMod val="75000"/>
+                  <a:lumOff val="25000"/>
+                </a:schemeClr>
+              </a:solidFill>
+            </a:endParaRPr>
+          </a:p>
+          <a:p>
+            <a:pPr marL="342900" indent="-342900">
+              <a:lnSpc>
+                <a:spcPts val="3000"/>
+              </a:lnSpc>
+              <a:buClr>
+                <a:srgbClr val="76A9D4"/>
+              </a:buClr>
+              <a:buSzPct val="150000"/>
+              <a:buFont typeface="Arial" pitchFamily="34" charset="0"/>
+              <a:buChar char="•"/>
+            </a:pPr>
+            <a:r>
+              <a:rPr lang="ru-RU" dirty="0" smtClean="0">
+                <a:solidFill>
+                  <a:schemeClr val="tx1">
+                    <a:lumMod val="75000"/>
+                    <a:lumOff val="25000"/>
+                  </a:schemeClr>
+                </a:solidFill>
+              </a:rPr>
+              <a:t>Разработка новых тестов, основываясь на найденных проблемах</a:t>
+            </a:r>
+            <a:endParaRPr lang="en-US" dirty="0">
+              <a:solidFill>
+                <a:schemeClr val="tx1">
+                  <a:lumMod val="75000"/>
+                  <a:lumOff val="25000"/>
+                </a:schemeClr>
+              </a:solidFill>
+            </a:endParaRPr>
           </a:p>
         </p:txBody>
       </p:sp>
@@ -5151,324 +5120,6 @@
                       </p:childTnLst>
                     </p:cTn>
                   </p:par>
-                  <p:par>
-                    <p:cTn id="11" fill="hold">
-                      <p:stCondLst>
-                        <p:cond delay="indefinite"/>
-                      </p:stCondLst>
-                      <p:childTnLst>
-                        <p:par>
-                          <p:cTn id="12" fill="hold">
-                            <p:stCondLst>
-                              <p:cond delay="0"/>
-                            </p:stCondLst>
-                            <p:childTnLst>
-                              <p:par>
-                                <p:cTn id="13" presetID="22" presetClass="entr" presetSubtype="4" fill="hold" grpId="0" nodeType="clickEffect">
-                                  <p:stCondLst>
-                                    <p:cond delay="0"/>
-                                  </p:stCondLst>
-                                  <p:childTnLst>
-                                    <p:set>
-                                      <p:cBhvr>
-                                        <p:cTn id="14" dur="1" fill="hold">
-                                          <p:stCondLst>
-                                            <p:cond delay="0"/>
-                                          </p:stCondLst>
-                                        </p:cTn>
-                                        <p:tgtEl>
-                                          <p:spTgt spid="8"/>
-                                        </p:tgtEl>
-                                        <p:attrNameLst>
-                                          <p:attrName>style.visibility</p:attrName>
-                                        </p:attrNameLst>
-                                      </p:cBhvr>
-                                      <p:to>
-                                        <p:strVal val="visible"/>
-                                      </p:to>
-                                    </p:set>
-                                    <p:animEffect transition="in" filter="wipe(down)">
-                                      <p:cBhvr>
-                                        <p:cTn id="15" dur="500"/>
-                                        <p:tgtEl>
-                                          <p:spTgt spid="8"/>
-                                        </p:tgtEl>
-                                      </p:cBhvr>
-                                    </p:animEffect>
-                                  </p:childTnLst>
-                                </p:cTn>
-                              </p:par>
-                            </p:childTnLst>
-                          </p:cTn>
-                        </p:par>
-                      </p:childTnLst>
-                    </p:cTn>
-                  </p:par>
-                  <p:par>
-                    <p:cTn id="16" fill="hold">
-                      <p:stCondLst>
-                        <p:cond delay="indefinite"/>
-                      </p:stCondLst>
-                      <p:childTnLst>
-                        <p:par>
-                          <p:cTn id="17" fill="hold">
-                            <p:stCondLst>
-                              <p:cond delay="0"/>
-                            </p:stCondLst>
-                            <p:childTnLst>
-                              <p:par>
-                                <p:cTn id="18" presetID="22" presetClass="entr" presetSubtype="4" fill="hold" grpId="0" nodeType="clickEffect">
-                                  <p:stCondLst>
-                                    <p:cond delay="0"/>
-                                  </p:stCondLst>
-                                  <p:childTnLst>
-                                    <p:set>
-                                      <p:cBhvr>
-                                        <p:cTn id="19" dur="1" fill="hold">
-                                          <p:stCondLst>
-                                            <p:cond delay="0"/>
-                                          </p:stCondLst>
-                                        </p:cTn>
-                                        <p:tgtEl>
-                                          <p:spTgt spid="9"/>
-                                        </p:tgtEl>
-                                        <p:attrNameLst>
-                                          <p:attrName>style.visibility</p:attrName>
-                                        </p:attrNameLst>
-                                      </p:cBhvr>
-                                      <p:to>
-                                        <p:strVal val="visible"/>
-                                      </p:to>
-                                    </p:set>
-                                    <p:animEffect transition="in" filter="wipe(down)">
-                                      <p:cBhvr>
-                                        <p:cTn id="20" dur="500"/>
-                                        <p:tgtEl>
-                                          <p:spTgt spid="9"/>
-                                        </p:tgtEl>
-                                      </p:cBhvr>
-                                    </p:animEffect>
-                                  </p:childTnLst>
-                                </p:cTn>
-                              </p:par>
-                            </p:childTnLst>
-                          </p:cTn>
-                        </p:par>
-                      </p:childTnLst>
-                    </p:cTn>
-                  </p:par>
-                  <p:par>
-                    <p:cTn id="21" fill="hold">
-                      <p:stCondLst>
-                        <p:cond delay="indefinite"/>
-                      </p:stCondLst>
-                      <p:childTnLst>
-                        <p:par>
-                          <p:cTn id="22" fill="hold">
-                            <p:stCondLst>
-                              <p:cond delay="0"/>
-                            </p:stCondLst>
-                            <p:childTnLst>
-                              <p:par>
-                                <p:cTn id="23" presetID="22" presetClass="entr" presetSubtype="4" fill="hold" grpId="0" nodeType="clickEffect">
-                                  <p:stCondLst>
-                                    <p:cond delay="0"/>
-                                  </p:stCondLst>
-                                  <p:childTnLst>
-                                    <p:set>
-                                      <p:cBhvr>
-                                        <p:cTn id="24" dur="1" fill="hold">
-                                          <p:stCondLst>
-                                            <p:cond delay="0"/>
-                                          </p:stCondLst>
-                                        </p:cTn>
-                                        <p:tgtEl>
-                                          <p:spTgt spid="10"/>
-                                        </p:tgtEl>
-                                        <p:attrNameLst>
-                                          <p:attrName>style.visibility</p:attrName>
-                                        </p:attrNameLst>
-                                      </p:cBhvr>
-                                      <p:to>
-                                        <p:strVal val="visible"/>
-                                      </p:to>
-                                    </p:set>
-                                    <p:animEffect transition="in" filter="wipe(down)">
-                                      <p:cBhvr>
-                                        <p:cTn id="25" dur="500"/>
-                                        <p:tgtEl>
-                                          <p:spTgt spid="10"/>
-                                        </p:tgtEl>
-                                      </p:cBhvr>
-                                    </p:animEffect>
-                                  </p:childTnLst>
-                                </p:cTn>
-                              </p:par>
-                            </p:childTnLst>
-                          </p:cTn>
-                        </p:par>
-                      </p:childTnLst>
-                    </p:cTn>
-                  </p:par>
-                  <p:par>
-                    <p:cTn id="26" fill="hold">
-                      <p:stCondLst>
-                        <p:cond delay="indefinite"/>
-                      </p:stCondLst>
-                      <p:childTnLst>
-                        <p:par>
-                          <p:cTn id="27" fill="hold">
-                            <p:stCondLst>
-                              <p:cond delay="0"/>
-                            </p:stCondLst>
-                            <p:childTnLst>
-                              <p:par>
-                                <p:cTn id="28" presetID="22" presetClass="entr" presetSubtype="4" fill="hold" grpId="0" nodeType="clickEffect">
-                                  <p:stCondLst>
-                                    <p:cond delay="0"/>
-                                  </p:stCondLst>
-                                  <p:childTnLst>
-                                    <p:set>
-                                      <p:cBhvr>
-                                        <p:cTn id="29" dur="1" fill="hold">
-                                          <p:stCondLst>
-                                            <p:cond delay="0"/>
-                                          </p:stCondLst>
-                                        </p:cTn>
-                                        <p:tgtEl>
-                                          <p:spTgt spid="11"/>
-                                        </p:tgtEl>
-                                        <p:attrNameLst>
-                                          <p:attrName>style.visibility</p:attrName>
-                                        </p:attrNameLst>
-                                      </p:cBhvr>
-                                      <p:to>
-                                        <p:strVal val="visible"/>
-                                      </p:to>
-                                    </p:set>
-                                    <p:animEffect transition="in" filter="wipe(down)">
-                                      <p:cBhvr>
-                                        <p:cTn id="30" dur="500"/>
-                                        <p:tgtEl>
-                                          <p:spTgt spid="11"/>
-                                        </p:tgtEl>
-                                      </p:cBhvr>
-                                    </p:animEffect>
-                                  </p:childTnLst>
-                                </p:cTn>
-                              </p:par>
-                            </p:childTnLst>
-                          </p:cTn>
-                        </p:par>
-                      </p:childTnLst>
-                    </p:cTn>
-                  </p:par>
-                  <p:par>
-                    <p:cTn id="31" fill="hold">
-                      <p:stCondLst>
-                        <p:cond delay="indefinite"/>
-                      </p:stCondLst>
-                      <p:childTnLst>
-                        <p:par>
-                          <p:cTn id="32" fill="hold">
-                            <p:stCondLst>
-                              <p:cond delay="0"/>
-                            </p:stCondLst>
-                            <p:childTnLst>
-                              <p:par>
-                                <p:cTn id="33" presetID="22" presetClass="entr" presetSubtype="4" fill="hold" grpId="0" nodeType="clickEffect">
-                                  <p:stCondLst>
-                                    <p:cond delay="0"/>
-                                  </p:stCondLst>
-                                  <p:childTnLst>
-                                    <p:set>
-                                      <p:cBhvr>
-                                        <p:cTn id="34" dur="1" fill="hold">
-                                          <p:stCondLst>
-                                            <p:cond delay="0"/>
-                                          </p:stCondLst>
-                                        </p:cTn>
-                                        <p:tgtEl>
-                                          <p:spTgt spid="12"/>
-                                        </p:tgtEl>
-                                        <p:attrNameLst>
-                                          <p:attrName>style.visibility</p:attrName>
-                                        </p:attrNameLst>
-                                      </p:cBhvr>
-                                      <p:to>
-                                        <p:strVal val="visible"/>
-                                      </p:to>
-                                    </p:set>
-                                    <p:animEffect transition="in" filter="wipe(down)">
-                                      <p:cBhvr>
-                                        <p:cTn id="35" dur="500"/>
-                                        <p:tgtEl>
-                                          <p:spTgt spid="12"/>
-                                        </p:tgtEl>
-                                      </p:cBhvr>
-                                    </p:animEffect>
-                                  </p:childTnLst>
-                                </p:cTn>
-                              </p:par>
-                            </p:childTnLst>
-                          </p:cTn>
-                        </p:par>
-                      </p:childTnLst>
-                    </p:cTn>
-                  </p:par>
-                  <p:par>
-                    <p:cTn id="36" fill="hold">
-                      <p:stCondLst>
-                        <p:cond delay="indefinite"/>
-                      </p:stCondLst>
-                      <p:childTnLst>
-                        <p:par>
-                          <p:cTn id="37" fill="hold">
-                            <p:stCondLst>
-                              <p:cond delay="0"/>
-                            </p:stCondLst>
-                            <p:childTnLst>
-                              <p:par>
-                                <p:cTn id="38" presetID="22" presetClass="entr" presetSubtype="4" fill="hold" grpId="0" nodeType="clickEffect">
-                                  <p:stCondLst>
-                                    <p:cond delay="0"/>
-                                  </p:stCondLst>
-                                  <p:childTnLst>
-                                    <p:set>
-                                      <p:cBhvr>
-                                        <p:cTn id="39" dur="1" fill="hold">
-                                          <p:stCondLst>
-                                            <p:cond delay="0"/>
-                                          </p:stCondLst>
-                                        </p:cTn>
-                                        <p:tgtEl>
-                                          <p:spTgt spid="13"/>
-                                        </p:tgtEl>
-                                        <p:attrNameLst>
-                                          <p:attrName>style.visibility</p:attrName>
-                                        </p:attrNameLst>
-                                      </p:cBhvr>
-                                      <p:to>
-                                        <p:strVal val="visible"/>
-                                      </p:to>
-                                    </p:set>
-                                    <p:animEffect transition="in" filter="wipe(down)">
-                                      <p:cBhvr>
-                                        <p:cTn id="40" dur="500"/>
-                                        <p:tgtEl>
-                                          <p:spTgt spid="13"/>
-                                        </p:tgtEl>
-                                      </p:cBhvr>
-                                    </p:animEffect>
-                                  </p:childTnLst>
-                                </p:cTn>
-                              </p:par>
-                            </p:childTnLst>
-                          </p:cTn>
-                        </p:par>
-                      </p:childTnLst>
-                    </p:cTn>
-                  </p:par>
                 </p:childTnLst>
               </p:cTn>
               <p:prevCondLst>
@@ -5493,12 +5144,6 @@
     <p:bldLst>
       <p:bldP spid="3" grpId="0"/>
       <p:bldP spid="7" grpId="0"/>
-      <p:bldP spid="8" grpId="0"/>
-      <p:bldP spid="9" grpId="0"/>
-      <p:bldP spid="10" grpId="0"/>
-      <p:bldP spid="11" grpId="0"/>
-      <p:bldP spid="12" grpId="0"/>
-      <p:bldP spid="13" grpId="0"/>
     </p:bldLst>
   </p:timing>
 </p:sld>
@@ -5661,7 +5306,7 @@
         <p:spPr>
           <a:xfrm>
             <a:off x="3429000" y="1748152"/>
-            <a:ext cx="5334000" cy="1107996"/>
+            <a:ext cx="5334000" cy="2462213"/>
           </a:xfrm>
           <a:prstGeom prst="rect">
             <a:avLst/>
@@ -5682,16 +5327,38 @@
               <a:buChar char="•"/>
             </a:pPr>
             <a:r>
-              <a:rPr lang="en-US" sz="2200" dirty="0" smtClean="0"/>
-              <a:t>Assure </a:t>
-            </a:r>
-            <a:r>
-              <a:rPr lang="en-US" sz="2200" dirty="0"/>
-              <a:t>that software functionality that previously worked as desired didn’t stop working</a:t>
-            </a:r>
-            <a:r>
-              <a:rPr lang="en-US" sz="2200" dirty="0" smtClean="0"/>
-              <a:t>;</a:t>
+              <a:rPr lang="ru-RU" sz="2200" dirty="0" smtClean="0"/>
+              <a:t>Убедиться, </a:t>
+            </a:r>
+            <a:r>
+              <a:rPr lang="ru-RU" sz="2200" dirty="0"/>
+              <a:t>что функциональность программного обеспечения, </a:t>
+            </a:r>
+            <a:r>
+              <a:rPr lang="ru-RU" sz="2200" dirty="0" smtClean="0"/>
+              <a:t>которая </a:t>
+            </a:r>
+            <a:r>
+              <a:rPr lang="ru-RU" sz="2200" dirty="0"/>
+              <a:t>ранее </a:t>
+            </a:r>
+            <a:r>
+              <a:rPr lang="ru-RU" sz="2200" dirty="0" smtClean="0"/>
+              <a:t>работала согласно спецификации, не перестала работать после изменений</a:t>
+            </a:r>
+          </a:p>
+          <a:p>
+            <a:pPr marL="342900" indent="-342900">
+              <a:buClr>
+                <a:srgbClr val="76A9D4"/>
+              </a:buClr>
+              <a:buSzPct val="150000"/>
+              <a:buFont typeface="Arial" pitchFamily="34" charset="0"/>
+              <a:buChar char="•"/>
+            </a:pPr>
+            <a:r>
+              <a:rPr lang="ru-RU" sz="2200" dirty="0" smtClean="0"/>
+              <a:t>Пере-прохождение пройденных ранее тестов</a:t>
             </a:r>
             <a:endParaRPr lang="en-US" sz="2200" dirty="0"/>
           </a:p>
@@ -5718,7 +5385,7 @@
         </p:blipFill>
         <p:spPr bwMode="auto">
           <a:xfrm>
-            <a:off x="733146" y="3886200"/>
+            <a:off x="734571" y="4293096"/>
             <a:ext cx="5115365" cy="1219200"/>
           </a:xfrm>
           <a:prstGeom prst="rect">
@@ -5736,43 +5403,6 @@
           </a:extLst>
         </p:spPr>
       </p:pic>
-      <p:sp>
-        <p:nvSpPr>
-          <p:cNvPr id="7" name="Rectangle 6"/>
-          <p:cNvSpPr/>
-          <p:nvPr/>
-        </p:nvSpPr>
-        <p:spPr>
-          <a:xfrm>
-            <a:off x="3429000" y="2854097"/>
-            <a:ext cx="5334000" cy="430887"/>
-          </a:xfrm>
-          <a:prstGeom prst="rect">
-            <a:avLst/>
-          </a:prstGeom>
-        </p:spPr>
-        <p:txBody>
-          <a:bodyPr wrap="square">
-            <a:spAutoFit/>
-          </a:bodyPr>
-          <a:lstStyle/>
-          <a:p>
-            <a:pPr marL="342900" indent="-342900">
-              <a:buClr>
-                <a:srgbClr val="76A9D4"/>
-              </a:buClr>
-              <a:buSzPct val="150000"/>
-              <a:buFont typeface="Arial" pitchFamily="34" charset="0"/>
-              <a:buChar char="•"/>
-            </a:pPr>
-            <a:r>
-              <a:rPr lang="en-US" sz="2200" dirty="0" smtClean="0"/>
-              <a:t>Re-running previously run tests;</a:t>
-            </a:r>
-            <a:endParaRPr lang="en-US" sz="2200" dirty="0"/>
-          </a:p>
-        </p:txBody>
-      </p:sp>
     </p:spTree>
     <p:extLst>
       <p:ext uri="{BB962C8B-B14F-4D97-AF65-F5344CB8AC3E}">
@@ -5897,7 +5527,39 @@
             </a:pPr>
             <a:r>
               <a:rPr lang="en-US" sz="2200" dirty="0" smtClean="0"/>
-              <a:t>1. Describe the relationship between Unit, Integration and System testing.</a:t>
+              <a:t>1. </a:t>
+            </a:r>
+            <a:r>
+              <a:rPr lang="ru-RU" sz="2200" dirty="0" smtClean="0"/>
+              <a:t>Опишите зависимость между </a:t>
+            </a:r>
+            <a:r>
+              <a:rPr lang="en-US" sz="2200" dirty="0" smtClean="0"/>
+              <a:t>Unit</a:t>
+            </a:r>
+            <a:r>
+              <a:rPr lang="en-US" sz="2200" dirty="0" smtClean="0"/>
+              <a:t>, Integration </a:t>
+            </a:r>
+            <a:r>
+              <a:rPr lang="ru-RU" sz="2200" dirty="0" smtClean="0"/>
+              <a:t>и</a:t>
+            </a:r>
+            <a:r>
+              <a:rPr lang="en-US" sz="2200" dirty="0" smtClean="0"/>
+              <a:t> </a:t>
+            </a:r>
+            <a:r>
+              <a:rPr lang="en-US" sz="2200" dirty="0" smtClean="0"/>
+              <a:t>System </a:t>
+            </a:r>
+            <a:r>
+              <a:rPr lang="ru-RU" sz="2200" dirty="0" smtClean="0"/>
+              <a:t>тестированием</a:t>
+            </a:r>
+            <a:r>
+              <a:rPr lang="en-US" sz="2200" dirty="0" smtClean="0"/>
+              <a:t>.</a:t>
             </a:r>
             <a:endParaRPr lang="en-US" sz="2200" dirty="0"/>
           </a:p>
@@ -5932,7 +5594,19 @@
             </a:pPr>
             <a:r>
               <a:rPr lang="en-US" sz="2200" dirty="0" smtClean="0"/>
-              <a:t>2. Describe the goal of unit testing.</a:t>
+              <a:t>2. </a:t>
+            </a:r>
+            <a:r>
+              <a:rPr lang="ru-RU" sz="2200" dirty="0" smtClean="0"/>
+              <a:t>Опишите цель </a:t>
+            </a:r>
+            <a:r>
+              <a:rPr lang="en-US" sz="2200" dirty="0" smtClean="0"/>
+              <a:t>Unit </a:t>
+            </a:r>
+            <a:r>
+              <a:rPr lang="ru-RU" sz="2200" dirty="0" smtClean="0"/>
+              <a:t>тестирования</a:t>
             </a:r>
             <a:endParaRPr lang="en-US" sz="2200" dirty="0"/>
           </a:p>
@@ -5947,7 +5621,7 @@
         <p:spPr>
           <a:xfrm>
             <a:off x="899592" y="2638073"/>
-            <a:ext cx="7344816" cy="430887"/>
+            <a:ext cx="7992888" cy="430887"/>
           </a:xfrm>
           <a:prstGeom prst="rect">
             <a:avLst/>
@@ -5967,7 +5641,19 @@
             </a:pPr>
             <a:r>
               <a:rPr lang="en-US" sz="2200" dirty="0" smtClean="0"/>
-              <a:t>3. What kinds of testing belongs to System testing?</a:t>
+              <a:t>3. </a:t>
+            </a:r>
+            <a:r>
+              <a:rPr lang="ru-RU" sz="2200" dirty="0" smtClean="0"/>
+              <a:t>Какие виды тестирования относятся в </a:t>
+            </a:r>
+            <a:r>
+              <a:rPr lang="en-US" sz="2200" dirty="0" smtClean="0"/>
+              <a:t>System </a:t>
+            </a:r>
+            <a:r>
+              <a:rPr lang="ru-RU" sz="2200" dirty="0" smtClean="0"/>
+              <a:t>тестированию?</a:t>
             </a:r>
             <a:endParaRPr lang="en-US" sz="2200" dirty="0"/>
           </a:p>
@@ -5982,7 +5668,7 @@
         <p:spPr>
           <a:xfrm>
             <a:off x="899592" y="3142129"/>
-            <a:ext cx="7344816" cy="769441"/>
+            <a:ext cx="7344816" cy="430887"/>
           </a:xfrm>
           <a:prstGeom prst="rect">
             <a:avLst/>
@@ -6002,7 +5688,31 @@
             </a:pPr>
             <a:r>
               <a:rPr lang="en-US" sz="2200" dirty="0" smtClean="0"/>
-              <a:t>4. What is Change testing? Please, describe the goal of Change testing.</a:t>
+              <a:t>4. </a:t>
+            </a:r>
+            <a:r>
+              <a:rPr lang="ru-RU" sz="2200" dirty="0" smtClean="0"/>
+              <a:t>Что такое </a:t>
+            </a:r>
+            <a:r>
+              <a:rPr lang="en-US" sz="2200" dirty="0" smtClean="0"/>
+              <a:t>Change testing? </a:t>
+            </a:r>
+            <a:r>
+              <a:rPr lang="ru-RU" sz="2200" dirty="0" smtClean="0"/>
+              <a:t>Опишите цель </a:t>
+            </a:r>
+            <a:r>
+              <a:rPr lang="en-US" sz="2200" dirty="0" smtClean="0"/>
+              <a:t>Change </a:t>
+            </a:r>
+            <a:r>
+              <a:rPr lang="ru-RU" sz="2200" dirty="0" smtClean="0"/>
+              <a:t>тестинга</a:t>
+            </a:r>
+            <a:r>
+              <a:rPr lang="en-US" sz="2200" dirty="0" smtClean="0"/>
+              <a:t>.</a:t>
             </a:r>
             <a:endParaRPr lang="en-US" sz="2200" dirty="0"/>
           </a:p>
@@ -6016,7 +5726,7 @@
         </p:nvSpPr>
         <p:spPr>
           <a:xfrm>
-            <a:off x="899592" y="3883695"/>
+            <a:off x="899592" y="3646185"/>
             <a:ext cx="7344816" cy="430887"/>
           </a:xfrm>
           <a:prstGeom prst="rect">
@@ -6037,7 +5747,35 @@
             </a:pPr>
             <a:r>
               <a:rPr lang="en-US" sz="2200" dirty="0" smtClean="0"/>
-              <a:t>5. What is the goal of Regression and Exploratory testing?</a:t>
+              <a:t>5. </a:t>
+            </a:r>
+            <a:r>
+              <a:rPr lang="ru-RU" sz="2200" dirty="0" smtClean="0"/>
+              <a:t>Какие цели </a:t>
+            </a:r>
+            <a:r>
+              <a:rPr lang="en-US" sz="2200" dirty="0" smtClean="0"/>
+              <a:t>Regression </a:t>
+            </a:r>
+            <a:r>
+              <a:rPr lang="ru-RU" sz="2200" dirty="0" smtClean="0"/>
+              <a:t>и</a:t>
+            </a:r>
+            <a:r>
+              <a:rPr lang="en-US" sz="2200" dirty="0" smtClean="0"/>
+              <a:t> </a:t>
+            </a:r>
+            <a:r>
+              <a:rPr lang="en-US" sz="2200" dirty="0" smtClean="0"/>
+              <a:t>Exploratory </a:t>
+            </a:r>
+            <a:r>
+              <a:rPr lang="ru-RU" sz="2200" dirty="0" smtClean="0"/>
+              <a:t>тестирования</a:t>
+            </a:r>
+            <a:r>
+              <a:rPr lang="en-US" sz="2200" dirty="0" smtClean="0"/>
+              <a:t>?</a:t>
             </a:r>
             <a:endParaRPr lang="en-US" sz="2200" dirty="0"/>
           </a:p>
@@ -6373,7 +6111,7 @@
         <p:spPr>
           <a:xfrm>
             <a:off x="865518" y="1942895"/>
-            <a:ext cx="7391400" cy="2169825"/>
+            <a:ext cx="7391400" cy="2308324"/>
           </a:xfrm>
           <a:prstGeom prst="rect">
             <a:avLst/>
@@ -6387,60 +6125,50 @@
           <a:p>
             <a:pPr>
               <a:lnSpc>
-                <a:spcPct val="250000"/>
+                <a:spcPct val="200000"/>
               </a:lnSpc>
             </a:pPr>
             <a:r>
+              <a:rPr lang="ru-RU" dirty="0" smtClean="0"/>
+              <a:t>Проверить, что программный продукт удовлетворяет определенным требованиям</a:t>
+            </a:r>
+            <a:r>
               <a:rPr lang="en-US" dirty="0" smtClean="0"/>
-              <a:t>verify </a:t>
-            </a:r>
-            <a:r>
-              <a:rPr lang="en-US" dirty="0"/>
-              <a:t>that </a:t>
-            </a:r>
-            <a:r>
-              <a:rPr lang="en-US" dirty="0" smtClean="0"/>
-              <a:t>software </a:t>
-            </a:r>
-            <a:r>
-              <a:rPr lang="en-US" dirty="0"/>
-              <a:t>satisfies specified </a:t>
-            </a:r>
-            <a:r>
-              <a:rPr lang="en-US" dirty="0" smtClean="0"/>
-              <a:t>requirements; </a:t>
-            </a:r>
+              <a:t>;</a:t>
+            </a:r>
+            <a:endParaRPr lang="en-US" dirty="0" smtClean="0"/>
           </a:p>
           <a:p>
             <a:pPr>
               <a:lnSpc>
-                <a:spcPct val="250000"/>
+                <a:spcPct val="200000"/>
               </a:lnSpc>
             </a:pPr>
             <a:r>
+              <a:rPr lang="ru-RU" dirty="0" smtClean="0"/>
+              <a:t>Найти и локализовать проблемы</a:t>
+            </a:r>
+            <a:r>
               <a:rPr lang="en-US" dirty="0" smtClean="0"/>
-              <a:t>detect </a:t>
-            </a:r>
-            <a:r>
-              <a:rPr lang="en-US" dirty="0"/>
-              <a:t>and localize errors; </a:t>
+              <a:t>;</a:t>
             </a:r>
             <a:endParaRPr lang="en-US" dirty="0" smtClean="0"/>
           </a:p>
           <a:p>
             <a:pPr>
               <a:lnSpc>
-                <a:spcPct val="250000"/>
+                <a:spcPct val="200000"/>
               </a:lnSpc>
             </a:pPr>
             <a:r>
+              <a:rPr lang="ru-RU" dirty="0" smtClean="0"/>
+              <a:t>Выполнить тесты без ручного вмешательства</a:t>
+            </a:r>
+            <a:r>
               <a:rPr lang="en-US" dirty="0" smtClean="0"/>
-              <a:t>execute </a:t>
-            </a:r>
-            <a:r>
-              <a:rPr lang="en-US" dirty="0"/>
-              <a:t>tests without manual intervention.</a:t>
-            </a:r>
+              <a:t>.</a:t>
+            </a:r>
+            <a:endParaRPr lang="en-US" dirty="0"/>
           </a:p>
         </p:txBody>
       </p:sp>
@@ -6541,8 +6269,8 @@
         </p:nvSpPr>
         <p:spPr>
           <a:xfrm>
-            <a:off x="865518" y="4819694"/>
-            <a:ext cx="6273434" cy="674672"/>
+            <a:off x="865518" y="5157192"/>
+            <a:ext cx="6370778" cy="769441"/>
           </a:xfrm>
           <a:prstGeom prst="rect">
             <a:avLst/>
@@ -6556,9 +6284,6 @@
           <a:lstStyle/>
           <a:p>
             <a:pPr marL="342900" indent="-342900">
-              <a:lnSpc>
-                <a:spcPct val="200000"/>
-              </a:lnSpc>
               <a:buClr>
                 <a:srgbClr val="76A9D4"/>
               </a:buClr>
@@ -6572,13 +6297,29 @@
             </a:r>
             <a:r>
               <a:rPr lang="en-US" sz="2200" dirty="0" smtClean="0"/>
-              <a:t> – by running </a:t>
+              <a:t> – </a:t>
+            </a:r>
+            <a:r>
+              <a:rPr lang="ru-RU" sz="2200" dirty="0" smtClean="0"/>
+              <a:t>прохождение </a:t>
             </a:r>
             <a:r>
               <a:rPr lang="en-US" sz="2200" b="1" dirty="0" smtClean="0"/>
-              <a:t>Automated Test Cases</a:t>
-            </a:r>
-            <a:endParaRPr lang="en-US" sz="2200" b="1" dirty="0"/>
+              <a:t>Automated </a:t>
+            </a:r>
+            <a:r>
+              <a:rPr lang="en-US" sz="2200" b="1" dirty="0" smtClean="0"/>
+              <a:t>Test </a:t>
+            </a:r>
+            <a:r>
+              <a:rPr lang="en-US" sz="2200" b="1" dirty="0" smtClean="0"/>
+              <a:t>Cases</a:t>
+            </a:r>
+            <a:r>
+              <a:rPr lang="ru-RU" sz="2200" dirty="0" smtClean="0"/>
+              <a:t> (автоматических тестовых сценариев)</a:t>
+            </a:r>
+            <a:endParaRPr lang="en-US" sz="2200" dirty="0"/>
           </a:p>
         </p:txBody>
       </p:sp>
@@ -6591,7 +6332,7 @@
         <p:spPr>
           <a:xfrm>
             <a:off x="865518" y="4296977"/>
-            <a:ext cx="5773368" cy="674672"/>
+            <a:ext cx="5773368" cy="769441"/>
           </a:xfrm>
           <a:prstGeom prst="rect">
             <a:avLst/>
@@ -6604,9 +6345,6 @@
           <a:lstStyle/>
           <a:p>
             <a:pPr marL="342900" indent="-342900">
-              <a:lnSpc>
-                <a:spcPct val="200000"/>
-              </a:lnSpc>
               <a:buClr>
                 <a:srgbClr val="76A9D4"/>
               </a:buClr>
@@ -6620,13 +6358,29 @@
             </a:r>
             <a:r>
               <a:rPr lang="en-US" sz="2200" dirty="0" smtClean="0"/>
-              <a:t> – by running </a:t>
+              <a:t> – </a:t>
+            </a:r>
+            <a:r>
+              <a:rPr lang="ru-RU" sz="2200" dirty="0" smtClean="0"/>
+              <a:t>прохождение </a:t>
             </a:r>
             <a:r>
               <a:rPr lang="en-US" sz="2200" b="1" dirty="0" smtClean="0"/>
-              <a:t>Manual Test Cases</a:t>
-            </a:r>
-            <a:endParaRPr lang="en-US" sz="2200" b="1" dirty="0"/>
+              <a:t>Manual </a:t>
+            </a:r>
+            <a:r>
+              <a:rPr lang="en-US" sz="2200" b="1" dirty="0" smtClean="0"/>
+              <a:t>Test </a:t>
+            </a:r>
+            <a:r>
+              <a:rPr lang="en-US" sz="2200" b="1" dirty="0" smtClean="0"/>
+              <a:t>Cases</a:t>
+            </a:r>
+            <a:r>
+              <a:rPr lang="ru-RU" sz="2200" dirty="0" smtClean="0"/>
+              <a:t> (ручных тестовых сценариев)</a:t>
+            </a:r>
+            <a:endParaRPr lang="en-US" sz="2200" dirty="0"/>
           </a:p>
         </p:txBody>
       </p:sp>
@@ -6809,7 +6563,7 @@
         <p:spPr>
           <a:xfrm>
             <a:off x="609600" y="457200"/>
-            <a:ext cx="2158796" cy="630942"/>
+            <a:ext cx="2776594" cy="630942"/>
           </a:xfrm>
           <a:prstGeom prst="rect">
             <a:avLst/>
@@ -6823,7 +6577,7 @@
           <a:lstStyle/>
           <a:p>
             <a:r>
-              <a:rPr lang="en-US" sz="3500" dirty="0" smtClean="0">
+              <a:rPr lang="ru-RU" sz="3500" dirty="0" smtClean="0">
                 <a:solidFill>
                   <a:schemeClr val="tx1">
                     <a:lumMod val="65000"/>
@@ -6838,7 +6592,7 @@
                   </a:outerShdw>
                 </a:effectLst>
               </a:rPr>
-              <a:t>Definitions</a:t>
+              <a:t>Определения</a:t>
             </a:r>
             <a:endParaRPr lang="en-US" sz="3500" dirty="0">
               <a:solidFill>
@@ -6908,7 +6662,7 @@
         <p:spPr>
           <a:xfrm>
             <a:off x="755576" y="3790781"/>
-            <a:ext cx="5898232" cy="369332"/>
+            <a:ext cx="5898232" cy="646331"/>
           </a:xfrm>
           <a:prstGeom prst="rect">
             <a:avLst/>
@@ -6925,20 +6679,20 @@
               <a:t>Test </a:t>
             </a:r>
             <a:r>
-              <a:rPr lang="en-US" b="1" dirty="0"/>
-              <a:t>Run </a:t>
-            </a:r>
-            <a:r>
-              <a:rPr lang="en-US" dirty="0"/>
-              <a:t>is a set of </a:t>
+              <a:rPr lang="en-US" b="1" dirty="0" smtClean="0"/>
+              <a:t>Run</a:t>
+            </a:r>
+            <a:r>
+              <a:rPr lang="ru-RU" dirty="0" smtClean="0"/>
+              <a:t> – тестовое прохождение, объединение тестовых наборов (</a:t>
             </a:r>
             <a:r>
               <a:rPr lang="en-US" dirty="0" smtClean="0"/>
-              <a:t>Test </a:t>
-            </a:r>
-            <a:r>
-              <a:rPr lang="en-US" dirty="0"/>
-              <a:t>Suites that are run together.</a:t>
+              <a:t>Test Suites</a:t>
+            </a:r>
+            <a:r>
+              <a:rPr lang="ru-RU" dirty="0" smtClean="0"/>
+              <a:t>), которые выполняются совместно</a:t>
             </a:r>
             <a:endParaRPr lang="uk-UA" dirty="0"/>
           </a:p>
@@ -6953,7 +6707,7 @@
         <p:spPr>
           <a:xfrm>
             <a:off x="755576" y="1412776"/>
-            <a:ext cx="5904656" cy="646331"/>
+            <a:ext cx="5904656" cy="923330"/>
           </a:xfrm>
           <a:prstGeom prst="rect">
             <a:avLst/>
@@ -6971,8 +6725,17 @@
             </a:r>
             <a:r>
               <a:rPr lang="en-US" dirty="0"/>
-              <a:t> is a set of instructions for automated testing of some application functionality.</a:t>
-            </a:r>
+              <a:t> </a:t>
+            </a:r>
+            <a:r>
+              <a:rPr lang="ru-RU" dirty="0" smtClean="0"/>
+              <a:t>– набор инструкций для выполнения автоматического тестирования некоторой функциональности приложения</a:t>
+            </a:r>
+            <a:r>
+              <a:rPr lang="en-US" dirty="0" smtClean="0"/>
+              <a:t>.</a:t>
+            </a:r>
+            <a:endParaRPr lang="en-US" dirty="0"/>
           </a:p>
         </p:txBody>
       </p:sp>
@@ -6985,7 +6748,7 @@
         <p:spPr>
           <a:xfrm>
             <a:off x="755576" y="2564903"/>
-            <a:ext cx="5400600" cy="646331"/>
+            <a:ext cx="5400600" cy="923330"/>
           </a:xfrm>
           <a:prstGeom prst="rect">
             <a:avLst/>
@@ -6999,12 +6762,33 @@
           <a:p>
             <a:r>
               <a:rPr lang="en-US" b="1" dirty="0"/>
-              <a:t>Test Suite </a:t>
+              <a:t>Test Suite</a:t>
             </a:r>
             <a:r>
               <a:rPr lang="en-US" dirty="0"/>
-              <a:t>is a set of Test Scripts that are connected by functionality or goals.</a:t>
-            </a:r>
+              <a:t> </a:t>
+            </a:r>
+            <a:r>
+              <a:rPr lang="ru-RU" dirty="0" smtClean="0"/>
+              <a:t>– </a:t>
+            </a:r>
+            <a:r>
+              <a:rPr lang="ru-RU" dirty="0"/>
+              <a:t>набор тестовых сценариев </a:t>
+            </a:r>
+            <a:r>
+              <a:rPr lang="ru-RU" dirty="0" smtClean="0"/>
+              <a:t>(</a:t>
+            </a:r>
+            <a:r>
+              <a:rPr lang="en-US" dirty="0" smtClean="0"/>
+              <a:t>Test Scripts</a:t>
+            </a:r>
+            <a:r>
+              <a:rPr lang="ru-RU" dirty="0" smtClean="0"/>
+              <a:t>), собранных по соответствующим признакам (функциональность, цель тестирования и т.п.)</a:t>
+            </a:r>
+            <a:endParaRPr lang="en-US" dirty="0"/>
           </a:p>
         </p:txBody>
       </p:sp>
@@ -7054,7 +6838,7 @@
         <p:spPr>
           <a:xfrm>
             <a:off x="609600" y="457200"/>
-            <a:ext cx="6258573" cy="630942"/>
+            <a:ext cx="6510565" cy="630942"/>
           </a:xfrm>
           <a:prstGeom prst="rect">
             <a:avLst/>
@@ -7067,6 +6851,24 @@
           </a:bodyPr>
           <a:lstStyle/>
           <a:p>
+            <a:r>
+              <a:rPr lang="ru-RU" sz="3500" dirty="0" smtClean="0">
+                <a:solidFill>
+                  <a:schemeClr val="tx1">
+                    <a:lumMod val="65000"/>
+                    <a:lumOff val="35000"/>
+                  </a:schemeClr>
+                </a:solidFill>
+                <a:effectLst>
+                  <a:outerShdw blurRad="38100" dist="38100" dir="2700000" algn="tl">
+                    <a:srgbClr val="000000">
+                      <a:alpha val="43137"/>
+                    </a:srgbClr>
+                  </a:outerShdw>
+                </a:effectLst>
+              </a:rPr>
+              <a:t>Преимущества</a:t>
+            </a:r>
             <a:r>
               <a:rPr lang="en-US" sz="3500" dirty="0" smtClean="0">
                 <a:solidFill>
@@ -7083,26 +6885,23 @@
                   </a:outerShdw>
                 </a:effectLst>
               </a:rPr>
-              <a:t>Advantages of Automated </a:t>
-            </a:r>
-            <a:r>
-              <a:rPr lang="en-US" sz="3500" dirty="0">
-                <a:solidFill>
-                  <a:schemeClr val="tx1">
-                    <a:lumMod val="65000"/>
-                    <a:lumOff val="35000"/>
-                  </a:schemeClr>
-                </a:solidFill>
-                <a:effectLst>
-                  <a:outerShdw blurRad="38100" dist="38100" dir="2700000" algn="tl">
-                    <a:srgbClr val="000000">
-                      <a:alpha val="43137"/>
-                    </a:srgbClr>
-                  </a:outerShdw>
-                </a:effectLst>
-              </a:rPr>
-              <a:t>testing</a:t>
-            </a:r>
+              <a:t> Automated testing</a:t>
+            </a:r>
+            <a:endParaRPr lang="en-US" sz="3500" dirty="0">
+              <a:solidFill>
+                <a:schemeClr val="tx1">
+                  <a:lumMod val="65000"/>
+                  <a:lumOff val="35000"/>
+                </a:schemeClr>
+              </a:solidFill>
+              <a:effectLst>
+                <a:outerShdw blurRad="38100" dist="38100" dir="2700000" algn="tl">
+                  <a:srgbClr val="000000">
+                    <a:alpha val="43137"/>
+                  </a:srgbClr>
+                </a:outerShdw>
+              </a:effectLst>
+            </a:endParaRPr>
           </a:p>
         </p:txBody>
       </p:sp>
@@ -10201,7 +10000,7 @@
         <p:spPr>
           <a:xfrm>
             <a:off x="914400" y="1340768"/>
-            <a:ext cx="2170338" cy="430887"/>
+            <a:ext cx="3802901" cy="430887"/>
           </a:xfrm>
           <a:prstGeom prst="rect">
             <a:avLst/>
@@ -10222,7 +10021,18 @@
                   </a:schemeClr>
                 </a:solidFill>
               </a:rPr>
-              <a:t>1. Testing groups </a:t>
+              <a:t>1. </a:t>
+            </a:r>
+            <a:r>
+              <a:rPr lang="ru-RU" sz="2200" dirty="0" smtClean="0">
+                <a:solidFill>
+                  <a:schemeClr val="tx1">
+                    <a:lumMod val="75000"/>
+                    <a:lumOff val="25000"/>
+                  </a:schemeClr>
+                </a:solidFill>
+              </a:rPr>
+              <a:t>Группы видов тестирования</a:t>
             </a:r>
             <a:endParaRPr lang="en-US" sz="2200" dirty="0">
               <a:solidFill>
@@ -10244,7 +10054,7 @@
         <p:spPr>
           <a:xfrm>
             <a:off x="899592" y="1917993"/>
-            <a:ext cx="5834098" cy="430887"/>
+            <a:ext cx="5022016" cy="430887"/>
           </a:xfrm>
           <a:prstGeom prst="rect">
             <a:avLst/>
@@ -10265,7 +10075,18 @@
                   </a:schemeClr>
                 </a:solidFill>
               </a:rPr>
-              <a:t>2. Detailed description of the each type of testing</a:t>
+              <a:t>2. </a:t>
+            </a:r>
+            <a:r>
+              <a:rPr lang="ru-RU" sz="2200" dirty="0" smtClean="0">
+                <a:solidFill>
+                  <a:schemeClr val="tx1">
+                    <a:lumMod val="75000"/>
+                    <a:lumOff val="25000"/>
+                  </a:schemeClr>
+                </a:solidFill>
+              </a:rPr>
+              <a:t>Описание каждого типа тестирования</a:t>
             </a:r>
             <a:endParaRPr lang="en-US" sz="2200" dirty="0">
               <a:solidFill>
@@ -10287,7 +10108,7 @@
         <p:spPr>
           <a:xfrm>
             <a:off x="914400" y="2422048"/>
-            <a:ext cx="7870103" cy="430887"/>
+            <a:ext cx="7883890" cy="430887"/>
           </a:xfrm>
           <a:prstGeom prst="rect">
             <a:avLst/>
@@ -10308,7 +10129,18 @@
                   </a:schemeClr>
                 </a:solidFill>
               </a:rPr>
-              <a:t>3. Advantages and disadvantages of using different types of testing </a:t>
+              <a:t>3. </a:t>
+            </a:r>
+            <a:r>
+              <a:rPr lang="ru-RU" sz="2200" dirty="0" smtClean="0">
+                <a:solidFill>
+                  <a:schemeClr val="tx1">
+                    <a:lumMod val="75000"/>
+                    <a:lumOff val="25000"/>
+                  </a:schemeClr>
+                </a:solidFill>
+              </a:rPr>
+              <a:t>Преимущества и недостатки использования различных видов</a:t>
             </a:r>
             <a:endParaRPr lang="en-US" sz="2200" dirty="0">
               <a:solidFill>
@@ -10330,7 +10162,7 @@
         <p:spPr>
           <a:xfrm>
             <a:off x="899592" y="2931457"/>
-            <a:ext cx="4968552" cy="430887"/>
+            <a:ext cx="7632848" cy="430887"/>
           </a:xfrm>
           <a:prstGeom prst="rect">
             <a:avLst/>
@@ -10351,42 +10183,10 @@
                   </a:schemeClr>
                 </a:solidFill>
               </a:rPr>
-              <a:t>4. Examples of the kinds of testing</a:t>
-            </a:r>
-            <a:endParaRPr lang="en-US" sz="2200" dirty="0">
-              <a:solidFill>
-                <a:schemeClr val="tx1">
-                  <a:lumMod val="75000"/>
-                  <a:lumOff val="25000"/>
-                </a:schemeClr>
-              </a:solidFill>
-            </a:endParaRPr>
-          </a:p>
-        </p:txBody>
-      </p:sp>
-      <p:sp>
-        <p:nvSpPr>
-          <p:cNvPr id="8" name="Rectangle 7"/>
-          <p:cNvSpPr/>
-          <p:nvPr/>
-        </p:nvSpPr>
-        <p:spPr>
-          <a:xfrm>
-            <a:off x="899592" y="3430161"/>
-            <a:ext cx="5400600" cy="430887"/>
-          </a:xfrm>
-          <a:prstGeom prst="rect">
-            <a:avLst/>
-          </a:prstGeom>
-        </p:spPr>
-        <p:txBody>
-          <a:bodyPr wrap="square">
-            <a:spAutoFit/>
-          </a:bodyPr>
-          <a:lstStyle/>
-          <a:p>
-            <a:r>
-              <a:rPr lang="en-US" sz="2200" dirty="0" smtClean="0">
+              <a:t>4. </a:t>
+            </a:r>
+            <a:r>
+              <a:rPr lang="ru-RU" sz="2200" dirty="0" smtClean="0">
                 <a:solidFill>
                   <a:schemeClr val="tx1">
                     <a:lumMod val="75000"/>
@@ -10394,7 +10194,7 @@
                   </a:schemeClr>
                 </a:solidFill>
               </a:rPr>
-              <a:t>5. Description of  the testing process</a:t>
+              <a:t>Примеры различных видов тестирования</a:t>
             </a:r>
             <a:endParaRPr lang="en-US" sz="2200" dirty="0">
               <a:solidFill>
@@ -12264,7 +12064,7 @@
         <p:spPr>
           <a:xfrm>
             <a:off x="743505" y="457200"/>
-            <a:ext cx="5012847" cy="630942"/>
+            <a:ext cx="6278450" cy="630942"/>
           </a:xfrm>
           <a:prstGeom prst="rect">
             <a:avLst/>
@@ -12278,7 +12078,7 @@
           <a:lstStyle/>
           <a:p>
             <a:r>
-              <a:rPr lang="en-US" sz="3500" dirty="0" smtClean="0">
+              <a:rPr lang="ru-RU" sz="3500" dirty="0" smtClean="0">
                 <a:solidFill>
                   <a:schemeClr val="tx1">
                     <a:lumMod val="65000"/>
@@ -12293,7 +12093,7 @@
                   </a:outerShdw>
                 </a:effectLst>
               </a:rPr>
-              <a:t>Common groups of testing</a:t>
+              <a:t>Основные группы тестирования</a:t>
             </a:r>
             <a:endParaRPr lang="en-US" sz="3500" dirty="0">
               <a:solidFill>
@@ -12322,7 +12122,7 @@
         <p:spPr>
           <a:xfrm>
             <a:off x="838199" y="4343400"/>
-            <a:ext cx="3732881" cy="769441"/>
+            <a:ext cx="7046169" cy="769441"/>
           </a:xfrm>
           <a:prstGeom prst="rect">
             <a:avLst/>
@@ -12348,8 +12148,17 @@
             </a:pPr>
             <a:r>
               <a:rPr lang="en-US" sz="2200" dirty="0" smtClean="0"/>
-              <a:t>By the time of the testing</a:t>
-            </a:r>
+              <a:t>By the time of the </a:t>
+            </a:r>
+            <a:r>
+              <a:rPr lang="en-US" sz="2200" dirty="0" smtClean="0"/>
+              <a:t>testing</a:t>
+            </a:r>
+            <a:r>
+              <a:rPr lang="ru-RU" sz="2200" dirty="0" smtClean="0"/>
+              <a:t> (По времени тестирования)</a:t>
+            </a:r>
+            <a:endParaRPr lang="en-US" sz="2200" dirty="0" smtClean="0"/>
           </a:p>
         </p:txBody>
       </p:sp>
@@ -12362,7 +12171,7 @@
         <p:spPr>
           <a:xfrm>
             <a:off x="838200" y="1458928"/>
-            <a:ext cx="2446632" cy="769441"/>
+            <a:ext cx="5195333" cy="769441"/>
           </a:xfrm>
           <a:prstGeom prst="rect">
             <a:avLst/>
@@ -12387,15 +12196,11 @@
             </a:pPr>
             <a:r>
               <a:rPr lang="en-US" sz="2200" dirty="0" smtClean="0"/>
-              <a:t>By isolation </a:t>
-            </a:r>
-            <a:r>
-              <a:rPr lang="en-US" sz="2200" dirty="0"/>
-              <a:t>l</a:t>
-            </a:r>
-            <a:r>
-              <a:rPr lang="en-US" sz="2200" dirty="0" smtClean="0"/>
-              <a:t>evel</a:t>
+              <a:t>By isolation level</a:t>
+            </a:r>
+            <a:r>
+              <a:rPr lang="ru-RU" sz="2200" dirty="0" smtClean="0"/>
+              <a:t> (По уровню изоляции)</a:t>
             </a:r>
             <a:endParaRPr lang="en-US" sz="2200" dirty="0"/>
           </a:p>
@@ -12410,7 +12215,7 @@
         <p:spPr>
           <a:xfrm>
             <a:off x="838200" y="2133600"/>
-            <a:ext cx="2210733" cy="674672"/>
+            <a:ext cx="4652940" cy="769441"/>
           </a:xfrm>
           <a:prstGeom prst="rect">
             <a:avLst/>
@@ -12435,7 +12240,15 @@
             </a:pPr>
             <a:r>
               <a:rPr lang="en-US" sz="2200" dirty="0" smtClean="0"/>
-              <a:t>By automation</a:t>
+              <a:t>By </a:t>
+            </a:r>
+            <a:r>
+              <a:rPr lang="en-US" sz="2200" dirty="0" smtClean="0"/>
+              <a:t>automation</a:t>
+            </a:r>
+            <a:r>
+              <a:rPr lang="ru-RU" sz="2200" dirty="0" smtClean="0"/>
+              <a:t> (По автоматизации)</a:t>
             </a:r>
             <a:endParaRPr lang="en-US" sz="2200" dirty="0"/>
           </a:p>
@@ -12450,7 +12263,7 @@
         <p:spPr>
           <a:xfrm>
             <a:off x="838200" y="2819400"/>
-            <a:ext cx="2435988" cy="769441"/>
+            <a:ext cx="5711628" cy="769441"/>
           </a:xfrm>
           <a:prstGeom prst="rect">
             <a:avLst/>
@@ -12486,12 +12299,12 @@
               <a:t>esting </a:t>
             </a:r>
             <a:r>
-              <a:rPr lang="en-US" sz="2200" dirty="0"/>
-              <a:t>o</a:t>
-            </a:r>
-            <a:r>
               <a:rPr lang="en-US" sz="2200" dirty="0" smtClean="0"/>
-              <a:t>bject</a:t>
+              <a:t>object</a:t>
+            </a:r>
+            <a:r>
+              <a:rPr lang="ru-RU" sz="2200" dirty="0" smtClean="0"/>
+              <a:t> (По объекту тестирования)</a:t>
             </a:r>
             <a:endParaRPr lang="en-US" sz="2200" dirty="0"/>
           </a:p>
@@ -12506,7 +12319,7 @@
         <p:spPr>
           <a:xfrm>
             <a:off x="838200" y="3581400"/>
-            <a:ext cx="3732881" cy="674672"/>
+            <a:ext cx="6343211" cy="769441"/>
           </a:xfrm>
           <a:prstGeom prst="rect">
             <a:avLst/>
@@ -12535,8 +12348,17 @@
             </a:r>
             <a:r>
               <a:rPr lang="en-US" sz="2200" dirty="0"/>
-              <a:t>of the system</a:t>
-            </a:r>
+              <a:t>of the </a:t>
+            </a:r>
+            <a:r>
+              <a:rPr lang="en-US" sz="2200" dirty="0" smtClean="0"/>
+              <a:t>system</a:t>
+            </a:r>
+            <a:r>
+              <a:rPr lang="ru-RU" sz="2200" dirty="0" smtClean="0"/>
+              <a:t> (По знанию системы)</a:t>
+            </a:r>
+            <a:endParaRPr lang="en-US" sz="2200" dirty="0"/>
           </a:p>
         </p:txBody>
       </p:sp>
@@ -14244,7 +14066,7 @@
         <p:spPr>
           <a:xfrm>
             <a:off x="762000" y="2743200"/>
-            <a:ext cx="5248025" cy="1581972"/>
+            <a:ext cx="5248025" cy="1954381"/>
           </a:xfrm>
           <a:prstGeom prst="rect">
             <a:avLst/>
@@ -14262,13 +14084,14 @@
               </a:lnSpc>
             </a:pPr>
             <a:r>
-              <a:rPr lang="en-US" sz="2200" dirty="0"/>
-              <a:t>Isolate each part of the program and show that the individual parts are </a:t>
+              <a:rPr lang="ru-RU" sz="2200" dirty="0" smtClean="0"/>
+              <a:t>Изолировать каждую наименьшую составляющую часть программы и показать, что она работает корректно</a:t>
             </a:r>
             <a:r>
               <a:rPr lang="en-US" sz="2200" dirty="0" smtClean="0"/>
-              <a:t>correct.</a:t>
-            </a:r>
+              <a:t>.</a:t>
+            </a:r>
+            <a:endParaRPr lang="en-US" sz="2200" dirty="0" smtClean="0"/>
           </a:p>
           <a:p>
             <a:pPr>
@@ -14285,8 +14108,8 @@
               </a:lnSpc>
             </a:pPr>
             <a:r>
-              <a:rPr lang="en-US" sz="2200" dirty="0" smtClean="0"/>
-              <a:t>Usually performed by developers.</a:t>
+              <a:rPr lang="ru-RU" sz="2200" dirty="0" smtClean="0"/>
+              <a:t>Обычно проводится программистами</a:t>
             </a:r>
             <a:endParaRPr lang="en-US" sz="2200" dirty="0"/>
           </a:p>
@@ -14389,7 +14212,7 @@
         <p:spPr>
           <a:xfrm>
             <a:off x="761999" y="4519022"/>
-            <a:ext cx="5248025" cy="837152"/>
+            <a:ext cx="6474297" cy="837152"/>
           </a:xfrm>
           <a:prstGeom prst="rect">
             <a:avLst/>
@@ -14409,9 +14232,10 @@
               <a:buChar char="•"/>
             </a:pPr>
             <a:r>
-              <a:rPr lang="en-US" sz="2200" dirty="0" smtClean="0"/>
-              <a:t>locate error in smaller region</a:t>
-            </a:r>
+              <a:rPr lang="ru-RU" sz="2200" dirty="0" smtClean="0"/>
+              <a:t>Локализует проблемы в маленьком регионе</a:t>
+            </a:r>
+            <a:endParaRPr lang="en-US" sz="2200" dirty="0" smtClean="0"/>
           </a:p>
           <a:p>
             <a:pPr marL="342900" indent="-342900">
@@ -14422,12 +14246,8 @@
               <a:buChar char="•"/>
             </a:pPr>
             <a:r>
-              <a:rPr lang="en-US" sz="2200" dirty="0"/>
-              <a:t>r</a:t>
-            </a:r>
-            <a:r>
-              <a:rPr lang="en-US" sz="2200" dirty="0" smtClean="0"/>
-              <a:t>educes debugging affords</a:t>
+              <a:rPr lang="ru-RU" sz="2200" dirty="0" smtClean="0"/>
+              <a:t>Уменьшает ресурсы, необходимые для отладки</a:t>
             </a:r>
             <a:endParaRPr lang="en-US" sz="2200" dirty="0"/>
           </a:p>
@@ -14442,7 +14262,7 @@
         <p:spPr>
           <a:xfrm>
             <a:off x="761999" y="5630543"/>
-            <a:ext cx="1547860" cy="369332"/>
+            <a:ext cx="1515158" cy="369332"/>
           </a:xfrm>
           <a:prstGeom prst="rect">
             <a:avLst/>
@@ -14456,8 +14276,16 @@
           <a:lstStyle/>
           <a:p>
             <a:r>
+              <a:rPr lang="ru-RU" dirty="0" smtClean="0"/>
+              <a:t>пример</a:t>
+            </a:r>
+            <a:r>
               <a:rPr lang="en-US" dirty="0" smtClean="0"/>
-              <a:t>Example: 2 + 2</a:t>
+              <a:t>: </a:t>
+            </a:r>
+            <a:r>
+              <a:rPr lang="en-US" dirty="0" smtClean="0"/>
+              <a:t>2 + 2</a:t>
             </a:r>
             <a:endParaRPr lang="ru-RU" dirty="0"/>
           </a:p>
@@ -14592,8 +14420,8 @@
         </p:nvSpPr>
         <p:spPr>
           <a:xfrm>
-            <a:off x="762000" y="2304999"/>
-            <a:ext cx="5638800" cy="1446550"/>
+            <a:off x="611560" y="1922056"/>
+            <a:ext cx="5638800" cy="1938992"/>
           </a:xfrm>
           <a:prstGeom prst="rect">
             <a:avLst/>
@@ -14606,28 +14434,36 @@
           <a:lstStyle/>
           <a:p>
             <a:r>
-              <a:rPr lang="en-US" sz="2200" dirty="0"/>
-              <a:t>This is testing two or more program parts </a:t>
-            </a:r>
-            <a:r>
-              <a:rPr lang="en-US" sz="2200" dirty="0" smtClean="0"/>
-              <a:t>or modules </a:t>
-            </a:r>
-            <a:r>
-              <a:rPr lang="en-US" sz="2200" dirty="0"/>
-              <a:t>together with the intent of finding </a:t>
-            </a:r>
-            <a:r>
-              <a:rPr lang="en-US" sz="2200" dirty="0" smtClean="0"/>
-              <a:t>interface / interaction </a:t>
-            </a:r>
-            <a:r>
-              <a:rPr lang="en-US" sz="2200" dirty="0"/>
-              <a:t>defects between the modules or </a:t>
-            </a:r>
-            <a:r>
-              <a:rPr lang="en-US" sz="2200" dirty="0" smtClean="0"/>
-              <a:t>parts.</a:t>
+              <a:rPr lang="ru-RU" sz="2400" dirty="0"/>
+              <a:t>Это </a:t>
+            </a:r>
+            <a:r>
+              <a:rPr lang="ru-RU" sz="2400" dirty="0" smtClean="0"/>
+              <a:t>совместное тестирование </a:t>
+            </a:r>
+            <a:r>
+              <a:rPr lang="ru-RU" sz="2400" dirty="0"/>
+              <a:t>двух или более частей или </a:t>
+            </a:r>
+            <a:r>
+              <a:rPr lang="ru-RU" sz="2400" dirty="0" smtClean="0"/>
+              <a:t>модулей программы с </a:t>
+            </a:r>
+            <a:r>
+              <a:rPr lang="ru-RU" sz="2400" dirty="0"/>
+              <a:t>намерением найти </a:t>
+            </a:r>
+            <a:r>
+              <a:rPr lang="ru-RU" sz="2400" dirty="0" smtClean="0"/>
+              <a:t>проблемы взаимодействия между </a:t>
+            </a:r>
+            <a:r>
+              <a:rPr lang="ru-RU" sz="2400" dirty="0"/>
+              <a:t>модулями или их </a:t>
+            </a:r>
+            <a:r>
+              <a:rPr lang="ru-RU" sz="2400" dirty="0" smtClean="0"/>
+              <a:t>частями.</a:t>
             </a:r>
             <a:endParaRPr lang="en-US" sz="2200" dirty="0"/>
           </a:p>
@@ -15111,7 +14947,7 @@
         </p:blipFill>
         <p:spPr bwMode="auto">
           <a:xfrm>
-            <a:off x="4939205" y="1844824"/>
+            <a:off x="5587276" y="1556792"/>
             <a:ext cx="2945164" cy="2564119"/>
           </a:xfrm>
           <a:prstGeom prst="rect">
@@ -15137,8 +14973,8 @@
         </p:nvSpPr>
         <p:spPr>
           <a:xfrm>
-            <a:off x="464096" y="1201370"/>
-            <a:ext cx="3048000" cy="674672"/>
+            <a:off x="457200" y="1201370"/>
+            <a:ext cx="4691133" cy="674672"/>
           </a:xfrm>
           <a:prstGeom prst="rect">
             <a:avLst/>
@@ -15164,16 +15000,9 @@
             </a:pPr>
             <a:r>
               <a:rPr lang="en-US" sz="2200" dirty="0" smtClean="0"/>
-              <a:t>System </a:t>
-            </a:r>
-            <a:r>
-              <a:rPr lang="en-US" sz="2200" dirty="0"/>
-              <a:t>as </a:t>
-            </a:r>
-            <a:r>
-              <a:rPr lang="en-US" sz="2200" dirty="0" smtClean="0"/>
-              <a:t>whole</a:t>
-            </a:r>
+              <a:t>System – as a whole</a:t>
+            </a:r>
+            <a:endParaRPr lang="en-US" sz="2200" dirty="0" smtClean="0"/>
           </a:p>
         </p:txBody>
       </p:sp>
@@ -15186,7 +15015,7 @@
         <p:spPr>
           <a:xfrm>
             <a:off x="1408903" y="3501002"/>
-            <a:ext cx="3530301" cy="2677656"/>
+            <a:ext cx="5755385" cy="2677656"/>
           </a:xfrm>
           <a:prstGeom prst="rect">
             <a:avLst/>
@@ -15207,8 +15036,12 @@
               <a:buChar char="•"/>
             </a:pPr>
             <a:r>
-              <a:rPr lang="en-US" sz="1400" dirty="0"/>
+              <a:rPr lang="en-US" sz="1400" b="1" dirty="0"/>
               <a:t>Functional Testing </a:t>
+            </a:r>
+            <a:r>
+              <a:rPr lang="ru-RU" sz="1400" dirty="0" smtClean="0"/>
+              <a:t>(функциональное тестирование)</a:t>
             </a:r>
             <a:endParaRPr lang="en-US" sz="1400" dirty="0" smtClean="0"/>
           </a:p>
@@ -15222,10 +15055,22 @@
               <a:buChar char="•"/>
             </a:pPr>
             <a:r>
-              <a:rPr lang="en-US" sz="1400" dirty="0" smtClean="0"/>
+              <a:rPr lang="en-US" sz="1400" b="1" dirty="0" smtClean="0"/>
               <a:t>Change testing</a:t>
             </a:r>
-            <a:endParaRPr lang="en-US" sz="1400" dirty="0"/>
+            <a:r>
+              <a:rPr lang="ru-RU" sz="1400" b="1" dirty="0"/>
+              <a:t> </a:t>
+            </a:r>
+            <a:r>
+              <a:rPr lang="ru-RU" sz="1400" dirty="0"/>
+              <a:t>(</a:t>
+            </a:r>
+            <a:r>
+              <a:rPr lang="ru-RU" sz="1400" dirty="0" smtClean="0"/>
+              <a:t>тестирование изменений)</a:t>
+            </a:r>
+            <a:endParaRPr lang="en-US" sz="1400" dirty="0" smtClean="0"/>
           </a:p>
           <a:p>
             <a:pPr marL="800100" lvl="1" indent="-342900">
@@ -15237,12 +15082,20 @@
               <a:buChar char="•"/>
             </a:pPr>
             <a:r>
-              <a:rPr lang="en-US" sz="1400" dirty="0"/>
+              <a:rPr lang="en-US" sz="1400" b="1" dirty="0" smtClean="0"/>
               <a:t>Regression </a:t>
             </a:r>
             <a:r>
-              <a:rPr lang="en-US" sz="1400" dirty="0" smtClean="0"/>
+              <a:rPr lang="en-US" sz="1400" b="1" dirty="0" smtClean="0"/>
               <a:t>testing </a:t>
+            </a:r>
+            <a:r>
+              <a:rPr lang="ru-RU" sz="1400" dirty="0" smtClean="0"/>
+              <a:t>(повторное тестирование</a:t>
+            </a:r>
+            <a:r>
+              <a:rPr lang="ru-RU" sz="1400" dirty="0"/>
+              <a:t>)</a:t>
             </a:r>
             <a:endParaRPr lang="en-US" sz="1400" dirty="0"/>
           </a:p>
@@ -15256,9 +15109,26 @@
               <a:buChar char="•"/>
             </a:pPr>
             <a:r>
-              <a:rPr lang="en-US" sz="1400" dirty="0" smtClean="0"/>
-              <a:t>Exploratory testing</a:t>
-            </a:r>
+              <a:rPr lang="en-US" sz="1400" b="1" dirty="0" smtClean="0"/>
+              <a:t>Exploratory </a:t>
+            </a:r>
+            <a:r>
+              <a:rPr lang="en-US" sz="1400" b="1" dirty="0" smtClean="0"/>
+              <a:t>testing</a:t>
+            </a:r>
+            <a:r>
+              <a:rPr lang="ru-RU" sz="1400" b="1" dirty="0"/>
+              <a:t> </a:t>
+            </a:r>
+            <a:r>
+              <a:rPr lang="ru-RU" sz="1400" dirty="0" smtClean="0"/>
+              <a:t>(«исследующее» тестирование</a:t>
+            </a:r>
+            <a:r>
+              <a:rPr lang="ru-RU" sz="1400" dirty="0"/>
+              <a:t>)</a:t>
+            </a:r>
+            <a:endParaRPr lang="en-US" sz="1400" dirty="0" smtClean="0"/>
           </a:p>
           <a:p>
             <a:pPr marL="342900" indent="-342900">
@@ -15270,13 +15140,26 @@
               <a:buChar char="•"/>
             </a:pPr>
             <a:r>
-              <a:rPr lang="en-US" sz="1400" dirty="0" smtClean="0"/>
+              <a:rPr lang="en-US" sz="1400" b="1" dirty="0" smtClean="0"/>
               <a:t>Non-Functional </a:t>
             </a:r>
             <a:r>
-              <a:rPr lang="en-US" sz="1400" dirty="0"/>
+              <a:rPr lang="en-US" sz="1400" b="1" dirty="0"/>
               <a:t>Testing </a:t>
             </a:r>
+            <a:r>
+              <a:rPr lang="ru-RU" sz="1400" dirty="0" smtClean="0"/>
+              <a:t>(не-функциональное </a:t>
+            </a:r>
+            <a:r>
+              <a:rPr lang="ru-RU" sz="1400" dirty="0"/>
+              <a:t>тестирование</a:t>
+            </a:r>
+            <a:r>
+              <a:rPr lang="ru-RU" sz="1400" dirty="0" smtClean="0"/>
+              <a:t>)</a:t>
+            </a:r>
+            <a:endParaRPr lang="en-US" sz="1400" dirty="0"/>
           </a:p>
           <a:p>
             <a:pPr marL="800100" lvl="1" indent="-342900">
@@ -15288,9 +15171,22 @@
               <a:buChar char="•"/>
             </a:pPr>
             <a:r>
-              <a:rPr lang="en-US" sz="1400" dirty="0" smtClean="0"/>
-              <a:t>Usability testing</a:t>
-            </a:r>
+              <a:rPr lang="en-US" sz="1400" b="1" dirty="0" smtClean="0"/>
+              <a:t>Usability </a:t>
+            </a:r>
+            <a:r>
+              <a:rPr lang="en-US" sz="1400" b="1" dirty="0" smtClean="0"/>
+              <a:t>testing</a:t>
+            </a:r>
+            <a:r>
+              <a:rPr lang="ru-RU" sz="1400" b="1" dirty="0" smtClean="0"/>
+              <a:t> </a:t>
+            </a:r>
+            <a:r>
+              <a:rPr lang="ru-RU" sz="1400" dirty="0" smtClean="0"/>
+              <a:t>(тестирование удобства использования)</a:t>
+            </a:r>
+            <a:endParaRPr lang="en-US" sz="1400" dirty="0" smtClean="0"/>
           </a:p>
           <a:p>
             <a:pPr marL="800100" lvl="1" indent="-342900">
@@ -15302,13 +15198,22 @@
               <a:buChar char="•"/>
             </a:pPr>
             <a:r>
-              <a:rPr lang="en-US" sz="1400" dirty="0"/>
+              <a:rPr lang="en-US" sz="1400" b="1" dirty="0"/>
               <a:t>Load </a:t>
             </a:r>
             <a:r>
-              <a:rPr lang="en-US" sz="1400" dirty="0" smtClean="0"/>
+              <a:rPr lang="en-US" sz="1400" b="1" dirty="0" smtClean="0"/>
               <a:t>testing</a:t>
             </a:r>
+            <a:r>
+              <a:rPr lang="ru-RU" sz="1400" b="1" dirty="0" smtClean="0"/>
+              <a:t> </a:t>
+            </a:r>
+            <a:r>
+              <a:rPr lang="ru-RU" sz="1400" dirty="0" smtClean="0"/>
+              <a:t>(нагрузочное тестирование)</a:t>
+            </a:r>
+            <a:endParaRPr lang="en-US" sz="1400" dirty="0" smtClean="0"/>
           </a:p>
           <a:p>
             <a:pPr marL="800100" lvl="1" indent="-342900">
@@ -15320,9 +15225,22 @@
               <a:buChar char="•"/>
             </a:pPr>
             <a:r>
-              <a:rPr lang="en-US" sz="1400" dirty="0" smtClean="0"/>
-              <a:t>Stress testing</a:t>
-            </a:r>
+              <a:rPr lang="en-US" sz="1400" b="1" dirty="0" smtClean="0"/>
+              <a:t>Stress </a:t>
+            </a:r>
+            <a:r>
+              <a:rPr lang="en-US" sz="1400" b="1" dirty="0" smtClean="0"/>
+              <a:t>testing</a:t>
+            </a:r>
+            <a:r>
+              <a:rPr lang="ru-RU" sz="1400" b="1" dirty="0" smtClean="0"/>
+              <a:t> </a:t>
+            </a:r>
+            <a:r>
+              <a:rPr lang="ru-RU" sz="1400" dirty="0" smtClean="0"/>
+              <a:t>(тестирование ненормальными нагрузками)</a:t>
+            </a:r>
+            <a:endParaRPr lang="en-US" sz="1400" dirty="0" smtClean="0"/>
           </a:p>
           <a:p>
             <a:pPr marL="800100" lvl="1" indent="-342900">
@@ -15334,9 +15252,22 @@
               <a:buChar char="•"/>
             </a:pPr>
             <a:r>
-              <a:rPr lang="en-US" sz="1400" dirty="0" smtClean="0"/>
-              <a:t>Boundary testing</a:t>
-            </a:r>
+              <a:rPr lang="en-US" sz="1400" b="1" dirty="0" smtClean="0"/>
+              <a:t>Boundary </a:t>
+            </a:r>
+            <a:r>
+              <a:rPr lang="en-US" sz="1400" b="1" dirty="0" smtClean="0"/>
+              <a:t>testing</a:t>
+            </a:r>
+            <a:r>
+              <a:rPr lang="ru-RU" sz="1400" b="1" dirty="0" smtClean="0"/>
+              <a:t> </a:t>
+            </a:r>
+            <a:r>
+              <a:rPr lang="ru-RU" sz="1400" dirty="0" smtClean="0"/>
+              <a:t>(тестирование граничных значений)</a:t>
+            </a:r>
+            <a:endParaRPr lang="en-US" sz="1400" dirty="0" smtClean="0"/>
           </a:p>
           <a:p>
             <a:pPr marL="800100" lvl="1" indent="-342900">
@@ -15348,9 +15279,22 @@
               <a:buChar char="•"/>
             </a:pPr>
             <a:r>
-              <a:rPr lang="en-US" sz="1400" dirty="0" smtClean="0"/>
-              <a:t>Security testing</a:t>
-            </a:r>
+              <a:rPr lang="en-US" sz="1400" b="1" dirty="0" smtClean="0"/>
+              <a:t>Security </a:t>
+            </a:r>
+            <a:r>
+              <a:rPr lang="en-US" sz="1400" b="1" dirty="0" smtClean="0"/>
+              <a:t>testing</a:t>
+            </a:r>
+            <a:r>
+              <a:rPr lang="ru-RU" sz="1400" b="1" dirty="0" smtClean="0"/>
+              <a:t> </a:t>
+            </a:r>
+            <a:r>
+              <a:rPr lang="ru-RU" sz="1400" dirty="0" smtClean="0"/>
+              <a:t>(тестирование безопасности системы)</a:t>
+            </a:r>
+            <a:endParaRPr lang="en-US" sz="1400" dirty="0" smtClean="0"/>
           </a:p>
           <a:p>
             <a:pPr marL="800100" lvl="1" indent="-342900">
@@ -15363,8 +15307,17 @@
             </a:pPr>
             <a:r>
               <a:rPr lang="en-US" sz="1400" dirty="0" smtClean="0"/>
-              <a:t>Installation testing</a:t>
-            </a:r>
+              <a:t>Installation </a:t>
+            </a:r>
+            <a:r>
+              <a:rPr lang="en-US" sz="1400" dirty="0" smtClean="0"/>
+              <a:t>testing</a:t>
+            </a:r>
+            <a:r>
+              <a:rPr lang="ru-RU" sz="1400" dirty="0" smtClean="0"/>
+              <a:t> (тестирование установки / инсталляции)</a:t>
+            </a:r>
+            <a:endParaRPr lang="en-US" sz="1400" dirty="0" smtClean="0"/>
           </a:p>
           <a:p>
             <a:pPr marL="342900" lvl="0" indent="-342900">
@@ -15391,8 +15344,8 @@
         </p:nvSpPr>
         <p:spPr>
           <a:xfrm>
-            <a:off x="827584" y="2012647"/>
-            <a:ext cx="4327645" cy="1200329"/>
+            <a:off x="458472" y="1970811"/>
+            <a:ext cx="5177134" cy="1477328"/>
           </a:xfrm>
           <a:prstGeom prst="rect">
             <a:avLst/>
@@ -15406,8 +15359,20 @@
           <a:lstStyle/>
           <a:p>
             <a:r>
-              <a:rPr lang="en-US" dirty="0"/>
-              <a:t>Testing the fully integrated applications  including external peripherals in order to check how components interact with one another and with the system as a whole.</a:t>
+              <a:rPr lang="ru-RU" dirty="0" smtClean="0"/>
+              <a:t>Комплексное тестирование всего приложения со всеми компонентами, в </a:t>
+            </a:r>
+            <a:r>
+              <a:rPr lang="ru-RU" dirty="0"/>
+              <a:t>том числе </a:t>
+            </a:r>
+            <a:r>
+              <a:rPr lang="ru-RU" dirty="0" smtClean="0"/>
+              <a:t>с внешними периферийными устройствами, </a:t>
+            </a:r>
+            <a:r>
+              <a:rPr lang="ru-RU" dirty="0"/>
+              <a:t>для того, чтобы проверить, как компоненты взаимодействуют друг с другом и с системой в целом.</a:t>
             </a:r>
             <a:endParaRPr lang="ru-RU" dirty="0"/>
           </a:p>
@@ -15581,7 +15546,7 @@
         <p:spPr>
           <a:xfrm>
             <a:off x="762000" y="2304999"/>
-            <a:ext cx="5682208" cy="1446550"/>
+            <a:ext cx="5682208" cy="3816429"/>
           </a:xfrm>
           <a:prstGeom prst="rect">
             <a:avLst/>
@@ -15594,36 +15559,73 @@
           <a:lstStyle/>
           <a:p>
             <a:r>
+              <a:rPr lang="ru-RU" sz="2200" dirty="0" smtClean="0"/>
+              <a:t>Определить, что требования и договоренности соблюдены.</a:t>
+            </a:r>
+          </a:p>
+          <a:p>
+            <a:endParaRPr lang="ru-RU" sz="2200" dirty="0" smtClean="0"/>
+          </a:p>
+          <a:p>
+            <a:r>
+              <a:rPr lang="ru-RU" sz="2200" dirty="0" smtClean="0"/>
+              <a:t>Чаще всего проводится конечным пользователем</a:t>
+            </a:r>
+          </a:p>
+          <a:p>
+            <a:endParaRPr lang="ru-RU" sz="2200" dirty="0"/>
+          </a:p>
+          <a:p>
+            <a:r>
+              <a:rPr lang="ru-RU" sz="2200" dirty="0" smtClean="0"/>
+              <a:t>Также известно под названиями</a:t>
+            </a:r>
+          </a:p>
+          <a:p>
+            <a:r>
+              <a:rPr lang="ru-RU" sz="2200" dirty="0" smtClean="0"/>
+              <a:t>   </a:t>
+            </a:r>
+            <a:r>
+              <a:rPr lang="en-US" sz="2200" dirty="0" smtClean="0"/>
+              <a:t>user </a:t>
+            </a:r>
+            <a:r>
               <a:rPr lang="en-US" sz="2200" dirty="0"/>
-              <a:t>Determine if the requirements of a specification or contract are met</a:t>
+              <a:t>acceptance testing (UAT</a:t>
             </a:r>
             <a:r>
               <a:rPr lang="en-US" sz="2200" dirty="0" smtClean="0"/>
-              <a:t>. Most </a:t>
-            </a:r>
-            <a:r>
-              <a:rPr lang="en-US" sz="2200" dirty="0"/>
-              <a:t>often carried </a:t>
+              <a:t>)</a:t>
+            </a:r>
+            <a:endParaRPr lang="ru-RU" sz="2200" dirty="0" smtClean="0"/>
+          </a:p>
+          <a:p>
+            <a:r>
+              <a:rPr lang="ru-RU" sz="2200" dirty="0" smtClean="0"/>
+              <a:t>   </a:t>
             </a:r>
             <a:r>
               <a:rPr lang="en-US" sz="2200" dirty="0" smtClean="0"/>
-              <a:t>out by </a:t>
-            </a:r>
-            <a:r>
-              <a:rPr lang="en-US" sz="2200" dirty="0"/>
-              <a:t>the </a:t>
+              <a:t>end-user testing</a:t>
+            </a:r>
+            <a:endParaRPr lang="ru-RU" sz="2200" dirty="0" smtClean="0"/>
+          </a:p>
+          <a:p>
+            <a:r>
+              <a:rPr lang="ru-RU" sz="2200" dirty="0" smtClean="0"/>
+              <a:t>   </a:t>
             </a:r>
             <a:r>
               <a:rPr lang="en-US" sz="2200" dirty="0" smtClean="0"/>
-              <a:t>customer, also known </a:t>
-            </a:r>
-            <a:r>
-              <a:rPr lang="en-US" sz="2200" dirty="0"/>
-              <a:t>as user acceptance testing (UAT), end-user </a:t>
-            </a:r>
-            <a:r>
-              <a:rPr lang="en-US" sz="2200" dirty="0" smtClean="0"/>
-              <a:t>testing, beta-testing, etc.</a:t>
+              <a:t>beta-testing</a:t>
+            </a:r>
+            <a:endParaRPr lang="ru-RU" sz="2200" dirty="0" smtClean="0"/>
+          </a:p>
+          <a:p>
+            <a:r>
+              <a:rPr lang="ru-RU" sz="2200" dirty="0" smtClean="0"/>
+              <a:t>и т.п.</a:t>
             </a:r>
             <a:endParaRPr lang="en-US" sz="2200" dirty="0"/>
           </a:p>

--- a/2.Testing_types/Testing types.pptx
+++ b/2.Testing_types/Testing types.pptx
@@ -130,7 +130,7 @@
   </p:defaultTextStyle>
   <p:extLst>
     <p:ext uri="{EFAFB233-063F-42B5-8137-9DF3F51BA10A}">
-      <p15:sldGuideLst xmlns:p15="http://schemas.microsoft.com/office/powerpoint/2012/main">
+      <p15:sldGuideLst xmlns:p15="http://schemas.microsoft.com/office/powerpoint/2012/main" xmlns="">
         <p15:guide id="1" orient="horz" pos="2160">
           <p15:clr>
             <a:srgbClr val="A4A3A4"/>
@@ -230,7 +230,7 @@
             <a:fld id="{2C4D6FCC-EC97-452D-A9D5-DBD8B87D3B9F}" type="datetimeFigureOut">
               <a:rPr lang="en-US" smtClean="0"/>
               <a:pPr/>
-              <a:t>3/25/2013</a:t>
+              <a:t>11/28/2014</a:t>
             </a:fld>
             <a:endParaRPr lang="en-US"/>
           </a:p>
@@ -766,7 +766,7 @@
             <a:fld id="{1D8BD707-D9CF-40AE-B4C6-C98DA3205C09}" type="datetimeFigureOut">
               <a:rPr lang="en-US" smtClean="0"/>
               <a:pPr/>
-              <a:t>3/25/2013</a:t>
+              <a:t>11/28/2014</a:t>
             </a:fld>
             <a:endParaRPr lang="en-US"/>
           </a:p>
@@ -933,7 +933,7 @@
             <a:fld id="{1D8BD707-D9CF-40AE-B4C6-C98DA3205C09}" type="datetimeFigureOut">
               <a:rPr lang="en-US" smtClean="0"/>
               <a:pPr/>
-              <a:t>3/25/2013</a:t>
+              <a:t>11/28/2014</a:t>
             </a:fld>
             <a:endParaRPr lang="en-US"/>
           </a:p>
@@ -1110,7 +1110,7 @@
             <a:fld id="{1D8BD707-D9CF-40AE-B4C6-C98DA3205C09}" type="datetimeFigureOut">
               <a:rPr lang="en-US" smtClean="0"/>
               <a:pPr/>
-              <a:t>3/25/2013</a:t>
+              <a:t>11/28/2014</a:t>
             </a:fld>
             <a:endParaRPr lang="en-US"/>
           </a:p>
@@ -1277,7 +1277,7 @@
             <a:fld id="{1D8BD707-D9CF-40AE-B4C6-C98DA3205C09}" type="datetimeFigureOut">
               <a:rPr lang="en-US" smtClean="0"/>
               <a:pPr/>
-              <a:t>3/25/2013</a:t>
+              <a:t>11/28/2014</a:t>
             </a:fld>
             <a:endParaRPr lang="en-US"/>
           </a:p>
@@ -1520,7 +1520,7 @@
             <a:fld id="{1D8BD707-D9CF-40AE-B4C6-C98DA3205C09}" type="datetimeFigureOut">
               <a:rPr lang="en-US" smtClean="0"/>
               <a:pPr/>
-              <a:t>3/25/2013</a:t>
+              <a:t>11/28/2014</a:t>
             </a:fld>
             <a:endParaRPr lang="en-US"/>
           </a:p>
@@ -1805,7 +1805,7 @@
             <a:fld id="{1D8BD707-D9CF-40AE-B4C6-C98DA3205C09}" type="datetimeFigureOut">
               <a:rPr lang="en-US" smtClean="0"/>
               <a:pPr/>
-              <a:t>3/25/2013</a:t>
+              <a:t>11/28/2014</a:t>
             </a:fld>
             <a:endParaRPr lang="en-US"/>
           </a:p>
@@ -2224,7 +2224,7 @@
             <a:fld id="{1D8BD707-D9CF-40AE-B4C6-C98DA3205C09}" type="datetimeFigureOut">
               <a:rPr lang="en-US" smtClean="0"/>
               <a:pPr/>
-              <a:t>3/25/2013</a:t>
+              <a:t>11/28/2014</a:t>
             </a:fld>
             <a:endParaRPr lang="en-US"/>
           </a:p>
@@ -2339,7 +2339,7 @@
             <a:fld id="{1D8BD707-D9CF-40AE-B4C6-C98DA3205C09}" type="datetimeFigureOut">
               <a:rPr lang="en-US" smtClean="0"/>
               <a:pPr/>
-              <a:t>3/25/2013</a:t>
+              <a:t>11/28/2014</a:t>
             </a:fld>
             <a:endParaRPr lang="en-US"/>
           </a:p>
@@ -2431,7 +2431,7 @@
             <a:fld id="{1D8BD707-D9CF-40AE-B4C6-C98DA3205C09}" type="datetimeFigureOut">
               <a:rPr lang="en-US" smtClean="0"/>
               <a:pPr/>
-              <a:t>3/25/2013</a:t>
+              <a:t>11/28/2014</a:t>
             </a:fld>
             <a:endParaRPr lang="en-US"/>
           </a:p>
@@ -2705,7 +2705,7 @@
             <a:fld id="{1D8BD707-D9CF-40AE-B4C6-C98DA3205C09}" type="datetimeFigureOut">
               <a:rPr lang="en-US" smtClean="0"/>
               <a:pPr/>
-              <a:t>3/25/2013</a:t>
+              <a:t>11/28/2014</a:t>
             </a:fld>
             <a:endParaRPr lang="en-US"/>
           </a:p>
@@ -2955,7 +2955,7 @@
             <a:fld id="{1D8BD707-D9CF-40AE-B4C6-C98DA3205C09}" type="datetimeFigureOut">
               <a:rPr lang="en-US" smtClean="0"/>
               <a:pPr/>
-              <a:t>3/25/2013</a:t>
+              <a:t>11/28/2014</a:t>
             </a:fld>
             <a:endParaRPr lang="en-US"/>
           </a:p>
@@ -3174,7 +3174,7 @@
             <a:fld id="{1D8BD707-D9CF-40AE-B4C6-C98DA3205C09}" type="datetimeFigureOut">
               <a:rPr lang="en-US" smtClean="0"/>
               <a:pPr/>
-              <a:t>3/25/2013</a:t>
+              <a:t>11/28/2014</a:t>
             </a:fld>
             <a:endParaRPr lang="en-US"/>
           </a:p>
@@ -3831,11 +3831,7 @@
           <a:p>
             <a:r>
               <a:rPr lang="ru-RU" dirty="0" smtClean="0"/>
-              <a:t>Тестирование изменений, сделанных программистами в программе</a:t>
-            </a:r>
-            <a:r>
-              <a:rPr lang="ru-RU" dirty="0" smtClean="0"/>
-              <a:t>, с целью подтверждения соответствия спецификациям данного изменения</a:t>
+              <a:t>Тестирование изменений, сделанных программистами в программе, с целью подтверждения соответствия спецификациям данного изменения</a:t>
             </a:r>
             <a:endParaRPr lang="en-US" dirty="0"/>
           </a:p>
@@ -4722,14 +4718,6 @@
               </a:rPr>
               <a:t>:</a:t>
             </a:r>
-            <a:endParaRPr lang="en-US" sz="2000" dirty="0" smtClean="0">
-              <a:solidFill>
-                <a:schemeClr val="tx1">
-                  <a:lumMod val="75000"/>
-                  <a:lumOff val="25000"/>
-                </a:schemeClr>
-              </a:solidFill>
-            </a:endParaRPr>
           </a:p>
           <a:p>
             <a:endParaRPr lang="en-US" sz="1400" dirty="0">
@@ -5535,11 +5523,7 @@
             </a:r>
             <a:r>
               <a:rPr lang="en-US" sz="2200" dirty="0" smtClean="0"/>
-              <a:t>Unit</a:t>
-            </a:r>
-            <a:r>
-              <a:rPr lang="en-US" sz="2200" dirty="0" smtClean="0"/>
-              <a:t>, Integration </a:t>
+              <a:t>Unit, Integration </a:t>
             </a:r>
             <a:r>
               <a:rPr lang="ru-RU" sz="2200" dirty="0" smtClean="0"/>
@@ -5547,11 +5531,7 @@
             </a:r>
             <a:r>
               <a:rPr lang="en-US" sz="2200" dirty="0" smtClean="0"/>
-              <a:t> </a:t>
-            </a:r>
-            <a:r>
-              <a:rPr lang="en-US" sz="2200" dirty="0" smtClean="0"/>
-              <a:t>System </a:t>
+              <a:t> System </a:t>
             </a:r>
             <a:r>
               <a:rPr lang="ru-RU" sz="2200" dirty="0" smtClean="0"/>
@@ -5763,11 +5743,7 @@
             </a:r>
             <a:r>
               <a:rPr lang="en-US" sz="2200" dirty="0" smtClean="0"/>
-              <a:t> </a:t>
-            </a:r>
-            <a:r>
-              <a:rPr lang="en-US" sz="2200" dirty="0" smtClean="0"/>
-              <a:t>Exploratory </a:t>
+              <a:t> Exploratory </a:t>
             </a:r>
             <a:r>
               <a:rPr lang="ru-RU" sz="2200" dirty="0" smtClean="0"/>
@@ -6136,7 +6112,6 @@
               <a:rPr lang="en-US" dirty="0" smtClean="0"/>
               <a:t>;</a:t>
             </a:r>
-            <a:endParaRPr lang="en-US" dirty="0" smtClean="0"/>
           </a:p>
           <a:p>
             <a:pPr>
@@ -6152,7 +6127,6 @@
               <a:rPr lang="en-US" dirty="0" smtClean="0"/>
               <a:t>;</a:t>
             </a:r>
-            <a:endParaRPr lang="en-US" dirty="0" smtClean="0"/>
           </a:p>
           <a:p>
             <a:pPr>
@@ -6305,15 +6279,7 @@
             </a:r>
             <a:r>
               <a:rPr lang="en-US" sz="2200" b="1" dirty="0" smtClean="0"/>
-              <a:t>Automated </a:t>
-            </a:r>
-            <a:r>
-              <a:rPr lang="en-US" sz="2200" b="1" dirty="0" smtClean="0"/>
-              <a:t>Test </a:t>
-            </a:r>
-            <a:r>
-              <a:rPr lang="en-US" sz="2200" b="1" dirty="0" smtClean="0"/>
-              <a:t>Cases</a:t>
+              <a:t>Automated Test Cases</a:t>
             </a:r>
             <a:r>
               <a:rPr lang="ru-RU" sz="2200" dirty="0" smtClean="0"/>
@@ -6366,15 +6332,7 @@
             </a:r>
             <a:r>
               <a:rPr lang="en-US" sz="2200" b="1" dirty="0" smtClean="0"/>
-              <a:t>Manual </a:t>
-            </a:r>
-            <a:r>
-              <a:rPr lang="en-US" sz="2200" b="1" dirty="0" smtClean="0"/>
-              <a:t>Test </a:t>
-            </a:r>
-            <a:r>
-              <a:rPr lang="en-US" sz="2200" b="1" dirty="0" smtClean="0"/>
-              <a:t>Cases</a:t>
+              <a:t>Manual Test Cases</a:t>
             </a:r>
             <a:r>
               <a:rPr lang="ru-RU" sz="2200" dirty="0" smtClean="0"/>
@@ -6676,11 +6634,7 @@
           <a:p>
             <a:r>
               <a:rPr lang="en-US" b="1" dirty="0" smtClean="0"/>
-              <a:t>Test </a:t>
-            </a:r>
-            <a:r>
-              <a:rPr lang="en-US" b="1" dirty="0" smtClean="0"/>
-              <a:t>Run</a:t>
+              <a:t>Test Run</a:t>
             </a:r>
             <a:r>
               <a:rPr lang="ru-RU" dirty="0" smtClean="0"/>
@@ -12148,11 +12102,7 @@
             </a:pPr>
             <a:r>
               <a:rPr lang="en-US" sz="2200" dirty="0" smtClean="0"/>
-              <a:t>By the time of the </a:t>
-            </a:r>
-            <a:r>
-              <a:rPr lang="en-US" sz="2200" dirty="0" smtClean="0"/>
-              <a:t>testing</a:t>
+              <a:t>By the time of the testing</a:t>
             </a:r>
             <a:r>
               <a:rPr lang="ru-RU" sz="2200" dirty="0" smtClean="0"/>
@@ -12240,11 +12190,7 @@
             </a:pPr>
             <a:r>
               <a:rPr lang="en-US" sz="2200" dirty="0" smtClean="0"/>
-              <a:t>By </a:t>
-            </a:r>
-            <a:r>
-              <a:rPr lang="en-US" sz="2200" dirty="0" smtClean="0"/>
-              <a:t>automation</a:t>
+              <a:t>By automation</a:t>
             </a:r>
             <a:r>
               <a:rPr lang="ru-RU" sz="2200" dirty="0" smtClean="0"/>
@@ -12296,11 +12242,7 @@
             </a:r>
             <a:r>
               <a:rPr lang="en-US" sz="2200" dirty="0" smtClean="0"/>
-              <a:t>esting </a:t>
-            </a:r>
-            <a:r>
-              <a:rPr lang="en-US" sz="2200" dirty="0" smtClean="0"/>
-              <a:t>object</a:t>
+              <a:t>esting object</a:t>
             </a:r>
             <a:r>
               <a:rPr lang="ru-RU" sz="2200" dirty="0" smtClean="0"/>
@@ -14091,7 +14033,6 @@
               <a:rPr lang="en-US" sz="2200" dirty="0" smtClean="0"/>
               <a:t>.</a:t>
             </a:r>
-            <a:endParaRPr lang="en-US" sz="2200" dirty="0" smtClean="0"/>
           </a:p>
           <a:p>
             <a:pPr>
@@ -14281,11 +14222,7 @@
             </a:r>
             <a:r>
               <a:rPr lang="en-US" dirty="0" smtClean="0"/>
-              <a:t>: </a:t>
-            </a:r>
-            <a:r>
-              <a:rPr lang="en-US" dirty="0" smtClean="0"/>
-              <a:t>2 + 2</a:t>
+              <a:t>: 2 + 2</a:t>
             </a:r>
             <a:endParaRPr lang="ru-RU" dirty="0"/>
           </a:p>
@@ -15002,7 +14939,6 @@
               <a:rPr lang="en-US" sz="2200" dirty="0" smtClean="0"/>
               <a:t>System – as a whole</a:t>
             </a:r>
-            <a:endParaRPr lang="en-US" sz="2200" dirty="0" smtClean="0"/>
           </a:p>
         </p:txBody>
       </p:sp>
@@ -15015,7 +14951,7 @@
         <p:spPr>
           <a:xfrm>
             <a:off x="1408903" y="3501002"/>
-            <a:ext cx="5755385" cy="2677656"/>
+            <a:ext cx="5755385" cy="2462213"/>
           </a:xfrm>
           <a:prstGeom prst="rect">
             <a:avLst/>
@@ -15083,11 +15019,7 @@
             </a:pPr>
             <a:r>
               <a:rPr lang="en-US" sz="1400" b="1" dirty="0" smtClean="0"/>
-              <a:t>Regression </a:t>
-            </a:r>
-            <a:r>
-              <a:rPr lang="en-US" sz="1400" b="1" dirty="0" smtClean="0"/>
-              <a:t>testing </a:t>
+              <a:t>Regression testing </a:t>
             </a:r>
             <a:r>
               <a:rPr lang="ru-RU" sz="1400" dirty="0" smtClean="0"/>
@@ -15110,11 +15042,7 @@
             </a:pPr>
             <a:r>
               <a:rPr lang="en-US" sz="1400" b="1" dirty="0" smtClean="0"/>
-              <a:t>Exploratory </a:t>
-            </a:r>
-            <a:r>
-              <a:rPr lang="en-US" sz="1400" b="1" dirty="0" smtClean="0"/>
-              <a:t>testing</a:t>
+              <a:t>Exploratory testing</a:t>
             </a:r>
             <a:r>
               <a:rPr lang="ru-RU" sz="1400" b="1" dirty="0"/>
@@ -15172,11 +15100,7 @@
             </a:pPr>
             <a:r>
               <a:rPr lang="en-US" sz="1400" b="1" dirty="0" smtClean="0"/>
-              <a:t>Usability </a:t>
-            </a:r>
-            <a:r>
-              <a:rPr lang="en-US" sz="1400" b="1" dirty="0" smtClean="0"/>
-              <a:t>testing</a:t>
+              <a:t>Usability testing</a:t>
             </a:r>
             <a:r>
               <a:rPr lang="ru-RU" sz="1400" b="1" dirty="0" smtClean="0"/>
@@ -15226,11 +15150,7 @@
             </a:pPr>
             <a:r>
               <a:rPr lang="en-US" sz="1400" b="1" dirty="0" smtClean="0"/>
-              <a:t>Stress </a:t>
-            </a:r>
-            <a:r>
-              <a:rPr lang="en-US" sz="1400" b="1" dirty="0" smtClean="0"/>
-              <a:t>testing</a:t>
+              <a:t>Stress testing</a:t>
             </a:r>
             <a:r>
               <a:rPr lang="ru-RU" sz="1400" b="1" dirty="0" smtClean="0"/>
@@ -15253,11 +15173,7 @@
             </a:pPr>
             <a:r>
               <a:rPr lang="en-US" sz="1400" b="1" dirty="0" smtClean="0"/>
-              <a:t>Boundary </a:t>
-            </a:r>
-            <a:r>
-              <a:rPr lang="en-US" sz="1400" b="1" dirty="0" smtClean="0"/>
-              <a:t>testing</a:t>
+              <a:t>Boundary testing</a:t>
             </a:r>
             <a:r>
               <a:rPr lang="ru-RU" sz="1400" b="1" dirty="0" smtClean="0"/>
@@ -15280,11 +15196,7 @@
             </a:pPr>
             <a:r>
               <a:rPr lang="en-US" sz="1400" b="1" dirty="0" smtClean="0"/>
-              <a:t>Security </a:t>
-            </a:r>
-            <a:r>
-              <a:rPr lang="en-US" sz="1400" b="1" dirty="0" smtClean="0"/>
-              <a:t>testing</a:t>
+              <a:t>Security testing</a:t>
             </a:r>
             <a:r>
               <a:rPr lang="ru-RU" sz="1400" b="1" dirty="0" smtClean="0"/>
@@ -15306,31 +15218,20 @@
               <a:buChar char="•"/>
             </a:pPr>
             <a:r>
-              <a:rPr lang="en-US" sz="1400" dirty="0" smtClean="0"/>
-              <a:t>Installation </a:t>
-            </a:r>
-            <a:r>
-              <a:rPr lang="en-US" sz="1400" dirty="0" smtClean="0"/>
-              <a:t>testing</a:t>
+              <a:rPr lang="en-US" sz="1400" b="1" dirty="0" smtClean="0"/>
+              <a:t>Installation testing</a:t>
+            </a:r>
+            <a:r>
+              <a:rPr lang="ru-RU" sz="1400" b="1" dirty="0" smtClean="0"/>
+              <a:t> </a:t>
             </a:r>
             <a:r>
               <a:rPr lang="ru-RU" sz="1400" dirty="0" smtClean="0"/>
-              <a:t> (тестирование установки / инсталляции)</a:t>
-            </a:r>
-            <a:endParaRPr lang="en-US" sz="1400" dirty="0" smtClean="0"/>
-          </a:p>
-          <a:p>
-            <a:pPr marL="342900" lvl="0" indent="-342900">
-              <a:buClr>
-                <a:srgbClr val="76A9D4"/>
-              </a:buClr>
-              <a:buSzPct val="150000"/>
-              <a:buFont typeface="Arial" pitchFamily="34" charset="0"/>
-              <a:buChar char="•"/>
-            </a:pPr>
-            <a:r>
-              <a:rPr lang="en-US" sz="1400" dirty="0" smtClean="0"/>
-              <a:t>…</a:t>
+              <a:t>(тестирование установки / инсталляции</a:t>
+            </a:r>
+            <a:r>
+              <a:rPr lang="ru-RU" sz="1400" dirty="0" smtClean="0"/>
+              <a:t>)</a:t>
             </a:r>
             <a:endParaRPr lang="en-US" sz="1400" dirty="0"/>
           </a:p>
@@ -15374,7 +15275,6 @@
               <a:rPr lang="ru-RU" dirty="0"/>
               <a:t>для того, чтобы проверить, как компоненты взаимодействуют друг с другом и с системой в целом.</a:t>
             </a:r>
-            <a:endParaRPr lang="ru-RU" dirty="0"/>
           </a:p>
         </p:txBody>
       </p:sp>
@@ -15837,7 +15737,7 @@
         </p:nvSpPr>
         <p:spPr>
           <a:xfrm>
-            <a:off x="3432285" y="1268760"/>
+            <a:off x="3434755" y="1268760"/>
             <a:ext cx="1219200" cy="417991"/>
           </a:xfrm>
           <a:prstGeom prst="roundRect">
@@ -15883,16 +15783,13 @@
       <p:cxnSp>
         <p:nvCxnSpPr>
           <p:cNvPr id="7" name="Straight Arrow Connector 6"/>
-          <p:cNvCxnSpPr>
-            <a:stCxn id="5" idx="2"/>
-            <a:endCxn id="8" idx="0"/>
-          </p:cNvCxnSpPr>
+          <p:cNvCxnSpPr/>
           <p:nvPr/>
         </p:nvCxnSpPr>
         <p:spPr>
-          <a:xfrm>
-            <a:off x="4041885" y="1686751"/>
-            <a:ext cx="0" cy="279478"/>
+          <a:xfrm flipH="1">
+            <a:off x="4043120" y="1686751"/>
+            <a:ext cx="2470" cy="279478"/>
           </a:xfrm>
           <a:prstGeom prst="straightConnector1">
             <a:avLst/>
@@ -15927,7 +15824,7 @@
         </p:nvSpPr>
         <p:spPr>
           <a:xfrm>
-            <a:off x="3270915" y="1966229"/>
+            <a:off x="3273385" y="1966229"/>
             <a:ext cx="1541940" cy="417991"/>
           </a:xfrm>
           <a:prstGeom prst="rect">
@@ -15965,8 +15862,11 @@
               <a:rPr lang="en-US" sz="1300" dirty="0">
                 <a:latin typeface="Georgia (Body)"/>
               </a:rPr>
-              <a:t>Change Testing</a:t>
-            </a:r>
+              <a:t>Exploratory Testing</a:t>
+            </a:r>
+            <a:endParaRPr lang="en-US" sz="1300" dirty="0">
+              <a:latin typeface="Georgia (Body)"/>
+            </a:endParaRPr>
           </a:p>
         </p:txBody>
       </p:sp>
@@ -15974,15 +15874,14 @@
         <p:nvCxnSpPr>
           <p:cNvPr id="10" name="Straight Arrow Connector 9"/>
           <p:cNvCxnSpPr>
-            <a:stCxn id="8" idx="2"/>
-            <a:endCxn id="11" idx="0"/>
+            <a:endCxn id="14" idx="0"/>
           </p:cNvCxnSpPr>
           <p:nvPr/>
         </p:nvCxnSpPr>
         <p:spPr>
           <a:xfrm>
-            <a:off x="4041885" y="2384220"/>
-            <a:ext cx="0" cy="344009"/>
+            <a:off x="4043120" y="2384220"/>
+            <a:ext cx="1235" cy="266749"/>
           </a:xfrm>
           <a:prstGeom prst="straightConnector1">
             <a:avLst/>
@@ -16017,7 +15916,7 @@
         </p:nvSpPr>
         <p:spPr>
           <a:xfrm>
-            <a:off x="3270915" y="2728229"/>
+            <a:off x="3273385" y="3371050"/>
             <a:ext cx="1541940" cy="417990"/>
           </a:xfrm>
           <a:prstGeom prst="rect">
@@ -16052,27 +15951,33 @@
           <a:p>
             <a:pPr algn="ctr"/>
             <a:r>
-              <a:rPr lang="en-US" sz="1300" dirty="0">
+              <a:rPr lang="en-US" sz="1300" smtClean="0">
                 <a:latin typeface="Georgia (Body)"/>
               </a:rPr>
-              <a:t>Exploratory Testing</a:t>
-            </a:r>
+              <a:t>New Functionality </a:t>
+            </a:r>
+            <a:r>
+              <a:rPr lang="en-US" sz="1300" dirty="0" smtClean="0">
+                <a:latin typeface="Georgia (Body)"/>
+              </a:rPr>
+              <a:t>Testing</a:t>
+            </a:r>
+            <a:endParaRPr lang="en-US" sz="1300" dirty="0">
+              <a:latin typeface="Georgia (Body)"/>
+            </a:endParaRPr>
           </a:p>
         </p:txBody>
       </p:sp>
       <p:cxnSp>
         <p:nvCxnSpPr>
           <p:cNvPr id="15" name="Straight Arrow Connector 14"/>
-          <p:cNvCxnSpPr>
-            <a:stCxn id="11" idx="2"/>
-            <a:endCxn id="17" idx="0"/>
-          </p:cNvCxnSpPr>
+          <p:cNvCxnSpPr/>
           <p:nvPr/>
         </p:nvCxnSpPr>
         <p:spPr>
-          <a:xfrm>
-            <a:off x="4041885" y="3146219"/>
-            <a:ext cx="1" cy="434081"/>
+          <a:xfrm flipH="1">
+            <a:off x="4043121" y="3717032"/>
+            <a:ext cx="2469" cy="374098"/>
           </a:xfrm>
           <a:prstGeom prst="straightConnector1">
             <a:avLst/>
@@ -16107,7 +16012,7 @@
         </p:nvSpPr>
         <p:spPr>
           <a:xfrm>
-            <a:off x="3270915" y="3580300"/>
+            <a:off x="3273385" y="4091130"/>
             <a:ext cx="1541941" cy="417990"/>
           </a:xfrm>
           <a:prstGeom prst="rect">
@@ -16164,7 +16069,7 @@
         </p:nvSpPr>
         <p:spPr>
           <a:xfrm>
-            <a:off x="3270916" y="4474171"/>
+            <a:off x="3273385" y="4843455"/>
             <a:ext cx="1541940" cy="673777"/>
           </a:xfrm>
           <a:prstGeom prst="rect">
@@ -16213,16 +16118,13 @@
       <p:cxnSp>
         <p:nvCxnSpPr>
           <p:cNvPr id="20" name="Straight Arrow Connector 19"/>
-          <p:cNvCxnSpPr>
-            <a:stCxn id="17" idx="2"/>
-            <a:endCxn id="18" idx="0"/>
-          </p:cNvCxnSpPr>
+          <p:cNvCxnSpPr/>
           <p:nvPr/>
         </p:nvCxnSpPr>
         <p:spPr>
-          <a:xfrm>
-            <a:off x="4041886" y="3998290"/>
-            <a:ext cx="0" cy="475881"/>
+          <a:xfrm flipH="1">
+            <a:off x="4044355" y="4509120"/>
+            <a:ext cx="1" cy="334335"/>
           </a:xfrm>
           <a:prstGeom prst="straightConnector1">
             <a:avLst/>
@@ -16257,7 +16159,7 @@
         </p:nvSpPr>
         <p:spPr>
           <a:xfrm>
-            <a:off x="3270915" y="5691281"/>
+            <a:off x="3273385" y="5819692"/>
             <a:ext cx="1541940" cy="417620"/>
           </a:xfrm>
           <a:prstGeom prst="roundRect">
@@ -16303,16 +16205,103 @@
       <p:cxnSp>
         <p:nvCxnSpPr>
           <p:cNvPr id="27" name="Straight Arrow Connector 26"/>
+          <p:cNvCxnSpPr/>
+          <p:nvPr/>
+        </p:nvCxnSpPr>
+        <p:spPr>
+          <a:xfrm>
+            <a:off x="4044355" y="5517232"/>
+            <a:ext cx="0" cy="302460"/>
+          </a:xfrm>
+          <a:prstGeom prst="straightConnector1">
+            <a:avLst/>
+          </a:prstGeom>
+          <a:ln w="19050">
+            <a:solidFill>
+              <a:srgbClr val="649ECE"/>
+            </a:solidFill>
+            <a:tailEnd type="arrow"/>
+          </a:ln>
+        </p:spPr>
+        <p:style>
+          <a:lnRef idx="1">
+            <a:schemeClr val="accent5"/>
+          </a:lnRef>
+          <a:fillRef idx="3">
+            <a:schemeClr val="accent5"/>
+          </a:fillRef>
+          <a:effectRef idx="2">
+            <a:schemeClr val="accent5"/>
+          </a:effectRef>
+          <a:fontRef idx="minor">
+            <a:schemeClr val="lt1"/>
+          </a:fontRef>
+        </p:style>
+      </p:cxnSp>
+      <p:sp>
+        <p:nvSpPr>
+          <p:cNvPr id="14" name="Rectangle 13"/>
+          <p:cNvSpPr/>
+          <p:nvPr/>
+        </p:nvSpPr>
+        <p:spPr>
+          <a:xfrm>
+            <a:off x="3273385" y="2650969"/>
+            <a:ext cx="1541940" cy="417991"/>
+          </a:xfrm>
+          <a:prstGeom prst="rect">
+            <a:avLst/>
+          </a:prstGeom>
+          <a:solidFill>
+            <a:srgbClr val="76A9D4"/>
+          </a:solidFill>
+          <a:ln w="19050">
+            <a:solidFill>
+              <a:srgbClr val="649ECE"/>
+            </a:solidFill>
+          </a:ln>
+        </p:spPr>
+        <p:style>
+          <a:lnRef idx="1">
+            <a:schemeClr val="accent5"/>
+          </a:lnRef>
+          <a:fillRef idx="3">
+            <a:schemeClr val="accent5"/>
+          </a:fillRef>
+          <a:effectRef idx="2">
+            <a:schemeClr val="accent5"/>
+          </a:effectRef>
+          <a:fontRef idx="minor">
+            <a:schemeClr val="lt1"/>
+          </a:fontRef>
+        </p:style>
+        <p:txBody>
+          <a:bodyPr anchor="ctr"/>
+          <a:lstStyle/>
+          <a:p>
+            <a:pPr algn="ctr"/>
+            <a:r>
+              <a:rPr lang="en-US" sz="1300" dirty="0">
+                <a:latin typeface="Georgia (Body)"/>
+              </a:rPr>
+              <a:t>Change Testing</a:t>
+            </a:r>
+          </a:p>
+        </p:txBody>
+      </p:sp>
+      <p:cxnSp>
+        <p:nvCxnSpPr>
+          <p:cNvPr id="16" name="Straight Arrow Connector 15"/>
           <p:cNvCxnSpPr>
-            <a:stCxn id="18" idx="2"/>
-            <a:endCxn id="23" idx="0"/>
+            <a:stCxn id="14" idx="2"/>
+            <a:endCxn id="11" idx="0"/>
           </p:cNvCxnSpPr>
           <p:nvPr/>
         </p:nvCxnSpPr>
         <p:spPr>
-          <a:xfrm flipH="1">
-            <a:off x="4041885" y="5147948"/>
-            <a:ext cx="1" cy="543333"/>
+          <a:xfrm>
+            <a:off x="4044355" y="3068960"/>
+            <a:ext cx="0" cy="302090"/>
           </a:xfrm>
           <a:prstGeom prst="straightConnector1">
             <a:avLst/>

--- a/2.Testing_types/Testing types.pptx
+++ b/2.Testing_types/Testing types.pptx
@@ -5,7 +5,7 @@
     <p:sldMasterId id="2147483648" r:id="rId1"/>
   </p:sldMasterIdLst>
   <p:notesMasterIdLst>
-    <p:notesMasterId r:id="rId24"/>
+    <p:notesMasterId r:id="rId25"/>
   </p:notesMasterIdLst>
   <p:sldIdLst>
     <p:sldId id="271" r:id="rId2"/>
@@ -17,19 +17,20 @@
     <p:sldId id="259" r:id="rId8"/>
     <p:sldId id="285" r:id="rId9"/>
     <p:sldId id="283" r:id="rId10"/>
-    <p:sldId id="272" r:id="rId11"/>
-    <p:sldId id="274" r:id="rId12"/>
-    <p:sldId id="273" r:id="rId13"/>
-    <p:sldId id="281" r:id="rId14"/>
-    <p:sldId id="267" r:id="rId15"/>
-    <p:sldId id="284" r:id="rId16"/>
-    <p:sldId id="276" r:id="rId17"/>
-    <p:sldId id="268" r:id="rId18"/>
-    <p:sldId id="282" r:id="rId19"/>
-    <p:sldId id="269" r:id="rId20"/>
-    <p:sldId id="270" r:id="rId21"/>
-    <p:sldId id="280" r:id="rId22"/>
-    <p:sldId id="278" r:id="rId23"/>
+    <p:sldId id="286" r:id="rId11"/>
+    <p:sldId id="272" r:id="rId12"/>
+    <p:sldId id="274" r:id="rId13"/>
+    <p:sldId id="273" r:id="rId14"/>
+    <p:sldId id="281" r:id="rId15"/>
+    <p:sldId id="267" r:id="rId16"/>
+    <p:sldId id="284" r:id="rId17"/>
+    <p:sldId id="276" r:id="rId18"/>
+    <p:sldId id="268" r:id="rId19"/>
+    <p:sldId id="282" r:id="rId20"/>
+    <p:sldId id="269" r:id="rId21"/>
+    <p:sldId id="270" r:id="rId22"/>
+    <p:sldId id="280" r:id="rId23"/>
+    <p:sldId id="278" r:id="rId24"/>
   </p:sldIdLst>
   <p:sldSz cx="9144000" cy="6858000" type="screen4x3"/>
   <p:notesSz cx="6858000" cy="9144000"/>
@@ -130,7 +131,7 @@
   </p:defaultTextStyle>
   <p:extLst>
     <p:ext uri="{EFAFB233-063F-42B5-8137-9DF3F51BA10A}">
-      <p15:sldGuideLst xmlns:p15="http://schemas.microsoft.com/office/powerpoint/2012/main" xmlns="">
+      <p15:sldGuideLst xmlns="" xmlns:p15="http://schemas.microsoft.com/office/powerpoint/2012/main">
         <p15:guide id="1" orient="horz" pos="2160">
           <p15:clr>
             <a:srgbClr val="A4A3A4"/>
@@ -230,7 +231,7 @@
             <a:fld id="{2C4D6FCC-EC97-452D-A9D5-DBD8B87D3B9F}" type="datetimeFigureOut">
               <a:rPr lang="en-US" smtClean="0"/>
               <a:pPr/>
-              <a:t>11/28/2014</a:t>
+              <a:t>12/2/2014</a:t>
             </a:fld>
             <a:endParaRPr lang="en-US"/>
           </a:p>
@@ -565,7 +566,7 @@
             <a:fld id="{E3A4558B-DEAA-4BDB-B9ED-8DEC21E7EB4A}" type="slidenum">
               <a:rPr lang="en-US" smtClean="0"/>
               <a:pPr/>
-              <a:t>11</a:t>
+              <a:t>12</a:t>
             </a:fld>
             <a:endParaRPr lang="en-US"/>
           </a:p>
@@ -766,7 +767,7 @@
             <a:fld id="{1D8BD707-D9CF-40AE-B4C6-C98DA3205C09}" type="datetimeFigureOut">
               <a:rPr lang="en-US" smtClean="0"/>
               <a:pPr/>
-              <a:t>11/28/2014</a:t>
+              <a:t>12/2/2014</a:t>
             </a:fld>
             <a:endParaRPr lang="en-US"/>
           </a:p>
@@ -933,7 +934,7 @@
             <a:fld id="{1D8BD707-D9CF-40AE-B4C6-C98DA3205C09}" type="datetimeFigureOut">
               <a:rPr lang="en-US" smtClean="0"/>
               <a:pPr/>
-              <a:t>11/28/2014</a:t>
+              <a:t>12/2/2014</a:t>
             </a:fld>
             <a:endParaRPr lang="en-US"/>
           </a:p>
@@ -1110,7 +1111,7 @@
             <a:fld id="{1D8BD707-D9CF-40AE-B4C6-C98DA3205C09}" type="datetimeFigureOut">
               <a:rPr lang="en-US" smtClean="0"/>
               <a:pPr/>
-              <a:t>11/28/2014</a:t>
+              <a:t>12/2/2014</a:t>
             </a:fld>
             <a:endParaRPr lang="en-US"/>
           </a:p>
@@ -1277,7 +1278,7 @@
             <a:fld id="{1D8BD707-D9CF-40AE-B4C6-C98DA3205C09}" type="datetimeFigureOut">
               <a:rPr lang="en-US" smtClean="0"/>
               <a:pPr/>
-              <a:t>11/28/2014</a:t>
+              <a:t>12/2/2014</a:t>
             </a:fld>
             <a:endParaRPr lang="en-US"/>
           </a:p>
@@ -1520,7 +1521,7 @@
             <a:fld id="{1D8BD707-D9CF-40AE-B4C6-C98DA3205C09}" type="datetimeFigureOut">
               <a:rPr lang="en-US" smtClean="0"/>
               <a:pPr/>
-              <a:t>11/28/2014</a:t>
+              <a:t>12/2/2014</a:t>
             </a:fld>
             <a:endParaRPr lang="en-US"/>
           </a:p>
@@ -1805,7 +1806,7 @@
             <a:fld id="{1D8BD707-D9CF-40AE-B4C6-C98DA3205C09}" type="datetimeFigureOut">
               <a:rPr lang="en-US" smtClean="0"/>
               <a:pPr/>
-              <a:t>11/28/2014</a:t>
+              <a:t>12/2/2014</a:t>
             </a:fld>
             <a:endParaRPr lang="en-US"/>
           </a:p>
@@ -2224,7 +2225,7 @@
             <a:fld id="{1D8BD707-D9CF-40AE-B4C6-C98DA3205C09}" type="datetimeFigureOut">
               <a:rPr lang="en-US" smtClean="0"/>
               <a:pPr/>
-              <a:t>11/28/2014</a:t>
+              <a:t>12/2/2014</a:t>
             </a:fld>
             <a:endParaRPr lang="en-US"/>
           </a:p>
@@ -2339,7 +2340,7 @@
             <a:fld id="{1D8BD707-D9CF-40AE-B4C6-C98DA3205C09}" type="datetimeFigureOut">
               <a:rPr lang="en-US" smtClean="0"/>
               <a:pPr/>
-              <a:t>11/28/2014</a:t>
+              <a:t>12/2/2014</a:t>
             </a:fld>
             <a:endParaRPr lang="en-US"/>
           </a:p>
@@ -2431,7 +2432,7 @@
             <a:fld id="{1D8BD707-D9CF-40AE-B4C6-C98DA3205C09}" type="datetimeFigureOut">
               <a:rPr lang="en-US" smtClean="0"/>
               <a:pPr/>
-              <a:t>11/28/2014</a:t>
+              <a:t>12/2/2014</a:t>
             </a:fld>
             <a:endParaRPr lang="en-US"/>
           </a:p>
@@ -2705,7 +2706,7 @@
             <a:fld id="{1D8BD707-D9CF-40AE-B4C6-C98DA3205C09}" type="datetimeFigureOut">
               <a:rPr lang="en-US" smtClean="0"/>
               <a:pPr/>
-              <a:t>11/28/2014</a:t>
+              <a:t>12/2/2014</a:t>
             </a:fld>
             <a:endParaRPr lang="en-US"/>
           </a:p>
@@ -2955,7 +2956,7 @@
             <a:fld id="{1D8BD707-D9CF-40AE-B4C6-C98DA3205C09}" type="datetimeFigureOut">
               <a:rPr lang="en-US" smtClean="0"/>
               <a:pPr/>
-              <a:t>11/28/2014</a:t>
+              <a:t>12/2/2014</a:t>
             </a:fld>
             <a:endParaRPr lang="en-US"/>
           </a:p>
@@ -3174,7 +3175,7 @@
             <a:fld id="{1D8BD707-D9CF-40AE-B4C6-C98DA3205C09}" type="datetimeFigureOut">
               <a:rPr lang="en-US" smtClean="0"/>
               <a:pPr/>
-              <a:t>11/28/2014</a:t>
+              <a:t>12/2/2014</a:t>
             </a:fld>
             <a:endParaRPr lang="en-US"/>
           </a:p>
@@ -3679,6 +3680,1598 @@
       </p:grpSpPr>
       <p:sp>
         <p:nvSpPr>
+          <p:cNvPr id="9" name="Овал 8"/>
+          <p:cNvSpPr/>
+          <p:nvPr/>
+        </p:nvSpPr>
+        <p:spPr>
+          <a:xfrm>
+            <a:off x="2831265" y="821796"/>
+            <a:ext cx="1371209" cy="432048"/>
+          </a:xfrm>
+          <a:prstGeom prst="ellipse">
+            <a:avLst/>
+          </a:prstGeom>
+          <a:solidFill>
+            <a:schemeClr val="accent2">
+              <a:lumMod val="60000"/>
+              <a:lumOff val="40000"/>
+            </a:schemeClr>
+          </a:solidFill>
+        </p:spPr>
+        <p:style>
+          <a:lnRef idx="2">
+            <a:schemeClr val="accent1">
+              <a:shade val="50000"/>
+            </a:schemeClr>
+          </a:lnRef>
+          <a:fillRef idx="1">
+            <a:schemeClr val="accent1"/>
+          </a:fillRef>
+          <a:effectRef idx="0">
+            <a:schemeClr val="accent1"/>
+          </a:effectRef>
+          <a:fontRef idx="minor">
+            <a:schemeClr val="lt1"/>
+          </a:fontRef>
+        </p:style>
+        <p:txBody>
+          <a:bodyPr rtlCol="0" anchor="ctr"/>
+          <a:lstStyle/>
+          <a:p>
+            <a:pPr algn="ctr"/>
+            <a:r>
+              <a:rPr lang="en-US" sz="1400" dirty="0" smtClean="0"/>
+              <a:t>Testability</a:t>
+            </a:r>
+            <a:endParaRPr lang="en-US" sz="1400" dirty="0"/>
+          </a:p>
+        </p:txBody>
+      </p:sp>
+      <p:cxnSp>
+        <p:nvCxnSpPr>
+          <p:cNvPr id="17" name="Прямая со стрелкой 16"/>
+          <p:cNvCxnSpPr>
+            <a:endCxn id="9" idx="0"/>
+          </p:cNvCxnSpPr>
+          <p:nvPr/>
+        </p:nvCxnSpPr>
+        <p:spPr>
+          <a:xfrm>
+            <a:off x="3497435" y="677780"/>
+            <a:ext cx="19435" cy="144016"/>
+          </a:xfrm>
+          <a:prstGeom prst="straightConnector1">
+            <a:avLst/>
+          </a:prstGeom>
+          <a:ln>
+            <a:tailEnd type="arrow"/>
+          </a:ln>
+        </p:spPr>
+        <p:style>
+          <a:lnRef idx="1">
+            <a:schemeClr val="accent1"/>
+          </a:lnRef>
+          <a:fillRef idx="0">
+            <a:schemeClr val="accent1"/>
+          </a:fillRef>
+          <a:effectRef idx="0">
+            <a:schemeClr val="accent1"/>
+          </a:effectRef>
+          <a:fontRef idx="minor">
+            <a:schemeClr val="tx1"/>
+          </a:fontRef>
+        </p:style>
+      </p:cxnSp>
+      <p:sp>
+        <p:nvSpPr>
+          <p:cNvPr id="19" name="Скругленный прямоугольник 18"/>
+          <p:cNvSpPr/>
+          <p:nvPr/>
+        </p:nvSpPr>
+        <p:spPr>
+          <a:xfrm>
+            <a:off x="3138352" y="1469868"/>
+            <a:ext cx="792088" cy="360040"/>
+          </a:xfrm>
+          <a:prstGeom prst="roundRect">
+            <a:avLst/>
+          </a:prstGeom>
+          <a:solidFill>
+            <a:schemeClr val="accent4">
+              <a:lumMod val="50000"/>
+            </a:schemeClr>
+          </a:solidFill>
+        </p:spPr>
+        <p:style>
+          <a:lnRef idx="2">
+            <a:schemeClr val="accent1">
+              <a:shade val="50000"/>
+            </a:schemeClr>
+          </a:lnRef>
+          <a:fillRef idx="1">
+            <a:schemeClr val="accent1"/>
+          </a:fillRef>
+          <a:effectRef idx="0">
+            <a:schemeClr val="accent1"/>
+          </a:effectRef>
+          <a:fontRef idx="minor">
+            <a:schemeClr val="lt1"/>
+          </a:fontRef>
+        </p:style>
+        <p:txBody>
+          <a:bodyPr rtlCol="0" anchor="ctr"/>
+          <a:lstStyle/>
+          <a:p>
+            <a:pPr algn="ctr"/>
+            <a:r>
+              <a:rPr lang="en-US" sz="1400" dirty="0" smtClean="0"/>
+              <a:t>Unit</a:t>
+            </a:r>
+            <a:endParaRPr lang="en-US" sz="1400" dirty="0"/>
+          </a:p>
+        </p:txBody>
+      </p:sp>
+      <p:sp>
+        <p:nvSpPr>
+          <p:cNvPr id="20" name="Скругленный прямоугольник 19"/>
+          <p:cNvSpPr/>
+          <p:nvPr/>
+        </p:nvSpPr>
+        <p:spPr>
+          <a:xfrm>
+            <a:off x="2938877" y="2034238"/>
+            <a:ext cx="1155984" cy="360040"/>
+          </a:xfrm>
+          <a:prstGeom prst="roundRect">
+            <a:avLst/>
+          </a:prstGeom>
+          <a:solidFill>
+            <a:schemeClr val="accent4">
+              <a:lumMod val="50000"/>
+            </a:schemeClr>
+          </a:solidFill>
+        </p:spPr>
+        <p:style>
+          <a:lnRef idx="2">
+            <a:schemeClr val="accent1">
+              <a:shade val="50000"/>
+            </a:schemeClr>
+          </a:lnRef>
+          <a:fillRef idx="1">
+            <a:schemeClr val="accent1"/>
+          </a:fillRef>
+          <a:effectRef idx="0">
+            <a:schemeClr val="accent1"/>
+          </a:effectRef>
+          <a:fontRef idx="minor">
+            <a:schemeClr val="lt1"/>
+          </a:fontRef>
+        </p:style>
+        <p:txBody>
+          <a:bodyPr rtlCol="0" anchor="ctr"/>
+          <a:lstStyle/>
+          <a:p>
+            <a:pPr algn="ctr"/>
+            <a:r>
+              <a:rPr lang="en-US" sz="1400" dirty="0" smtClean="0"/>
+              <a:t>Integration</a:t>
+            </a:r>
+            <a:endParaRPr lang="en-US" sz="1400" dirty="0"/>
+          </a:p>
+        </p:txBody>
+      </p:sp>
+      <p:sp>
+        <p:nvSpPr>
+          <p:cNvPr id="21" name="Скругленный прямоугольник 20"/>
+          <p:cNvSpPr/>
+          <p:nvPr/>
+        </p:nvSpPr>
+        <p:spPr>
+          <a:xfrm>
+            <a:off x="3051146" y="2587824"/>
+            <a:ext cx="936104" cy="360040"/>
+          </a:xfrm>
+          <a:prstGeom prst="roundRect">
+            <a:avLst/>
+          </a:prstGeom>
+          <a:solidFill>
+            <a:schemeClr val="bg1">
+              <a:lumMod val="65000"/>
+            </a:schemeClr>
+          </a:solidFill>
+        </p:spPr>
+        <p:style>
+          <a:lnRef idx="2">
+            <a:schemeClr val="accent1">
+              <a:shade val="50000"/>
+            </a:schemeClr>
+          </a:lnRef>
+          <a:fillRef idx="1">
+            <a:schemeClr val="accent1"/>
+          </a:fillRef>
+          <a:effectRef idx="0">
+            <a:schemeClr val="accent1"/>
+          </a:effectRef>
+          <a:fontRef idx="minor">
+            <a:schemeClr val="lt1"/>
+          </a:fontRef>
+        </p:style>
+        <p:txBody>
+          <a:bodyPr rtlCol="0" anchor="ctr"/>
+          <a:lstStyle/>
+          <a:p>
+            <a:pPr algn="ctr"/>
+            <a:r>
+              <a:rPr lang="en-US" sz="1400" dirty="0" smtClean="0"/>
+              <a:t>Smoke</a:t>
+            </a:r>
+            <a:endParaRPr lang="en-US" sz="1400" dirty="0"/>
+          </a:p>
+        </p:txBody>
+      </p:sp>
+      <p:sp>
+        <p:nvSpPr>
+          <p:cNvPr id="22" name="Скругленный прямоугольник 21"/>
+          <p:cNvSpPr/>
+          <p:nvPr/>
+        </p:nvSpPr>
+        <p:spPr>
+          <a:xfrm>
+            <a:off x="3840694" y="4877328"/>
+            <a:ext cx="3139751" cy="1589390"/>
+          </a:xfrm>
+          <a:prstGeom prst="roundRect">
+            <a:avLst/>
+          </a:prstGeom>
+          <a:solidFill>
+            <a:srgbClr val="00B050"/>
+          </a:solidFill>
+        </p:spPr>
+        <p:style>
+          <a:lnRef idx="2">
+            <a:schemeClr val="accent1">
+              <a:shade val="50000"/>
+            </a:schemeClr>
+          </a:lnRef>
+          <a:fillRef idx="1">
+            <a:schemeClr val="accent1"/>
+          </a:fillRef>
+          <a:effectRef idx="0">
+            <a:schemeClr val="accent1"/>
+          </a:effectRef>
+          <a:fontRef idx="minor">
+            <a:schemeClr val="lt1"/>
+          </a:fontRef>
+        </p:style>
+        <p:txBody>
+          <a:bodyPr rtlCol="0" anchor="ctr"/>
+          <a:lstStyle/>
+          <a:p>
+            <a:pPr algn="ctr"/>
+            <a:r>
+              <a:rPr lang="en-US" sz="1400" dirty="0" smtClean="0"/>
+              <a:t>GUI/ Usability/</a:t>
+            </a:r>
+            <a:r>
+              <a:rPr lang="en-US" sz="1400" dirty="0" err="1" smtClean="0"/>
+              <a:t>Multibrowser</a:t>
+            </a:r>
+            <a:r>
+              <a:rPr lang="en-US" sz="1400" dirty="0" smtClean="0"/>
+              <a:t>(</a:t>
+            </a:r>
+            <a:r>
+              <a:rPr lang="en-US" sz="1400" dirty="0" err="1" smtClean="0"/>
+              <a:t>Crossbrowser</a:t>
+            </a:r>
+            <a:r>
+              <a:rPr lang="en-US" sz="1400" dirty="0" smtClean="0"/>
+              <a:t>)</a:t>
+            </a:r>
+            <a:endParaRPr lang="en-US" sz="1400" dirty="0"/>
+          </a:p>
+          <a:p>
+            <a:pPr algn="ctr"/>
+            <a:r>
+              <a:rPr lang="en-US" sz="1400" dirty="0" smtClean="0"/>
+              <a:t>Security</a:t>
+            </a:r>
+          </a:p>
+          <a:p>
+            <a:pPr algn="ctr"/>
+            <a:r>
+              <a:rPr lang="en-US" sz="1400" dirty="0" smtClean="0"/>
+              <a:t>Performance/Load/Stress</a:t>
+            </a:r>
+            <a:endParaRPr lang="en-US" sz="1400" dirty="0"/>
+          </a:p>
+          <a:p>
+            <a:pPr algn="ctr"/>
+            <a:r>
+              <a:rPr lang="en-US" sz="1400" dirty="0" smtClean="0"/>
+              <a:t>Localization</a:t>
+            </a:r>
+          </a:p>
+          <a:p>
+            <a:pPr algn="ctr"/>
+            <a:r>
+              <a:rPr lang="en-US" sz="1400" dirty="0" smtClean="0"/>
+              <a:t>Configuration</a:t>
+            </a:r>
+          </a:p>
+          <a:p>
+            <a:pPr algn="ctr"/>
+            <a:r>
+              <a:rPr lang="en-US" sz="1400" dirty="0" smtClean="0"/>
+              <a:t>Installation</a:t>
+            </a:r>
+            <a:endParaRPr lang="en-US" sz="1400" dirty="0"/>
+          </a:p>
+        </p:txBody>
+      </p:sp>
+      <p:sp>
+        <p:nvSpPr>
+          <p:cNvPr id="23" name="Скругленный прямоугольник 22"/>
+          <p:cNvSpPr/>
+          <p:nvPr/>
+        </p:nvSpPr>
+        <p:spPr>
+          <a:xfrm>
+            <a:off x="1092959" y="4146125"/>
+            <a:ext cx="877036" cy="519405"/>
+          </a:xfrm>
+          <a:prstGeom prst="roundRect">
+            <a:avLst/>
+          </a:prstGeom>
+        </p:spPr>
+        <p:style>
+          <a:lnRef idx="2">
+            <a:schemeClr val="accent1">
+              <a:shade val="50000"/>
+            </a:schemeClr>
+          </a:lnRef>
+          <a:fillRef idx="1">
+            <a:schemeClr val="accent1"/>
+          </a:fillRef>
+          <a:effectRef idx="0">
+            <a:schemeClr val="accent1"/>
+          </a:effectRef>
+          <a:fontRef idx="minor">
+            <a:schemeClr val="lt1"/>
+          </a:fontRef>
+        </p:style>
+        <p:txBody>
+          <a:bodyPr rtlCol="0" anchor="ctr"/>
+          <a:lstStyle/>
+          <a:p>
+            <a:pPr algn="ctr"/>
+            <a:r>
+              <a:rPr lang="en-US" sz="1400" dirty="0" smtClean="0"/>
+              <a:t>Change </a:t>
+            </a:r>
+            <a:endParaRPr lang="en-US" sz="1400" dirty="0"/>
+          </a:p>
+        </p:txBody>
+      </p:sp>
+      <p:sp>
+        <p:nvSpPr>
+          <p:cNvPr id="24" name="Скругленный прямоугольник 23"/>
+          <p:cNvSpPr/>
+          <p:nvPr/>
+        </p:nvSpPr>
+        <p:spPr>
+          <a:xfrm>
+            <a:off x="1687096" y="3346699"/>
+            <a:ext cx="1366555" cy="576064"/>
+          </a:xfrm>
+          <a:prstGeom prst="roundRect">
+            <a:avLst/>
+          </a:prstGeom>
+        </p:spPr>
+        <p:style>
+          <a:lnRef idx="2">
+            <a:schemeClr val="accent1">
+              <a:shade val="50000"/>
+            </a:schemeClr>
+          </a:lnRef>
+          <a:fillRef idx="1">
+            <a:schemeClr val="accent1"/>
+          </a:fillRef>
+          <a:effectRef idx="0">
+            <a:schemeClr val="accent1"/>
+          </a:effectRef>
+          <a:fontRef idx="minor">
+            <a:schemeClr val="lt1"/>
+          </a:fontRef>
+        </p:style>
+        <p:txBody>
+          <a:bodyPr rtlCol="0" anchor="ctr"/>
+          <a:lstStyle/>
+          <a:p>
+            <a:pPr algn="ctr"/>
+            <a:r>
+              <a:rPr lang="en-US" sz="1400" dirty="0" smtClean="0"/>
+              <a:t>Functional </a:t>
+            </a:r>
+            <a:endParaRPr lang="en-US" sz="1400" dirty="0"/>
+          </a:p>
+        </p:txBody>
+      </p:sp>
+      <p:sp>
+        <p:nvSpPr>
+          <p:cNvPr id="25" name="Скругленный прямоугольник 24"/>
+          <p:cNvSpPr/>
+          <p:nvPr/>
+        </p:nvSpPr>
+        <p:spPr>
+          <a:xfrm>
+            <a:off x="1556801" y="4877328"/>
+            <a:ext cx="1227730" cy="360040"/>
+          </a:xfrm>
+          <a:prstGeom prst="roundRect">
+            <a:avLst/>
+          </a:prstGeom>
+        </p:spPr>
+        <p:style>
+          <a:lnRef idx="2">
+            <a:schemeClr val="accent1">
+              <a:shade val="50000"/>
+            </a:schemeClr>
+          </a:lnRef>
+          <a:fillRef idx="1">
+            <a:schemeClr val="accent1"/>
+          </a:fillRef>
+          <a:effectRef idx="0">
+            <a:schemeClr val="accent1"/>
+          </a:effectRef>
+          <a:fontRef idx="minor">
+            <a:schemeClr val="lt1"/>
+          </a:fontRef>
+        </p:style>
+        <p:txBody>
+          <a:bodyPr rtlCol="0" anchor="ctr"/>
+          <a:lstStyle/>
+          <a:p>
+            <a:pPr algn="ctr"/>
+            <a:r>
+              <a:rPr lang="en-US" sz="1400" dirty="0" smtClean="0"/>
+              <a:t>Regression</a:t>
+            </a:r>
+            <a:endParaRPr lang="en-US" sz="1400" dirty="0"/>
+          </a:p>
+        </p:txBody>
+      </p:sp>
+      <p:cxnSp>
+        <p:nvCxnSpPr>
+          <p:cNvPr id="27" name="Прямая со стрелкой 26"/>
+          <p:cNvCxnSpPr>
+            <a:stCxn id="9" idx="4"/>
+            <a:endCxn id="19" idx="0"/>
+          </p:cNvCxnSpPr>
+          <p:nvPr/>
+        </p:nvCxnSpPr>
+        <p:spPr>
+          <a:xfrm>
+            <a:off x="3516870" y="1253844"/>
+            <a:ext cx="17526" cy="216024"/>
+          </a:xfrm>
+          <a:prstGeom prst="straightConnector1">
+            <a:avLst/>
+          </a:prstGeom>
+          <a:ln>
+            <a:tailEnd type="arrow"/>
+          </a:ln>
+        </p:spPr>
+        <p:style>
+          <a:lnRef idx="1">
+            <a:schemeClr val="accent1"/>
+          </a:lnRef>
+          <a:fillRef idx="0">
+            <a:schemeClr val="accent1"/>
+          </a:fillRef>
+          <a:effectRef idx="0">
+            <a:schemeClr val="accent1"/>
+          </a:effectRef>
+          <a:fontRef idx="minor">
+            <a:schemeClr val="tx1"/>
+          </a:fontRef>
+        </p:style>
+      </p:cxnSp>
+      <p:cxnSp>
+        <p:nvCxnSpPr>
+          <p:cNvPr id="29" name="Прямая со стрелкой 28"/>
+          <p:cNvCxnSpPr>
+            <a:stCxn id="19" idx="2"/>
+            <a:endCxn id="20" idx="0"/>
+          </p:cNvCxnSpPr>
+          <p:nvPr/>
+        </p:nvCxnSpPr>
+        <p:spPr>
+          <a:xfrm flipH="1">
+            <a:off x="3516869" y="1829908"/>
+            <a:ext cx="17527" cy="204330"/>
+          </a:xfrm>
+          <a:prstGeom prst="straightConnector1">
+            <a:avLst/>
+          </a:prstGeom>
+          <a:ln>
+            <a:tailEnd type="arrow"/>
+          </a:ln>
+        </p:spPr>
+        <p:style>
+          <a:lnRef idx="1">
+            <a:schemeClr val="accent1"/>
+          </a:lnRef>
+          <a:fillRef idx="0">
+            <a:schemeClr val="accent1"/>
+          </a:fillRef>
+          <a:effectRef idx="0">
+            <a:schemeClr val="accent1"/>
+          </a:effectRef>
+          <a:fontRef idx="minor">
+            <a:schemeClr val="tx1"/>
+          </a:fontRef>
+        </p:style>
+      </p:cxnSp>
+      <p:cxnSp>
+        <p:nvCxnSpPr>
+          <p:cNvPr id="37" name="Прямая со стрелкой 36"/>
+          <p:cNvCxnSpPr>
+            <a:stCxn id="20" idx="2"/>
+            <a:endCxn id="21" idx="0"/>
+          </p:cNvCxnSpPr>
+          <p:nvPr/>
+        </p:nvCxnSpPr>
+        <p:spPr>
+          <a:xfrm>
+            <a:off x="3516869" y="2394278"/>
+            <a:ext cx="2329" cy="193546"/>
+          </a:xfrm>
+          <a:prstGeom prst="straightConnector1">
+            <a:avLst/>
+          </a:prstGeom>
+          <a:ln>
+            <a:tailEnd type="arrow"/>
+          </a:ln>
+        </p:spPr>
+        <p:style>
+          <a:lnRef idx="1">
+            <a:schemeClr val="accent1"/>
+          </a:lnRef>
+          <a:fillRef idx="0">
+            <a:schemeClr val="accent1"/>
+          </a:fillRef>
+          <a:effectRef idx="0">
+            <a:schemeClr val="accent1"/>
+          </a:effectRef>
+          <a:fontRef idx="minor">
+            <a:schemeClr val="tx1"/>
+          </a:fontRef>
+        </p:style>
+      </p:cxnSp>
+      <p:cxnSp>
+        <p:nvCxnSpPr>
+          <p:cNvPr id="46" name="Прямая со стрелкой 45"/>
+          <p:cNvCxnSpPr>
+            <a:stCxn id="21" idx="2"/>
+            <a:endCxn id="24" idx="0"/>
+          </p:cNvCxnSpPr>
+          <p:nvPr/>
+        </p:nvCxnSpPr>
+        <p:spPr>
+          <a:xfrm flipH="1">
+            <a:off x="2370374" y="2947864"/>
+            <a:ext cx="1148824" cy="398835"/>
+          </a:xfrm>
+          <a:prstGeom prst="straightConnector1">
+            <a:avLst/>
+          </a:prstGeom>
+          <a:ln>
+            <a:tailEnd type="arrow"/>
+          </a:ln>
+        </p:spPr>
+        <p:style>
+          <a:lnRef idx="1">
+            <a:schemeClr val="accent1"/>
+          </a:lnRef>
+          <a:fillRef idx="0">
+            <a:schemeClr val="accent1"/>
+          </a:fillRef>
+          <a:effectRef idx="0">
+            <a:schemeClr val="accent1"/>
+          </a:effectRef>
+          <a:fontRef idx="minor">
+            <a:schemeClr val="tx1"/>
+          </a:fontRef>
+        </p:style>
+      </p:cxnSp>
+      <p:cxnSp>
+        <p:nvCxnSpPr>
+          <p:cNvPr id="68" name="Прямая со стрелкой 67"/>
+          <p:cNvCxnSpPr>
+            <a:stCxn id="24" idx="2"/>
+            <a:endCxn id="23" idx="0"/>
+          </p:cNvCxnSpPr>
+          <p:nvPr/>
+        </p:nvCxnSpPr>
+        <p:spPr>
+          <a:xfrm flipH="1">
+            <a:off x="1531477" y="3922763"/>
+            <a:ext cx="838897" cy="223362"/>
+          </a:xfrm>
+          <a:prstGeom prst="straightConnector1">
+            <a:avLst/>
+          </a:prstGeom>
+          <a:ln>
+            <a:tailEnd type="arrow"/>
+          </a:ln>
+        </p:spPr>
+        <p:style>
+          <a:lnRef idx="1">
+            <a:schemeClr val="accent1"/>
+          </a:lnRef>
+          <a:fillRef idx="0">
+            <a:schemeClr val="accent1"/>
+          </a:fillRef>
+          <a:effectRef idx="0">
+            <a:schemeClr val="accent1"/>
+          </a:effectRef>
+          <a:fontRef idx="minor">
+            <a:schemeClr val="tx1"/>
+          </a:fontRef>
+        </p:style>
+      </p:cxnSp>
+      <p:sp>
+        <p:nvSpPr>
+          <p:cNvPr id="159" name="Левая фигурная скобка 158"/>
+          <p:cNvSpPr/>
+          <p:nvPr/>
+        </p:nvSpPr>
+        <p:spPr>
+          <a:xfrm>
+            <a:off x="683567" y="2599111"/>
+            <a:ext cx="283839" cy="3867607"/>
+          </a:xfrm>
+          <a:prstGeom prst="leftBrace">
+            <a:avLst/>
+          </a:prstGeom>
+          <a:ln>
+            <a:solidFill>
+              <a:schemeClr val="tx1"/>
+            </a:solidFill>
+          </a:ln>
+        </p:spPr>
+        <p:style>
+          <a:lnRef idx="1">
+            <a:schemeClr val="accent1"/>
+          </a:lnRef>
+          <a:fillRef idx="0">
+            <a:schemeClr val="accent1"/>
+          </a:fillRef>
+          <a:effectRef idx="0">
+            <a:schemeClr val="accent1"/>
+          </a:effectRef>
+          <a:fontRef idx="minor">
+            <a:schemeClr val="tx1"/>
+          </a:fontRef>
+        </p:style>
+        <p:txBody>
+          <a:bodyPr rtlCol="0" anchor="ctr"/>
+          <a:lstStyle/>
+          <a:p>
+            <a:pPr algn="ctr"/>
+            <a:endParaRPr lang="en-US"/>
+          </a:p>
+        </p:txBody>
+      </p:sp>
+      <p:sp>
+        <p:nvSpPr>
+          <p:cNvPr id="160" name="TextBox 159"/>
+          <p:cNvSpPr txBox="1"/>
+          <p:nvPr/>
+        </p:nvSpPr>
+        <p:spPr>
+          <a:xfrm>
+            <a:off x="221903" y="3602073"/>
+            <a:ext cx="461665" cy="1607511"/>
+          </a:xfrm>
+          <a:prstGeom prst="rect">
+            <a:avLst/>
+          </a:prstGeom>
+          <a:noFill/>
+        </p:spPr>
+        <p:txBody>
+          <a:bodyPr vert="vert270" wrap="square" rtlCol="0">
+            <a:spAutoFit/>
+          </a:bodyPr>
+          <a:lstStyle/>
+          <a:p>
+            <a:r>
+              <a:rPr lang="en-US" dirty="0" smtClean="0"/>
+              <a:t>System testing</a:t>
+            </a:r>
+            <a:endParaRPr lang="en-US" dirty="0"/>
+          </a:p>
+        </p:txBody>
+      </p:sp>
+      <p:sp>
+        <p:nvSpPr>
+          <p:cNvPr id="163" name="Скругленный прямоугольник 162"/>
+          <p:cNvSpPr/>
+          <p:nvPr/>
+        </p:nvSpPr>
+        <p:spPr>
+          <a:xfrm>
+            <a:off x="7173538" y="4090184"/>
+            <a:ext cx="1152128" cy="428962"/>
+          </a:xfrm>
+          <a:prstGeom prst="roundRect">
+            <a:avLst/>
+          </a:prstGeom>
+          <a:solidFill>
+            <a:schemeClr val="accent6">
+              <a:lumMod val="75000"/>
+            </a:schemeClr>
+          </a:solidFill>
+        </p:spPr>
+        <p:style>
+          <a:lnRef idx="2">
+            <a:schemeClr val="accent1">
+              <a:shade val="50000"/>
+            </a:schemeClr>
+          </a:lnRef>
+          <a:fillRef idx="1">
+            <a:schemeClr val="accent1"/>
+          </a:fillRef>
+          <a:effectRef idx="0">
+            <a:schemeClr val="accent1"/>
+          </a:effectRef>
+          <a:fontRef idx="minor">
+            <a:schemeClr val="lt1"/>
+          </a:fontRef>
+        </p:style>
+        <p:txBody>
+          <a:bodyPr rtlCol="0" anchor="ctr"/>
+          <a:lstStyle/>
+          <a:p>
+            <a:pPr algn="ctr"/>
+            <a:r>
+              <a:rPr lang="en-US" sz="1400" dirty="0" smtClean="0"/>
+              <a:t>Acceptance</a:t>
+            </a:r>
+            <a:endParaRPr lang="en-US" sz="1400" dirty="0"/>
+          </a:p>
+        </p:txBody>
+      </p:sp>
+      <p:sp>
+        <p:nvSpPr>
+          <p:cNvPr id="164" name="Скругленный прямоугольник 163"/>
+          <p:cNvSpPr/>
+          <p:nvPr/>
+        </p:nvSpPr>
+        <p:spPr>
+          <a:xfrm>
+            <a:off x="7338405" y="3420250"/>
+            <a:ext cx="822394" cy="428962"/>
+          </a:xfrm>
+          <a:prstGeom prst="roundRect">
+            <a:avLst/>
+          </a:prstGeom>
+          <a:solidFill>
+            <a:schemeClr val="accent6">
+              <a:lumMod val="75000"/>
+            </a:schemeClr>
+          </a:solidFill>
+        </p:spPr>
+        <p:style>
+          <a:lnRef idx="2">
+            <a:schemeClr val="accent1">
+              <a:shade val="50000"/>
+            </a:schemeClr>
+          </a:lnRef>
+          <a:fillRef idx="1">
+            <a:schemeClr val="accent1"/>
+          </a:fillRef>
+          <a:effectRef idx="0">
+            <a:schemeClr val="accent1"/>
+          </a:effectRef>
+          <a:fontRef idx="minor">
+            <a:schemeClr val="lt1"/>
+          </a:fontRef>
+        </p:style>
+        <p:txBody>
+          <a:bodyPr rtlCol="0" anchor="ctr"/>
+          <a:lstStyle/>
+          <a:p>
+            <a:pPr algn="ctr"/>
+            <a:r>
+              <a:rPr lang="en-US" sz="1400" dirty="0" smtClean="0"/>
+              <a:t>Alfa</a:t>
+            </a:r>
+            <a:endParaRPr lang="en-US" sz="1400" dirty="0"/>
+          </a:p>
+        </p:txBody>
+      </p:sp>
+      <p:sp>
+        <p:nvSpPr>
+          <p:cNvPr id="165" name="Скругленный прямоугольник 164"/>
+          <p:cNvSpPr/>
+          <p:nvPr/>
+        </p:nvSpPr>
+        <p:spPr>
+          <a:xfrm>
+            <a:off x="7461570" y="2718319"/>
+            <a:ext cx="576064" cy="428962"/>
+          </a:xfrm>
+          <a:prstGeom prst="roundRect">
+            <a:avLst/>
+          </a:prstGeom>
+          <a:solidFill>
+            <a:schemeClr val="accent6">
+              <a:lumMod val="75000"/>
+            </a:schemeClr>
+          </a:solidFill>
+        </p:spPr>
+        <p:style>
+          <a:lnRef idx="2">
+            <a:schemeClr val="accent1">
+              <a:shade val="50000"/>
+            </a:schemeClr>
+          </a:lnRef>
+          <a:fillRef idx="1">
+            <a:schemeClr val="accent1"/>
+          </a:fillRef>
+          <a:effectRef idx="0">
+            <a:schemeClr val="accent1"/>
+          </a:effectRef>
+          <a:fontRef idx="minor">
+            <a:schemeClr val="lt1"/>
+          </a:fontRef>
+        </p:style>
+        <p:txBody>
+          <a:bodyPr rtlCol="0" anchor="ctr"/>
+          <a:lstStyle/>
+          <a:p>
+            <a:pPr algn="ctr"/>
+            <a:r>
+              <a:rPr lang="en-US" sz="1400" dirty="0" smtClean="0"/>
+              <a:t>Beta</a:t>
+            </a:r>
+            <a:endParaRPr lang="en-US" sz="1400" dirty="0"/>
+          </a:p>
+        </p:txBody>
+      </p:sp>
+      <p:sp>
+        <p:nvSpPr>
+          <p:cNvPr id="281" name="Скругленный прямоугольник 280"/>
+          <p:cNvSpPr/>
+          <p:nvPr/>
+        </p:nvSpPr>
+        <p:spPr>
+          <a:xfrm>
+            <a:off x="2746839" y="4212578"/>
+            <a:ext cx="1007534" cy="435590"/>
+          </a:xfrm>
+          <a:prstGeom prst="roundRect">
+            <a:avLst/>
+          </a:prstGeom>
+        </p:spPr>
+        <p:style>
+          <a:lnRef idx="2">
+            <a:schemeClr val="accent1">
+              <a:shade val="50000"/>
+            </a:schemeClr>
+          </a:lnRef>
+          <a:fillRef idx="1">
+            <a:schemeClr val="accent1"/>
+          </a:fillRef>
+          <a:effectRef idx="0">
+            <a:schemeClr val="accent1"/>
+          </a:effectRef>
+          <a:fontRef idx="minor">
+            <a:schemeClr val="lt1"/>
+          </a:fontRef>
+        </p:style>
+        <p:txBody>
+          <a:bodyPr rtlCol="0" anchor="ctr"/>
+          <a:lstStyle/>
+          <a:p>
+            <a:pPr algn="ctr"/>
+            <a:r>
+              <a:rPr lang="en-US" sz="1400" dirty="0" smtClean="0"/>
+              <a:t>New </a:t>
+            </a:r>
+            <a:r>
+              <a:rPr lang="en-US" sz="1400" dirty="0" err="1" smtClean="0"/>
+              <a:t>func</a:t>
+            </a:r>
+            <a:r>
+              <a:rPr lang="en-US" sz="1400" dirty="0" smtClean="0"/>
+              <a:t>.</a:t>
+            </a:r>
+            <a:endParaRPr lang="en-US" sz="1400" dirty="0"/>
+          </a:p>
+        </p:txBody>
+      </p:sp>
+      <p:cxnSp>
+        <p:nvCxnSpPr>
+          <p:cNvPr id="296" name="Прямая со стрелкой 295"/>
+          <p:cNvCxnSpPr>
+            <a:stCxn id="24" idx="2"/>
+            <a:endCxn id="281" idx="0"/>
+          </p:cNvCxnSpPr>
+          <p:nvPr/>
+        </p:nvCxnSpPr>
+        <p:spPr>
+          <a:xfrm>
+            <a:off x="2370374" y="3922763"/>
+            <a:ext cx="880232" cy="289815"/>
+          </a:xfrm>
+          <a:prstGeom prst="straightConnector1">
+            <a:avLst/>
+          </a:prstGeom>
+          <a:ln>
+            <a:tailEnd type="arrow"/>
+          </a:ln>
+        </p:spPr>
+        <p:style>
+          <a:lnRef idx="1">
+            <a:schemeClr val="accent1"/>
+          </a:lnRef>
+          <a:fillRef idx="0">
+            <a:schemeClr val="accent1"/>
+          </a:fillRef>
+          <a:effectRef idx="0">
+            <a:schemeClr val="accent1"/>
+          </a:effectRef>
+          <a:fontRef idx="minor">
+            <a:schemeClr val="tx1"/>
+          </a:fontRef>
+        </p:style>
+      </p:cxnSp>
+      <p:cxnSp>
+        <p:nvCxnSpPr>
+          <p:cNvPr id="298" name="Прямая со стрелкой 297"/>
+          <p:cNvCxnSpPr>
+            <a:stCxn id="23" idx="2"/>
+            <a:endCxn id="25" idx="0"/>
+          </p:cNvCxnSpPr>
+          <p:nvPr/>
+        </p:nvCxnSpPr>
+        <p:spPr>
+          <a:xfrm>
+            <a:off x="1531477" y="4665530"/>
+            <a:ext cx="639189" cy="211798"/>
+          </a:xfrm>
+          <a:prstGeom prst="straightConnector1">
+            <a:avLst/>
+          </a:prstGeom>
+          <a:ln>
+            <a:tailEnd type="arrow"/>
+          </a:ln>
+        </p:spPr>
+        <p:style>
+          <a:lnRef idx="1">
+            <a:schemeClr val="accent1"/>
+          </a:lnRef>
+          <a:fillRef idx="0">
+            <a:schemeClr val="accent1"/>
+          </a:fillRef>
+          <a:effectRef idx="0">
+            <a:schemeClr val="accent1"/>
+          </a:effectRef>
+          <a:fontRef idx="minor">
+            <a:schemeClr val="tx1"/>
+          </a:fontRef>
+        </p:style>
+      </p:cxnSp>
+      <p:cxnSp>
+        <p:nvCxnSpPr>
+          <p:cNvPr id="300" name="Прямая со стрелкой 299"/>
+          <p:cNvCxnSpPr>
+            <a:stCxn id="281" idx="2"/>
+            <a:endCxn id="25" idx="0"/>
+          </p:cNvCxnSpPr>
+          <p:nvPr/>
+        </p:nvCxnSpPr>
+        <p:spPr>
+          <a:xfrm flipH="1">
+            <a:off x="2170666" y="4648168"/>
+            <a:ext cx="1079940" cy="229160"/>
+          </a:xfrm>
+          <a:prstGeom prst="straightConnector1">
+            <a:avLst/>
+          </a:prstGeom>
+          <a:ln>
+            <a:tailEnd type="arrow"/>
+          </a:ln>
+        </p:spPr>
+        <p:style>
+          <a:lnRef idx="1">
+            <a:schemeClr val="accent1"/>
+          </a:lnRef>
+          <a:fillRef idx="0">
+            <a:schemeClr val="accent1"/>
+          </a:fillRef>
+          <a:effectRef idx="0">
+            <a:schemeClr val="accent1"/>
+          </a:effectRef>
+          <a:fontRef idx="minor">
+            <a:schemeClr val="tx1"/>
+          </a:fontRef>
+        </p:style>
+      </p:cxnSp>
+      <p:cxnSp>
+        <p:nvCxnSpPr>
+          <p:cNvPr id="310" name="Прямая со стрелкой 309"/>
+          <p:cNvCxnSpPr>
+            <a:stCxn id="21" idx="2"/>
+            <a:endCxn id="22" idx="0"/>
+          </p:cNvCxnSpPr>
+          <p:nvPr/>
+        </p:nvCxnSpPr>
+        <p:spPr>
+          <a:xfrm>
+            <a:off x="3519198" y="2947864"/>
+            <a:ext cx="1891372" cy="1929464"/>
+          </a:xfrm>
+          <a:prstGeom prst="straightConnector1">
+            <a:avLst/>
+          </a:prstGeom>
+          <a:ln>
+            <a:tailEnd type="arrow"/>
+          </a:ln>
+        </p:spPr>
+        <p:style>
+          <a:lnRef idx="1">
+            <a:schemeClr val="accent1"/>
+          </a:lnRef>
+          <a:fillRef idx="0">
+            <a:schemeClr val="accent1"/>
+          </a:fillRef>
+          <a:effectRef idx="0">
+            <a:schemeClr val="accent1"/>
+          </a:effectRef>
+          <a:fontRef idx="minor">
+            <a:schemeClr val="tx1"/>
+          </a:fontRef>
+        </p:style>
+      </p:cxnSp>
+      <p:cxnSp>
+        <p:nvCxnSpPr>
+          <p:cNvPr id="320" name="Скругленная соединительная линия 319"/>
+          <p:cNvCxnSpPr>
+            <a:stCxn id="25" idx="2"/>
+            <a:endCxn id="22" idx="0"/>
+          </p:cNvCxnSpPr>
+          <p:nvPr/>
+        </p:nvCxnSpPr>
+        <p:spPr>
+          <a:xfrm rot="5400000" flipH="1" flipV="1">
+            <a:off x="3610598" y="3437396"/>
+            <a:ext cx="360040" cy="3239904"/>
+          </a:xfrm>
+          <a:prstGeom prst="curvedConnector5">
+            <a:avLst>
+              <a:gd name="adj1" fmla="val -63493"/>
+              <a:gd name="adj2" fmla="val 35246"/>
+              <a:gd name="adj3" fmla="val 163493"/>
+            </a:avLst>
+          </a:prstGeom>
+          <a:ln>
+            <a:tailEnd type="arrow"/>
+          </a:ln>
+        </p:spPr>
+        <p:style>
+          <a:lnRef idx="1">
+            <a:schemeClr val="accent1"/>
+          </a:lnRef>
+          <a:fillRef idx="0">
+            <a:schemeClr val="accent1"/>
+          </a:fillRef>
+          <a:effectRef idx="0">
+            <a:schemeClr val="accent1"/>
+          </a:effectRef>
+          <a:fontRef idx="minor">
+            <a:schemeClr val="tx1"/>
+          </a:fontRef>
+        </p:style>
+      </p:cxnSp>
+      <p:cxnSp>
+        <p:nvCxnSpPr>
+          <p:cNvPr id="332" name="Соединительная линия уступом 331"/>
+          <p:cNvCxnSpPr>
+            <a:stCxn id="22" idx="3"/>
+            <a:endCxn id="163" idx="2"/>
+          </p:cNvCxnSpPr>
+          <p:nvPr/>
+        </p:nvCxnSpPr>
+        <p:spPr>
+          <a:xfrm flipV="1">
+            <a:off x="6980445" y="4519146"/>
+            <a:ext cx="769157" cy="1152877"/>
+          </a:xfrm>
+          <a:prstGeom prst="bentConnector2">
+            <a:avLst/>
+          </a:prstGeom>
+          <a:ln>
+            <a:tailEnd type="arrow"/>
+          </a:ln>
+        </p:spPr>
+        <p:style>
+          <a:lnRef idx="1">
+            <a:schemeClr val="accent1"/>
+          </a:lnRef>
+          <a:fillRef idx="0">
+            <a:schemeClr val="accent1"/>
+          </a:fillRef>
+          <a:effectRef idx="0">
+            <a:schemeClr val="accent1"/>
+          </a:effectRef>
+          <a:fontRef idx="minor">
+            <a:schemeClr val="tx1"/>
+          </a:fontRef>
+        </p:style>
+      </p:cxnSp>
+      <p:cxnSp>
+        <p:nvCxnSpPr>
+          <p:cNvPr id="336" name="Прямая со стрелкой 335"/>
+          <p:cNvCxnSpPr>
+            <a:stCxn id="163" idx="0"/>
+            <a:endCxn id="164" idx="2"/>
+          </p:cNvCxnSpPr>
+          <p:nvPr/>
+        </p:nvCxnSpPr>
+        <p:spPr>
+          <a:xfrm flipV="1">
+            <a:off x="7749602" y="3849212"/>
+            <a:ext cx="0" cy="240972"/>
+          </a:xfrm>
+          <a:prstGeom prst="straightConnector1">
+            <a:avLst/>
+          </a:prstGeom>
+          <a:ln>
+            <a:tailEnd type="arrow"/>
+          </a:ln>
+        </p:spPr>
+        <p:style>
+          <a:lnRef idx="1">
+            <a:schemeClr val="accent1"/>
+          </a:lnRef>
+          <a:fillRef idx="0">
+            <a:schemeClr val="accent1"/>
+          </a:fillRef>
+          <a:effectRef idx="0">
+            <a:schemeClr val="accent1"/>
+          </a:effectRef>
+          <a:fontRef idx="minor">
+            <a:schemeClr val="tx1"/>
+          </a:fontRef>
+        </p:style>
+      </p:cxnSp>
+      <p:cxnSp>
+        <p:nvCxnSpPr>
+          <p:cNvPr id="338" name="Прямая со стрелкой 337"/>
+          <p:cNvCxnSpPr>
+            <a:stCxn id="164" idx="0"/>
+            <a:endCxn id="165" idx="2"/>
+          </p:cNvCxnSpPr>
+          <p:nvPr/>
+        </p:nvCxnSpPr>
+        <p:spPr>
+          <a:xfrm flipV="1">
+            <a:off x="7749602" y="3147281"/>
+            <a:ext cx="0" cy="272969"/>
+          </a:xfrm>
+          <a:prstGeom prst="straightConnector1">
+            <a:avLst/>
+          </a:prstGeom>
+          <a:ln>
+            <a:tailEnd type="arrow"/>
+          </a:ln>
+        </p:spPr>
+        <p:style>
+          <a:lnRef idx="1">
+            <a:schemeClr val="accent1"/>
+          </a:lnRef>
+          <a:fillRef idx="0">
+            <a:schemeClr val="accent1"/>
+          </a:fillRef>
+          <a:effectRef idx="0">
+            <a:schemeClr val="accent1"/>
+          </a:effectRef>
+          <a:fontRef idx="minor">
+            <a:schemeClr val="tx1"/>
+          </a:fontRef>
+        </p:style>
+      </p:cxnSp>
+      <p:sp>
+        <p:nvSpPr>
+          <p:cNvPr id="344" name="Скругленный прямоугольник 343"/>
+          <p:cNvSpPr/>
+          <p:nvPr/>
+        </p:nvSpPr>
+        <p:spPr>
+          <a:xfrm>
+            <a:off x="291994" y="536030"/>
+            <a:ext cx="363402" cy="222894"/>
+          </a:xfrm>
+          <a:prstGeom prst="roundRect">
+            <a:avLst/>
+          </a:prstGeom>
+          <a:solidFill>
+            <a:schemeClr val="accent1"/>
+          </a:solidFill>
+        </p:spPr>
+        <p:style>
+          <a:lnRef idx="2">
+            <a:schemeClr val="accent1">
+              <a:shade val="50000"/>
+            </a:schemeClr>
+          </a:lnRef>
+          <a:fillRef idx="1">
+            <a:schemeClr val="accent1"/>
+          </a:fillRef>
+          <a:effectRef idx="0">
+            <a:schemeClr val="accent1"/>
+          </a:effectRef>
+          <a:fontRef idx="minor">
+            <a:schemeClr val="lt1"/>
+          </a:fontRef>
+        </p:style>
+        <p:txBody>
+          <a:bodyPr rtlCol="0" anchor="ctr"/>
+          <a:lstStyle/>
+          <a:p>
+            <a:pPr algn="ctr"/>
+            <a:endParaRPr lang="en-US" sz="1400" dirty="0"/>
+          </a:p>
+        </p:txBody>
+      </p:sp>
+      <p:sp>
+        <p:nvSpPr>
+          <p:cNvPr id="345" name="Овал 344"/>
+          <p:cNvSpPr/>
+          <p:nvPr/>
+        </p:nvSpPr>
+        <p:spPr>
+          <a:xfrm>
+            <a:off x="3029865" y="332656"/>
+            <a:ext cx="974008" cy="345124"/>
+          </a:xfrm>
+          <a:prstGeom prst="ellipse">
+            <a:avLst/>
+          </a:prstGeom>
+          <a:solidFill>
+            <a:schemeClr val="accent2">
+              <a:lumMod val="60000"/>
+              <a:lumOff val="40000"/>
+            </a:schemeClr>
+          </a:solidFill>
+        </p:spPr>
+        <p:style>
+          <a:lnRef idx="2">
+            <a:schemeClr val="accent1">
+              <a:shade val="50000"/>
+            </a:schemeClr>
+          </a:lnRef>
+          <a:fillRef idx="1">
+            <a:schemeClr val="accent1"/>
+          </a:fillRef>
+          <a:effectRef idx="0">
+            <a:schemeClr val="accent1"/>
+          </a:effectRef>
+          <a:fontRef idx="minor">
+            <a:schemeClr val="lt1"/>
+          </a:fontRef>
+        </p:style>
+        <p:txBody>
+          <a:bodyPr rtlCol="0" anchor="ctr"/>
+          <a:lstStyle/>
+          <a:p>
+            <a:pPr algn="ctr"/>
+            <a:r>
+              <a:rPr lang="en-US" sz="1400" dirty="0" smtClean="0"/>
+              <a:t>Start</a:t>
+            </a:r>
+            <a:endParaRPr lang="en-US" sz="1400" dirty="0"/>
+          </a:p>
+        </p:txBody>
+      </p:sp>
+      <p:sp>
+        <p:nvSpPr>
+          <p:cNvPr id="346" name="Овал 345"/>
+          <p:cNvSpPr/>
+          <p:nvPr/>
+        </p:nvSpPr>
+        <p:spPr>
+          <a:xfrm>
+            <a:off x="279914" y="246375"/>
+            <a:ext cx="363402" cy="172562"/>
+          </a:xfrm>
+          <a:prstGeom prst="ellipse">
+            <a:avLst/>
+          </a:prstGeom>
+          <a:solidFill>
+            <a:schemeClr val="accent2">
+              <a:lumMod val="60000"/>
+              <a:lumOff val="40000"/>
+            </a:schemeClr>
+          </a:solidFill>
+        </p:spPr>
+        <p:style>
+          <a:lnRef idx="2">
+            <a:schemeClr val="accent1">
+              <a:shade val="50000"/>
+            </a:schemeClr>
+          </a:lnRef>
+          <a:fillRef idx="1">
+            <a:schemeClr val="accent1"/>
+          </a:fillRef>
+          <a:effectRef idx="0">
+            <a:schemeClr val="accent1"/>
+          </a:effectRef>
+          <a:fontRef idx="minor">
+            <a:schemeClr val="lt1"/>
+          </a:fontRef>
+        </p:style>
+        <p:txBody>
+          <a:bodyPr rtlCol="0" anchor="ctr"/>
+          <a:lstStyle/>
+          <a:p>
+            <a:pPr algn="ctr"/>
+            <a:endParaRPr lang="en-US"/>
+          </a:p>
+        </p:txBody>
+      </p:sp>
+      <p:sp>
+        <p:nvSpPr>
+          <p:cNvPr id="348" name="Скругленный прямоугольник 347"/>
+          <p:cNvSpPr/>
+          <p:nvPr/>
+        </p:nvSpPr>
+        <p:spPr>
+          <a:xfrm>
+            <a:off x="285165" y="914856"/>
+            <a:ext cx="363402" cy="222894"/>
+          </a:xfrm>
+          <a:prstGeom prst="roundRect">
+            <a:avLst/>
+          </a:prstGeom>
+          <a:solidFill>
+            <a:srgbClr val="00B050"/>
+          </a:solidFill>
+        </p:spPr>
+        <p:style>
+          <a:lnRef idx="2">
+            <a:schemeClr val="accent1">
+              <a:shade val="50000"/>
+            </a:schemeClr>
+          </a:lnRef>
+          <a:fillRef idx="1">
+            <a:schemeClr val="accent1"/>
+          </a:fillRef>
+          <a:effectRef idx="0">
+            <a:schemeClr val="accent1"/>
+          </a:effectRef>
+          <a:fontRef idx="minor">
+            <a:schemeClr val="lt1"/>
+          </a:fontRef>
+        </p:style>
+        <p:txBody>
+          <a:bodyPr rtlCol="0" anchor="ctr"/>
+          <a:lstStyle/>
+          <a:p>
+            <a:pPr algn="ctr"/>
+            <a:endParaRPr lang="en-US" sz="1400" dirty="0"/>
+          </a:p>
+        </p:txBody>
+      </p:sp>
+      <p:sp>
+        <p:nvSpPr>
+          <p:cNvPr id="349" name="Скругленный прямоугольник 348"/>
+          <p:cNvSpPr/>
+          <p:nvPr/>
+        </p:nvSpPr>
+        <p:spPr>
+          <a:xfrm flipV="1">
+            <a:off x="309003" y="1261692"/>
+            <a:ext cx="329967" cy="240043"/>
+          </a:xfrm>
+          <a:prstGeom prst="roundRect">
+            <a:avLst/>
+          </a:prstGeom>
+          <a:solidFill>
+            <a:schemeClr val="accent6">
+              <a:lumMod val="75000"/>
+            </a:schemeClr>
+          </a:solidFill>
+        </p:spPr>
+        <p:style>
+          <a:lnRef idx="2">
+            <a:schemeClr val="accent1">
+              <a:shade val="50000"/>
+            </a:schemeClr>
+          </a:lnRef>
+          <a:fillRef idx="1">
+            <a:schemeClr val="accent1"/>
+          </a:fillRef>
+          <a:effectRef idx="0">
+            <a:schemeClr val="accent1"/>
+          </a:effectRef>
+          <a:fontRef idx="minor">
+            <a:schemeClr val="lt1"/>
+          </a:fontRef>
+        </p:style>
+        <p:txBody>
+          <a:bodyPr rtlCol="0" anchor="ctr"/>
+          <a:lstStyle/>
+          <a:p>
+            <a:pPr algn="ctr"/>
+            <a:endParaRPr lang="en-US" sz="1400" dirty="0"/>
+          </a:p>
+        </p:txBody>
+      </p:sp>
+      <p:sp>
+        <p:nvSpPr>
+          <p:cNvPr id="350" name="TextBox 349"/>
+          <p:cNvSpPr txBox="1"/>
+          <p:nvPr/>
+        </p:nvSpPr>
+        <p:spPr>
+          <a:xfrm>
+            <a:off x="690335" y="194156"/>
+            <a:ext cx="1936906" cy="276999"/>
+          </a:xfrm>
+          <a:prstGeom prst="rect">
+            <a:avLst/>
+          </a:prstGeom>
+          <a:noFill/>
+        </p:spPr>
+        <p:txBody>
+          <a:bodyPr wrap="square" rtlCol="0">
+            <a:spAutoFit/>
+          </a:bodyPr>
+          <a:lstStyle/>
+          <a:p>
+            <a:r>
+              <a:rPr lang="ru-RU" sz="1200" dirty="0" smtClean="0"/>
+              <a:t>- Не вид тестирования</a:t>
+            </a:r>
+            <a:endParaRPr lang="en-US" sz="1200" dirty="0"/>
+          </a:p>
+        </p:txBody>
+      </p:sp>
+      <p:sp>
+        <p:nvSpPr>
+          <p:cNvPr id="355" name="TextBox 354"/>
+          <p:cNvSpPr txBox="1"/>
+          <p:nvPr/>
+        </p:nvSpPr>
+        <p:spPr>
+          <a:xfrm>
+            <a:off x="711934" y="508977"/>
+            <a:ext cx="1936906" cy="276999"/>
+          </a:xfrm>
+          <a:prstGeom prst="rect">
+            <a:avLst/>
+          </a:prstGeom>
+          <a:noFill/>
+        </p:spPr>
+        <p:txBody>
+          <a:bodyPr wrap="square" rtlCol="0">
+            <a:spAutoFit/>
+          </a:bodyPr>
+          <a:lstStyle/>
+          <a:p>
+            <a:r>
+              <a:rPr lang="ru-RU" sz="1200" dirty="0" smtClean="0"/>
+              <a:t>- Функциональное</a:t>
+            </a:r>
+            <a:endParaRPr lang="en-US" sz="1200" dirty="0"/>
+          </a:p>
+        </p:txBody>
+      </p:sp>
+      <p:sp>
+        <p:nvSpPr>
+          <p:cNvPr id="357" name="TextBox 356"/>
+          <p:cNvSpPr txBox="1"/>
+          <p:nvPr/>
+        </p:nvSpPr>
+        <p:spPr>
+          <a:xfrm>
+            <a:off x="720917" y="899320"/>
+            <a:ext cx="1936906" cy="276999"/>
+          </a:xfrm>
+          <a:prstGeom prst="rect">
+            <a:avLst/>
+          </a:prstGeom>
+          <a:noFill/>
+        </p:spPr>
+        <p:txBody>
+          <a:bodyPr wrap="square" rtlCol="0">
+            <a:spAutoFit/>
+          </a:bodyPr>
+          <a:lstStyle/>
+          <a:p>
+            <a:r>
+              <a:rPr lang="ru-RU" sz="1200" dirty="0" smtClean="0"/>
+              <a:t>- Не функциональное</a:t>
+            </a:r>
+            <a:endParaRPr lang="en-US" sz="1200" dirty="0"/>
+          </a:p>
+        </p:txBody>
+      </p:sp>
+      <p:sp>
+        <p:nvSpPr>
+          <p:cNvPr id="358" name="TextBox 357"/>
+          <p:cNvSpPr txBox="1"/>
+          <p:nvPr/>
+        </p:nvSpPr>
+        <p:spPr>
+          <a:xfrm>
+            <a:off x="752269" y="1253937"/>
+            <a:ext cx="1823385" cy="276999"/>
+          </a:xfrm>
+          <a:prstGeom prst="rect">
+            <a:avLst/>
+          </a:prstGeom>
+          <a:noFill/>
+        </p:spPr>
+        <p:txBody>
+          <a:bodyPr wrap="square" rtlCol="0">
+            <a:spAutoFit/>
+          </a:bodyPr>
+          <a:lstStyle/>
+          <a:p>
+            <a:r>
+              <a:rPr lang="ru-RU" sz="1200" dirty="0" smtClean="0"/>
+              <a:t>- Приемочное</a:t>
+            </a:r>
+            <a:endParaRPr lang="en-US" sz="1200" dirty="0"/>
+          </a:p>
+        </p:txBody>
+      </p:sp>
+    </p:spTree>
+    <p:extLst>
+      <p:ext uri="{BB962C8B-B14F-4D97-AF65-F5344CB8AC3E}">
+        <p14:creationId xmlns:p14="http://schemas.microsoft.com/office/powerpoint/2010/main" val="565865233"/>
+      </p:ext>
+    </p:extLst>
+  </p:cSld>
+  <p:clrMapOvr>
+    <a:masterClrMapping/>
+  </p:clrMapOvr>
+  <p:timing>
+    <p:tnLst>
+      <p:par>
+        <p:cTn id="1" dur="indefinite" restart="never" nodeType="tmRoot"/>
+      </p:par>
+    </p:tnLst>
+  </p:timing>
+</p:sld>
+</file>
+
+<file path=ppt/slides/slide11.xml><?xml version="1.0" encoding="utf-8"?>
+<p:sld xmlns:a="http://schemas.openxmlformats.org/drawingml/2006/main" xmlns:r="http://schemas.openxmlformats.org/officeDocument/2006/relationships" xmlns:p="http://schemas.openxmlformats.org/presentationml/2006/main">
+  <p:cSld>
+    <p:spTree>
+      <p:nvGrpSpPr>
+        <p:cNvPr id="1" name=""/>
+        <p:cNvGrpSpPr/>
+        <p:nvPr/>
+      </p:nvGrpSpPr>
+      <p:grpSpPr>
+        <a:xfrm>
+          <a:off x="0" y="0"/>
+          <a:ext cx="0" cy="0"/>
+          <a:chOff x="0" y="0"/>
+          <a:chExt cx="0" cy="0"/>
+        </a:xfrm>
+      </p:grpSpPr>
+      <p:sp>
+        <p:nvSpPr>
           <p:cNvPr id="4" name="TextBox 3"/>
           <p:cNvSpPr txBox="1"/>
           <p:nvPr/>
@@ -4430,7 +6023,7 @@
 </p:sld>
 </file>
 
-<file path=ppt/slides/slide11.xml><?xml version="1.0" encoding="utf-8"?>
+<file path=ppt/slides/slide12.xml><?xml version="1.0" encoding="utf-8"?>
 <p:sld xmlns:a="http://schemas.openxmlformats.org/drawingml/2006/main" xmlns:r="http://schemas.openxmlformats.org/officeDocument/2006/relationships" xmlns:p="http://schemas.openxmlformats.org/presentationml/2006/main">
   <p:cSld>
     <p:spTree>
@@ -5137,7 +6730,7 @@
 </p:sld>
 </file>
 
-<file path=ppt/slides/slide12.xml><?xml version="1.0" encoding="utf-8"?>
+<file path=ppt/slides/slide13.xml><?xml version="1.0" encoding="utf-8"?>
 <p:sld xmlns:a="http://schemas.openxmlformats.org/drawingml/2006/main" xmlns:r="http://schemas.openxmlformats.org/officeDocument/2006/relationships" xmlns:p="http://schemas.openxmlformats.org/presentationml/2006/main">
   <p:cSld>
     <p:spTree>
@@ -5411,7 +7004,7 @@
 </p:sld>
 </file>
 
-<file path=ppt/slides/slide13.xml><?xml version="1.0" encoding="utf-8"?>
+<file path=ppt/slides/slide14.xml><?xml version="1.0" encoding="utf-8"?>
 <p:sld xmlns:a="http://schemas.openxmlformats.org/drawingml/2006/main" xmlns:r="http://schemas.openxmlformats.org/officeDocument/2006/relationships" xmlns:p="http://schemas.openxmlformats.org/presentationml/2006/main">
   <p:cSld>
     <p:spTree>
@@ -6018,7 +7611,7 @@
 </p:sld>
 </file>
 
-<file path=ppt/slides/slide14.xml><?xml version="1.0" encoding="utf-8"?>
+<file path=ppt/slides/slide15.xml><?xml version="1.0" encoding="utf-8"?>
 <p:sld xmlns:a="http://schemas.openxmlformats.org/drawingml/2006/main" xmlns:r="http://schemas.openxmlformats.org/officeDocument/2006/relationships" xmlns:p="http://schemas.openxmlformats.org/presentationml/2006/main">
   <p:cSld>
     <p:spTree>
@@ -6495,7 +8088,7 @@
 </p:sld>
 </file>
 
-<file path=ppt/slides/slide15.xml><?xml version="1.0" encoding="utf-8"?>
+<file path=ppt/slides/slide16.xml><?xml version="1.0" encoding="utf-8"?>
 <p:sld xmlns:a="http://schemas.openxmlformats.org/drawingml/2006/main" xmlns:r="http://schemas.openxmlformats.org/officeDocument/2006/relationships" xmlns:p="http://schemas.openxmlformats.org/presentationml/2006/main">
   <p:cSld>
     <p:spTree>
@@ -6766,7 +8359,7 @@
 </p:sld>
 </file>
 
-<file path=ppt/slides/slide16.xml><?xml version="1.0" encoding="utf-8"?>
+<file path=ppt/slides/slide17.xml><?xml version="1.0" encoding="utf-8"?>
 <p:sld xmlns:a="http://schemas.openxmlformats.org/drawingml/2006/main" xmlns:r="http://schemas.openxmlformats.org/officeDocument/2006/relationships" xmlns:p="http://schemas.openxmlformats.org/presentationml/2006/main">
   <p:cSld>
     <p:spTree>
@@ -7761,7 +9354,7 @@
 </p:sld>
 </file>
 
-<file path=ppt/slides/slide17.xml><?xml version="1.0" encoding="utf-8"?>
+<file path=ppt/slides/slide18.xml><?xml version="1.0" encoding="utf-8"?>
 <p:sld xmlns:a="http://schemas.openxmlformats.org/drawingml/2006/main" xmlns:r="http://schemas.openxmlformats.org/officeDocument/2006/relationships" xmlns:p="http://schemas.openxmlformats.org/presentationml/2006/main">
   <p:cSld>
     <p:spTree>
@@ -7869,7 +9462,7 @@
         </p:nvSpPr>
         <p:spPr>
           <a:xfrm>
-            <a:off x="1066799" y="1193248"/>
+            <a:off x="1138902" y="1088142"/>
             <a:ext cx="2571794" cy="430887"/>
           </a:xfrm>
           <a:prstGeom prst="rect">
@@ -7905,7 +9498,7 @@
         </p:nvSpPr>
         <p:spPr>
           <a:xfrm>
-            <a:off x="1066799" y="1636959"/>
+            <a:off x="1138902" y="1503034"/>
             <a:ext cx="3022027" cy="430887"/>
           </a:xfrm>
           <a:prstGeom prst="rect">
@@ -7941,8 +9534,8 @@
         </p:nvSpPr>
         <p:spPr>
           <a:xfrm>
-            <a:off x="1371600" y="1916832"/>
-            <a:ext cx="2123084" cy="769441"/>
+            <a:off x="1394453" y="1844824"/>
+            <a:ext cx="3056384" cy="1107996"/>
           </a:xfrm>
           <a:prstGeom prst="rect">
             <a:avLst/>
@@ -7963,8 +9556,8 @@
               <a:buChar char="•"/>
             </a:pPr>
             <a:r>
-              <a:rPr lang="en-US" sz="2200" dirty="0"/>
-              <a:t>Load</a:t>
+              <a:rPr lang="en-US" sz="2200" dirty="0" smtClean="0"/>
+              <a:t>Performance</a:t>
             </a:r>
           </a:p>
           <a:p>
@@ -7978,6 +9571,21 @@
             </a:pPr>
             <a:r>
               <a:rPr lang="en-US" sz="2200" dirty="0" smtClean="0"/>
+              <a:t>Load</a:t>
+            </a:r>
+            <a:endParaRPr lang="en-US" sz="2200" dirty="0"/>
+          </a:p>
+          <a:p>
+            <a:pPr marL="800100" lvl="1" indent="-342900">
+              <a:buClr>
+                <a:srgbClr val="76A9D4"/>
+              </a:buClr>
+              <a:buSzPct val="90000"/>
+              <a:buFont typeface="Calibri" pitchFamily="34" charset="0"/>
+              <a:buChar char="•"/>
+            </a:pPr>
+            <a:r>
+              <a:rPr lang="en-US" sz="2200" dirty="0" smtClean="0"/>
               <a:t>Stress</a:t>
             </a:r>
             <a:endParaRPr lang="en-US" sz="2200" dirty="0"/>
@@ -7992,7 +9600,7 @@
         </p:nvSpPr>
         <p:spPr>
           <a:xfrm>
-            <a:off x="1066799" y="2755032"/>
+            <a:off x="1067975" y="2952820"/>
             <a:ext cx="2363404" cy="430887"/>
           </a:xfrm>
           <a:prstGeom prst="rect">
@@ -8068,7 +9676,7 @@
         </p:nvSpPr>
         <p:spPr>
           <a:xfrm>
-            <a:off x="1066800" y="4140926"/>
+            <a:off x="1066800" y="4119316"/>
             <a:ext cx="2296078" cy="430887"/>
           </a:xfrm>
           <a:prstGeom prst="rect">
@@ -8926,7 +10534,7 @@
 </p:sld>
 </file>
 
-<file path=ppt/slides/slide18.xml><?xml version="1.0" encoding="utf-8"?>
+<file path=ppt/slides/slide19.xml><?xml version="1.0" encoding="utf-8"?>
 <p:sld xmlns:a="http://schemas.openxmlformats.org/drawingml/2006/main" xmlns:r="http://schemas.openxmlformats.org/officeDocument/2006/relationships" xmlns:p="http://schemas.openxmlformats.org/presentationml/2006/main">
   <p:cSld>
     <p:spTree>
@@ -9454,7 +11062,318 @@
 </p:sld>
 </file>
 
-<file path=ppt/slides/slide19.xml><?xml version="1.0" encoding="utf-8"?>
+<file path=ppt/slides/slide2.xml><?xml version="1.0" encoding="utf-8"?>
+<p:sld xmlns:a="http://schemas.openxmlformats.org/drawingml/2006/main" xmlns:r="http://schemas.openxmlformats.org/officeDocument/2006/relationships" xmlns:p="http://schemas.openxmlformats.org/presentationml/2006/main">
+  <p:cSld>
+    <p:spTree>
+      <p:nvGrpSpPr>
+        <p:cNvPr id="1" name=""/>
+        <p:cNvGrpSpPr/>
+        <p:nvPr/>
+      </p:nvGrpSpPr>
+      <p:grpSpPr>
+        <a:xfrm>
+          <a:off x="0" y="0"/>
+          <a:ext cx="0" cy="0"/>
+          <a:chOff x="0" y="0"/>
+          <a:chExt cx="0" cy="0"/>
+        </a:xfrm>
+      </p:grpSpPr>
+      <p:sp>
+        <p:nvSpPr>
+          <p:cNvPr id="3" name="TextBox 2"/>
+          <p:cNvSpPr txBox="1"/>
+          <p:nvPr/>
+        </p:nvSpPr>
+        <p:spPr>
+          <a:xfrm>
+            <a:off x="611560" y="332656"/>
+            <a:ext cx="1561133" cy="630942"/>
+          </a:xfrm>
+          <a:prstGeom prst="rect">
+            <a:avLst/>
+          </a:prstGeom>
+          <a:noFill/>
+        </p:spPr>
+        <p:txBody>
+          <a:bodyPr wrap="none" rtlCol="0">
+            <a:spAutoFit/>
+          </a:bodyPr>
+          <a:lstStyle/>
+          <a:p>
+            <a:r>
+              <a:rPr lang="en-US" sz="3500" dirty="0" smtClean="0">
+                <a:solidFill>
+                  <a:schemeClr val="tx1">
+                    <a:lumMod val="65000"/>
+                    <a:lumOff val="35000"/>
+                  </a:schemeClr>
+                </a:solidFill>
+                <a:effectLst>
+                  <a:outerShdw blurRad="38100" dist="38100" dir="2700000" algn="tl">
+                    <a:srgbClr val="000000">
+                      <a:alpha val="43137"/>
+                    </a:srgbClr>
+                  </a:outerShdw>
+                </a:effectLst>
+              </a:rPr>
+              <a:t>Agenda</a:t>
+            </a:r>
+            <a:endParaRPr lang="en-US" sz="3500" dirty="0">
+              <a:solidFill>
+                <a:schemeClr val="tx1">
+                  <a:lumMod val="65000"/>
+                  <a:lumOff val="35000"/>
+                </a:schemeClr>
+              </a:solidFill>
+              <a:effectLst>
+                <a:outerShdw blurRad="38100" dist="38100" dir="2700000" algn="tl">
+                  <a:srgbClr val="000000">
+                    <a:alpha val="43137"/>
+                  </a:srgbClr>
+                </a:outerShdw>
+              </a:effectLst>
+            </a:endParaRPr>
+          </a:p>
+        </p:txBody>
+      </p:sp>
+      <p:sp>
+        <p:nvSpPr>
+          <p:cNvPr id="5" name="Rectangle 4"/>
+          <p:cNvSpPr/>
+          <p:nvPr/>
+        </p:nvSpPr>
+        <p:spPr>
+          <a:xfrm>
+            <a:off x="914400" y="1340768"/>
+            <a:ext cx="3802901" cy="430887"/>
+          </a:xfrm>
+          <a:prstGeom prst="rect">
+            <a:avLst/>
+          </a:prstGeom>
+        </p:spPr>
+        <p:txBody>
+          <a:bodyPr wrap="none">
+            <a:spAutoFit/>
+          </a:bodyPr>
+          <a:lstStyle/>
+          <a:p>
+            <a:r>
+              <a:rPr lang="en-US" sz="2200" dirty="0" smtClean="0">
+                <a:solidFill>
+                  <a:schemeClr val="tx1">
+                    <a:lumMod val="75000"/>
+                    <a:lumOff val="25000"/>
+                  </a:schemeClr>
+                </a:solidFill>
+              </a:rPr>
+              <a:t>1. </a:t>
+            </a:r>
+            <a:r>
+              <a:rPr lang="ru-RU" sz="2200" dirty="0" smtClean="0">
+                <a:solidFill>
+                  <a:schemeClr val="tx1">
+                    <a:lumMod val="75000"/>
+                    <a:lumOff val="25000"/>
+                  </a:schemeClr>
+                </a:solidFill>
+              </a:rPr>
+              <a:t>Группы видов тестирования</a:t>
+            </a:r>
+            <a:endParaRPr lang="en-US" sz="2200" dirty="0">
+              <a:solidFill>
+                <a:schemeClr val="tx1">
+                  <a:lumMod val="75000"/>
+                  <a:lumOff val="25000"/>
+                </a:schemeClr>
+              </a:solidFill>
+            </a:endParaRPr>
+          </a:p>
+        </p:txBody>
+      </p:sp>
+      <p:sp>
+        <p:nvSpPr>
+          <p:cNvPr id="4" name="Rectangle 3"/>
+          <p:cNvSpPr/>
+          <p:nvPr/>
+        </p:nvSpPr>
+        <p:spPr>
+          <a:xfrm>
+            <a:off x="899592" y="1917993"/>
+            <a:ext cx="5022016" cy="430887"/>
+          </a:xfrm>
+          <a:prstGeom prst="rect">
+            <a:avLst/>
+          </a:prstGeom>
+        </p:spPr>
+        <p:txBody>
+          <a:bodyPr wrap="none">
+            <a:spAutoFit/>
+          </a:bodyPr>
+          <a:lstStyle/>
+          <a:p>
+            <a:r>
+              <a:rPr lang="en-US" sz="2200" dirty="0" smtClean="0">
+                <a:solidFill>
+                  <a:schemeClr val="tx1">
+                    <a:lumMod val="75000"/>
+                    <a:lumOff val="25000"/>
+                  </a:schemeClr>
+                </a:solidFill>
+              </a:rPr>
+              <a:t>2. </a:t>
+            </a:r>
+            <a:r>
+              <a:rPr lang="ru-RU" sz="2200" dirty="0" smtClean="0">
+                <a:solidFill>
+                  <a:schemeClr val="tx1">
+                    <a:lumMod val="75000"/>
+                    <a:lumOff val="25000"/>
+                  </a:schemeClr>
+                </a:solidFill>
+              </a:rPr>
+              <a:t>Описание каждого типа тестирования</a:t>
+            </a:r>
+            <a:endParaRPr lang="en-US" sz="2200" dirty="0">
+              <a:solidFill>
+                <a:schemeClr val="tx1">
+                  <a:lumMod val="75000"/>
+                  <a:lumOff val="25000"/>
+                </a:schemeClr>
+              </a:solidFill>
+            </a:endParaRPr>
+          </a:p>
+        </p:txBody>
+      </p:sp>
+      <p:sp>
+        <p:nvSpPr>
+          <p:cNvPr id="6" name="Rectangle 5"/>
+          <p:cNvSpPr/>
+          <p:nvPr/>
+        </p:nvSpPr>
+        <p:spPr>
+          <a:xfrm>
+            <a:off x="914400" y="2422048"/>
+            <a:ext cx="7883890" cy="430887"/>
+          </a:xfrm>
+          <a:prstGeom prst="rect">
+            <a:avLst/>
+          </a:prstGeom>
+        </p:spPr>
+        <p:txBody>
+          <a:bodyPr wrap="none">
+            <a:spAutoFit/>
+          </a:bodyPr>
+          <a:lstStyle/>
+          <a:p>
+            <a:r>
+              <a:rPr lang="en-US" sz="2200" dirty="0" smtClean="0">
+                <a:solidFill>
+                  <a:schemeClr val="tx1">
+                    <a:lumMod val="75000"/>
+                    <a:lumOff val="25000"/>
+                  </a:schemeClr>
+                </a:solidFill>
+              </a:rPr>
+              <a:t>3. </a:t>
+            </a:r>
+            <a:r>
+              <a:rPr lang="ru-RU" sz="2200" dirty="0" smtClean="0">
+                <a:solidFill>
+                  <a:schemeClr val="tx1">
+                    <a:lumMod val="75000"/>
+                    <a:lumOff val="25000"/>
+                  </a:schemeClr>
+                </a:solidFill>
+              </a:rPr>
+              <a:t>Преимущества и недостатки использования различных видов</a:t>
+            </a:r>
+            <a:endParaRPr lang="en-US" sz="2200" dirty="0">
+              <a:solidFill>
+                <a:schemeClr val="tx1">
+                  <a:lumMod val="75000"/>
+                  <a:lumOff val="25000"/>
+                </a:schemeClr>
+              </a:solidFill>
+            </a:endParaRPr>
+          </a:p>
+        </p:txBody>
+      </p:sp>
+      <p:sp>
+        <p:nvSpPr>
+          <p:cNvPr id="7" name="Rectangle 6"/>
+          <p:cNvSpPr/>
+          <p:nvPr/>
+        </p:nvSpPr>
+        <p:spPr>
+          <a:xfrm>
+            <a:off x="899592" y="2931457"/>
+            <a:ext cx="7632848" cy="430887"/>
+          </a:xfrm>
+          <a:prstGeom prst="rect">
+            <a:avLst/>
+          </a:prstGeom>
+        </p:spPr>
+        <p:txBody>
+          <a:bodyPr wrap="square">
+            <a:spAutoFit/>
+          </a:bodyPr>
+          <a:lstStyle/>
+          <a:p>
+            <a:r>
+              <a:rPr lang="en-US" sz="2200" dirty="0" smtClean="0">
+                <a:solidFill>
+                  <a:schemeClr val="tx1">
+                    <a:lumMod val="75000"/>
+                    <a:lumOff val="25000"/>
+                  </a:schemeClr>
+                </a:solidFill>
+              </a:rPr>
+              <a:t>4. </a:t>
+            </a:r>
+            <a:r>
+              <a:rPr lang="ru-RU" sz="2200" dirty="0" smtClean="0">
+                <a:solidFill>
+                  <a:schemeClr val="tx1">
+                    <a:lumMod val="75000"/>
+                    <a:lumOff val="25000"/>
+                  </a:schemeClr>
+                </a:solidFill>
+              </a:rPr>
+              <a:t>Примеры различных видов тестирования</a:t>
+            </a:r>
+            <a:endParaRPr lang="en-US" sz="2200" dirty="0">
+              <a:solidFill>
+                <a:schemeClr val="tx1">
+                  <a:lumMod val="75000"/>
+                  <a:lumOff val="25000"/>
+                </a:schemeClr>
+              </a:solidFill>
+            </a:endParaRPr>
+          </a:p>
+        </p:txBody>
+      </p:sp>
+    </p:spTree>
+    <p:extLst>
+      <p:ext uri="{BB962C8B-B14F-4D97-AF65-F5344CB8AC3E}">
+        <p14:creationId xmlns:p14="http://schemas.microsoft.com/office/powerpoint/2010/main" val="9039911"/>
+      </p:ext>
+    </p:extLst>
+  </p:cSld>
+  <p:clrMapOvr>
+    <a:masterClrMapping/>
+  </p:clrMapOvr>
+  <p:timing>
+    <p:tnLst>
+      <p:par>
+        <p:cTn id="1" dur="indefinite" restart="never" nodeType="tmRoot"/>
+      </p:par>
+    </p:tnLst>
+  </p:timing>
+</p:sld>
+</file>
+
+<file path=ppt/slides/slide20.xml><?xml version="1.0" encoding="utf-8"?>
 <p:sld xmlns:a="http://schemas.openxmlformats.org/drawingml/2006/main" xmlns:r="http://schemas.openxmlformats.org/officeDocument/2006/relationships" xmlns:p="http://schemas.openxmlformats.org/presentationml/2006/main">
   <p:cSld>
     <p:spTree>
@@ -9870,318 +11789,7 @@
 </p:sld>
 </file>
 
-<file path=ppt/slides/slide2.xml><?xml version="1.0" encoding="utf-8"?>
-<p:sld xmlns:a="http://schemas.openxmlformats.org/drawingml/2006/main" xmlns:r="http://schemas.openxmlformats.org/officeDocument/2006/relationships" xmlns:p="http://schemas.openxmlformats.org/presentationml/2006/main">
-  <p:cSld>
-    <p:spTree>
-      <p:nvGrpSpPr>
-        <p:cNvPr id="1" name=""/>
-        <p:cNvGrpSpPr/>
-        <p:nvPr/>
-      </p:nvGrpSpPr>
-      <p:grpSpPr>
-        <a:xfrm>
-          <a:off x="0" y="0"/>
-          <a:ext cx="0" cy="0"/>
-          <a:chOff x="0" y="0"/>
-          <a:chExt cx="0" cy="0"/>
-        </a:xfrm>
-      </p:grpSpPr>
-      <p:sp>
-        <p:nvSpPr>
-          <p:cNvPr id="3" name="TextBox 2"/>
-          <p:cNvSpPr txBox="1"/>
-          <p:nvPr/>
-        </p:nvSpPr>
-        <p:spPr>
-          <a:xfrm>
-            <a:off x="611560" y="332656"/>
-            <a:ext cx="1561133" cy="630942"/>
-          </a:xfrm>
-          <a:prstGeom prst="rect">
-            <a:avLst/>
-          </a:prstGeom>
-          <a:noFill/>
-        </p:spPr>
-        <p:txBody>
-          <a:bodyPr wrap="none" rtlCol="0">
-            <a:spAutoFit/>
-          </a:bodyPr>
-          <a:lstStyle/>
-          <a:p>
-            <a:r>
-              <a:rPr lang="en-US" sz="3500" dirty="0" smtClean="0">
-                <a:solidFill>
-                  <a:schemeClr val="tx1">
-                    <a:lumMod val="65000"/>
-                    <a:lumOff val="35000"/>
-                  </a:schemeClr>
-                </a:solidFill>
-                <a:effectLst>
-                  <a:outerShdw blurRad="38100" dist="38100" dir="2700000" algn="tl">
-                    <a:srgbClr val="000000">
-                      <a:alpha val="43137"/>
-                    </a:srgbClr>
-                  </a:outerShdw>
-                </a:effectLst>
-              </a:rPr>
-              <a:t>Agenda</a:t>
-            </a:r>
-            <a:endParaRPr lang="en-US" sz="3500" dirty="0">
-              <a:solidFill>
-                <a:schemeClr val="tx1">
-                  <a:lumMod val="65000"/>
-                  <a:lumOff val="35000"/>
-                </a:schemeClr>
-              </a:solidFill>
-              <a:effectLst>
-                <a:outerShdw blurRad="38100" dist="38100" dir="2700000" algn="tl">
-                  <a:srgbClr val="000000">
-                    <a:alpha val="43137"/>
-                  </a:srgbClr>
-                </a:outerShdw>
-              </a:effectLst>
-            </a:endParaRPr>
-          </a:p>
-        </p:txBody>
-      </p:sp>
-      <p:sp>
-        <p:nvSpPr>
-          <p:cNvPr id="5" name="Rectangle 4"/>
-          <p:cNvSpPr/>
-          <p:nvPr/>
-        </p:nvSpPr>
-        <p:spPr>
-          <a:xfrm>
-            <a:off x="914400" y="1340768"/>
-            <a:ext cx="3802901" cy="430887"/>
-          </a:xfrm>
-          <a:prstGeom prst="rect">
-            <a:avLst/>
-          </a:prstGeom>
-        </p:spPr>
-        <p:txBody>
-          <a:bodyPr wrap="none">
-            <a:spAutoFit/>
-          </a:bodyPr>
-          <a:lstStyle/>
-          <a:p>
-            <a:r>
-              <a:rPr lang="en-US" sz="2200" dirty="0" smtClean="0">
-                <a:solidFill>
-                  <a:schemeClr val="tx1">
-                    <a:lumMod val="75000"/>
-                    <a:lumOff val="25000"/>
-                  </a:schemeClr>
-                </a:solidFill>
-              </a:rPr>
-              <a:t>1. </a:t>
-            </a:r>
-            <a:r>
-              <a:rPr lang="ru-RU" sz="2200" dirty="0" smtClean="0">
-                <a:solidFill>
-                  <a:schemeClr val="tx1">
-                    <a:lumMod val="75000"/>
-                    <a:lumOff val="25000"/>
-                  </a:schemeClr>
-                </a:solidFill>
-              </a:rPr>
-              <a:t>Группы видов тестирования</a:t>
-            </a:r>
-            <a:endParaRPr lang="en-US" sz="2200" dirty="0">
-              <a:solidFill>
-                <a:schemeClr val="tx1">
-                  <a:lumMod val="75000"/>
-                  <a:lumOff val="25000"/>
-                </a:schemeClr>
-              </a:solidFill>
-            </a:endParaRPr>
-          </a:p>
-        </p:txBody>
-      </p:sp>
-      <p:sp>
-        <p:nvSpPr>
-          <p:cNvPr id="4" name="Rectangle 3"/>
-          <p:cNvSpPr/>
-          <p:nvPr/>
-        </p:nvSpPr>
-        <p:spPr>
-          <a:xfrm>
-            <a:off x="899592" y="1917993"/>
-            <a:ext cx="5022016" cy="430887"/>
-          </a:xfrm>
-          <a:prstGeom prst="rect">
-            <a:avLst/>
-          </a:prstGeom>
-        </p:spPr>
-        <p:txBody>
-          <a:bodyPr wrap="none">
-            <a:spAutoFit/>
-          </a:bodyPr>
-          <a:lstStyle/>
-          <a:p>
-            <a:r>
-              <a:rPr lang="en-US" sz="2200" dirty="0" smtClean="0">
-                <a:solidFill>
-                  <a:schemeClr val="tx1">
-                    <a:lumMod val="75000"/>
-                    <a:lumOff val="25000"/>
-                  </a:schemeClr>
-                </a:solidFill>
-              </a:rPr>
-              <a:t>2. </a:t>
-            </a:r>
-            <a:r>
-              <a:rPr lang="ru-RU" sz="2200" dirty="0" smtClean="0">
-                <a:solidFill>
-                  <a:schemeClr val="tx1">
-                    <a:lumMod val="75000"/>
-                    <a:lumOff val="25000"/>
-                  </a:schemeClr>
-                </a:solidFill>
-              </a:rPr>
-              <a:t>Описание каждого типа тестирования</a:t>
-            </a:r>
-            <a:endParaRPr lang="en-US" sz="2200" dirty="0">
-              <a:solidFill>
-                <a:schemeClr val="tx1">
-                  <a:lumMod val="75000"/>
-                  <a:lumOff val="25000"/>
-                </a:schemeClr>
-              </a:solidFill>
-            </a:endParaRPr>
-          </a:p>
-        </p:txBody>
-      </p:sp>
-      <p:sp>
-        <p:nvSpPr>
-          <p:cNvPr id="6" name="Rectangle 5"/>
-          <p:cNvSpPr/>
-          <p:nvPr/>
-        </p:nvSpPr>
-        <p:spPr>
-          <a:xfrm>
-            <a:off x="914400" y="2422048"/>
-            <a:ext cx="7883890" cy="430887"/>
-          </a:xfrm>
-          <a:prstGeom prst="rect">
-            <a:avLst/>
-          </a:prstGeom>
-        </p:spPr>
-        <p:txBody>
-          <a:bodyPr wrap="none">
-            <a:spAutoFit/>
-          </a:bodyPr>
-          <a:lstStyle/>
-          <a:p>
-            <a:r>
-              <a:rPr lang="en-US" sz="2200" dirty="0" smtClean="0">
-                <a:solidFill>
-                  <a:schemeClr val="tx1">
-                    <a:lumMod val="75000"/>
-                    <a:lumOff val="25000"/>
-                  </a:schemeClr>
-                </a:solidFill>
-              </a:rPr>
-              <a:t>3. </a:t>
-            </a:r>
-            <a:r>
-              <a:rPr lang="ru-RU" sz="2200" dirty="0" smtClean="0">
-                <a:solidFill>
-                  <a:schemeClr val="tx1">
-                    <a:lumMod val="75000"/>
-                    <a:lumOff val="25000"/>
-                  </a:schemeClr>
-                </a:solidFill>
-              </a:rPr>
-              <a:t>Преимущества и недостатки использования различных видов</a:t>
-            </a:r>
-            <a:endParaRPr lang="en-US" sz="2200" dirty="0">
-              <a:solidFill>
-                <a:schemeClr val="tx1">
-                  <a:lumMod val="75000"/>
-                  <a:lumOff val="25000"/>
-                </a:schemeClr>
-              </a:solidFill>
-            </a:endParaRPr>
-          </a:p>
-        </p:txBody>
-      </p:sp>
-      <p:sp>
-        <p:nvSpPr>
-          <p:cNvPr id="7" name="Rectangle 6"/>
-          <p:cNvSpPr/>
-          <p:nvPr/>
-        </p:nvSpPr>
-        <p:spPr>
-          <a:xfrm>
-            <a:off x="899592" y="2931457"/>
-            <a:ext cx="7632848" cy="430887"/>
-          </a:xfrm>
-          <a:prstGeom prst="rect">
-            <a:avLst/>
-          </a:prstGeom>
-        </p:spPr>
-        <p:txBody>
-          <a:bodyPr wrap="square">
-            <a:spAutoFit/>
-          </a:bodyPr>
-          <a:lstStyle/>
-          <a:p>
-            <a:r>
-              <a:rPr lang="en-US" sz="2200" dirty="0" smtClean="0">
-                <a:solidFill>
-                  <a:schemeClr val="tx1">
-                    <a:lumMod val="75000"/>
-                    <a:lumOff val="25000"/>
-                  </a:schemeClr>
-                </a:solidFill>
-              </a:rPr>
-              <a:t>4. </a:t>
-            </a:r>
-            <a:r>
-              <a:rPr lang="ru-RU" sz="2200" dirty="0" smtClean="0">
-                <a:solidFill>
-                  <a:schemeClr val="tx1">
-                    <a:lumMod val="75000"/>
-                    <a:lumOff val="25000"/>
-                  </a:schemeClr>
-                </a:solidFill>
-              </a:rPr>
-              <a:t>Примеры различных видов тестирования</a:t>
-            </a:r>
-            <a:endParaRPr lang="en-US" sz="2200" dirty="0">
-              <a:solidFill>
-                <a:schemeClr val="tx1">
-                  <a:lumMod val="75000"/>
-                  <a:lumOff val="25000"/>
-                </a:schemeClr>
-              </a:solidFill>
-            </a:endParaRPr>
-          </a:p>
-        </p:txBody>
-      </p:sp>
-    </p:spTree>
-    <p:extLst>
-      <p:ext uri="{BB962C8B-B14F-4D97-AF65-F5344CB8AC3E}">
-        <p14:creationId xmlns:p14="http://schemas.microsoft.com/office/powerpoint/2010/main" val="9039911"/>
-      </p:ext>
-    </p:extLst>
-  </p:cSld>
-  <p:clrMapOvr>
-    <a:masterClrMapping/>
-  </p:clrMapOvr>
-  <p:timing>
-    <p:tnLst>
-      <p:par>
-        <p:cTn id="1" dur="indefinite" restart="never" nodeType="tmRoot"/>
-      </p:par>
-    </p:tnLst>
-  </p:timing>
-</p:sld>
-</file>
-
-<file path=ppt/slides/slide20.xml><?xml version="1.0" encoding="utf-8"?>
+<file path=ppt/slides/slide21.xml><?xml version="1.0" encoding="utf-8"?>
 <p:sld xmlns:a="http://schemas.openxmlformats.org/drawingml/2006/main" xmlns:r="http://schemas.openxmlformats.org/officeDocument/2006/relationships" xmlns:p="http://schemas.openxmlformats.org/presentationml/2006/main">
   <p:cSld>
     <p:spTree>
@@ -10763,7 +12371,7 @@
 </p:sld>
 </file>
 
-<file path=ppt/slides/slide21.xml><?xml version="1.0" encoding="utf-8"?>
+<file path=ppt/slides/slide22.xml><?xml version="1.0" encoding="utf-8"?>
 <p:sld xmlns:a="http://schemas.openxmlformats.org/drawingml/2006/main" xmlns:r="http://schemas.openxmlformats.org/officeDocument/2006/relationships" xmlns:p="http://schemas.openxmlformats.org/presentationml/2006/main">
   <p:cSld>
     <p:spTree>
@@ -11815,7 +13423,7 @@
 </p:sld>
 </file>
 
-<file path=ppt/slides/slide22.xml><?xml version="1.0" encoding="utf-8"?>
+<file path=ppt/slides/slide23.xml><?xml version="1.0" encoding="utf-8"?>
 <p:sld xmlns:a="http://schemas.openxmlformats.org/drawingml/2006/main" xmlns:r="http://schemas.openxmlformats.org/officeDocument/2006/relationships" xmlns:p="http://schemas.openxmlformats.org/presentationml/2006/main">
   <p:cSld>
     <p:spTree>
@@ -15227,11 +16835,7 @@
             </a:r>
             <a:r>
               <a:rPr lang="ru-RU" sz="1400" dirty="0" smtClean="0"/>
-              <a:t>(тестирование установки / инсталляции</a:t>
-            </a:r>
-            <a:r>
-              <a:rPr lang="ru-RU" sz="1400" dirty="0" smtClean="0"/>
-              <a:t>)</a:t>
+              <a:t>(тестирование установки / инсталляции)</a:t>
             </a:r>
             <a:endParaRPr lang="en-US" sz="1400" dirty="0"/>
           </a:p>
@@ -15859,10 +17463,10 @@
           <a:p>
             <a:pPr algn="ctr"/>
             <a:r>
-              <a:rPr lang="en-US" sz="1300" dirty="0">
+              <a:rPr lang="en-US" sz="1300" dirty="0" smtClean="0">
                 <a:latin typeface="Georgia (Body)"/>
               </a:rPr>
-              <a:t>Exploratory Testing</a:t>
+              <a:t>Testability)</a:t>
             </a:r>
             <a:endParaRPr lang="en-US" sz="1300" dirty="0">
               <a:latin typeface="Georgia (Body)"/>
